--- a/Slide year5/Hun Ravit slide present.pptx
+++ b/Slide year5/Hun Ravit slide present.pptx
@@ -255,7 +255,7 @@
           <a:p>
             <a:fld id="{9B86FB18-907C-42C9-BFAF-4A9C1EFD1495}" type="datetimeFigureOut">
               <a:rPr lang="en-US" smtClean="0"/>
-              <a:t>6/24/2023</a:t>
+              <a:t>6/25/2023</a:t>
             </a:fld>
             <a:endParaRPr lang="en-US"/>
           </a:p>
@@ -432,7 +432,7 @@
           <a:p>
             <a:fld id="{31F5B76B-9F17-40AB-8782-425181EDEDCF}" type="datetimeFigureOut">
               <a:rPr lang="en-US" smtClean="0"/>
-              <a:t>6/24/2023</a:t>
+              <a:t>6/25/2023</a:t>
             </a:fld>
             <a:endParaRPr lang="en-US"/>
           </a:p>
@@ -3269,7 +3269,7 @@
           <a:p>
             <a:fld id="{D5D548DD-3A7F-4431-80CB-F0DE80DE47CC}" type="datetime1">
               <a:rPr lang="en-US" smtClean="0"/>
-              <a:t>6/24/2023</a:t>
+              <a:t>6/25/2023</a:t>
             </a:fld>
             <a:endParaRPr lang="en-US"/>
           </a:p>
@@ -3391,7 +3391,7 @@
           <a:p>
             <a:fld id="{972D9EB1-A7CF-4442-B2C8-4627288CC205}" type="datetime1">
               <a:rPr lang="en-US" smtClean="0"/>
-              <a:t>6/24/2023</a:t>
+              <a:t>6/25/2023</a:t>
             </a:fld>
             <a:endParaRPr lang="en-US"/>
           </a:p>
@@ -3679,7 +3679,7 @@
           <a:p>
             <a:fld id="{75E84E42-F34F-4664-954A-C2C709CB0F21}" type="datetime1">
               <a:rPr lang="en-US" smtClean="0"/>
-              <a:t>6/24/2023</a:t>
+              <a:t>6/25/2023</a:t>
             </a:fld>
             <a:endParaRPr lang="en-US"/>
           </a:p>
@@ -4248,7 +4248,7 @@
           <a:p>
             <a:fld id="{490F3387-414C-48EB-9A91-27049079726A}" type="datetime1">
               <a:rPr lang="en-US" smtClean="0"/>
-              <a:t>6/24/2023</a:t>
+              <a:t>6/25/2023</a:t>
             </a:fld>
             <a:endParaRPr lang="en-US"/>
           </a:p>
@@ -4514,8 +4514,8 @@
         </p:nvSpPr>
         <p:spPr>
           <a:xfrm>
-            <a:off x="-19049" y="0"/>
-            <a:ext cx="9156699" cy="6858000"/>
+            <a:off x="-181419" y="-121604"/>
+            <a:ext cx="9470698" cy="6979603"/>
           </a:xfrm>
           <a:prstGeom prst="rect">
             <a:avLst/>
@@ -4525,7 +4525,7 @@
           </a:solidFill>
           <a:ln>
             <a:solidFill>
-              <a:srgbClr val="FD6400"/>
+              <a:srgbClr val="0070C0"/>
             </a:solidFill>
           </a:ln>
         </p:spPr>
@@ -4624,7 +4624,7 @@
           <a:p>
             <a:fld id="{401D3AAB-67F1-4FF7-B1A4-6E2F3F2EBAE5}" type="datetime1">
               <a:rPr lang="en-US" smtClean="0"/>
-              <a:t>6/24/2023</a:t>
+              <a:t>6/25/2023</a:t>
             </a:fld>
             <a:endParaRPr lang="en-US"/>
           </a:p>
@@ -5146,7 +5146,7 @@
           <a:p>
             <a:fld id="{401D3AAB-67F1-4FF7-B1A4-6E2F3F2EBAE5}" type="datetime1">
               <a:rPr lang="en-US" smtClean="0"/>
-              <a:t>6/24/2023</a:t>
+              <a:t>6/25/2023</a:t>
             </a:fld>
             <a:endParaRPr lang="en-US"/>
           </a:p>
@@ -7141,7 +7141,7 @@
           <a:p>
             <a:fld id="{A8E6A850-253D-42A0-8A5B-FA12D923BC99}" type="datetime1">
               <a:rPr lang="en-US" smtClean="0"/>
-              <a:t>6/24/2023</a:t>
+              <a:t>6/25/2023</a:t>
             </a:fld>
             <a:endParaRPr lang="en-US"/>
           </a:p>
@@ -17778,35 +17778,6 @@
           </a:p>
         </p:txBody>
       </p:sp>
-      <p:pic>
-        <p:nvPicPr>
-          <p:cNvPr id="5" name="Picture 4">
-            <a:extLst>
-              <a:ext uri="{FF2B5EF4-FFF2-40B4-BE49-F238E27FC236}">
-                <a16:creationId xmlns:a16="http://schemas.microsoft.com/office/drawing/2014/main" id="{AC28A713-72A5-A52E-555F-CAC2BCC9F042}"/>
-              </a:ext>
-            </a:extLst>
-          </p:cNvPr>
-          <p:cNvPicPr>
-            <a:picLocks noChangeAspect="1"/>
-          </p:cNvPicPr>
-          <p:nvPr/>
-        </p:nvPicPr>
-        <p:blipFill rotWithShape="1">
-          <a:blip r:embed="rId3"/>
-          <a:srcRect r="33218"/>
-          <a:stretch/>
-        </p:blipFill>
-        <p:spPr>
-          <a:xfrm>
-            <a:off x="5872582" y="1256852"/>
-            <a:ext cx="2874554" cy="4989271"/>
-          </a:xfrm>
-          <a:prstGeom prst="rect">
-            <a:avLst/>
-          </a:prstGeom>
-        </p:spPr>
-      </p:pic>
       <p:sp>
         <p:nvSpPr>
           <p:cNvPr id="7" name="Subtitle 4">
@@ -17824,7 +17795,7 @@
         <p:spPr>
           <a:xfrm>
             <a:off x="396864" y="1563345"/>
-            <a:ext cx="5413707" cy="2965679"/>
+            <a:ext cx="5413707" cy="4169943"/>
           </a:xfrm>
           <a:prstGeom prst="rect">
             <a:avLst/>
@@ -18022,41 +17993,7 @@
                 <a:latin typeface="Bahnschrift" panose="020B0502040204020203" pitchFamily="34" charset="0"/>
                 <a:cs typeface="Times New Roman" panose="02020603050405020304" pitchFamily="18" charset="0"/>
               </a:rPr>
-              <a:t>: store configurations like mail service </a:t>
-            </a:r>
-          </a:p>
-          <a:p>
-            <a:pPr>
-              <a:lnSpc>
-                <a:spcPct val="150000"/>
-              </a:lnSpc>
-              <a:spcAft>
-                <a:spcPts val="600"/>
-              </a:spcAft>
-              <a:buClr>
-                <a:srgbClr val="FD6400"/>
-              </a:buClr>
-            </a:pPr>
-            <a:r>
-              <a:rPr lang="en-US" sz="1700" b="1" dirty="0" err="1">
-                <a:latin typeface="Bahnschrift" panose="020B0502040204020203" pitchFamily="34" charset="0"/>
-                <a:cs typeface="Times New Roman" panose="02020603050405020304" pitchFamily="18" charset="0"/>
-              </a:rPr>
-              <a:t>dto</a:t>
-            </a:r>
-            <a:r>
-              <a:rPr lang="en-US" sz="1700" b="1" dirty="0">
-                <a:latin typeface="Bahnschrift" panose="020B0502040204020203" pitchFamily="34" charset="0"/>
-                <a:cs typeface="Times New Roman" panose="02020603050405020304" pitchFamily="18" charset="0"/>
-              </a:rPr>
-              <a:t>:</a:t>
-            </a:r>
-            <a:r>
-              <a:rPr lang="en-US" sz="1700" dirty="0">
-                <a:latin typeface="Bahnschrift" panose="020B0502040204020203" pitchFamily="34" charset="0"/>
-                <a:cs typeface="Times New Roman" panose="02020603050405020304" pitchFamily="18" charset="0"/>
-              </a:rPr>
-              <a:t> store data transfer object(request &amp; response)</a:t>
+              <a:t>: store configurations example database</a:t>
             </a:r>
           </a:p>
           <a:p>
@@ -18076,14 +18013,41 @@
                 <a:latin typeface="Bahnschrift" panose="020B0502040204020203" pitchFamily="34" charset="0"/>
                 <a:cs typeface="Times New Roman" panose="02020603050405020304" pitchFamily="18" charset="0"/>
               </a:rPr>
-              <a:t>repository</a:t>
+              <a:t>controller:</a:t>
             </a:r>
             <a:r>
               <a:rPr lang="en-US" sz="1700" dirty="0">
                 <a:latin typeface="Bahnschrift" panose="020B0502040204020203" pitchFamily="34" charset="0"/>
                 <a:cs typeface="Times New Roman" panose="02020603050405020304" pitchFamily="18" charset="0"/>
               </a:rPr>
-              <a:t>: keep all repository</a:t>
+              <a:t> store logically for handling incoming requests</a:t>
+            </a:r>
+          </a:p>
+          <a:p>
+            <a:pPr>
+              <a:lnSpc>
+                <a:spcPct val="150000"/>
+              </a:lnSpc>
+              <a:spcAft>
+                <a:spcPts val="600"/>
+              </a:spcAft>
+              <a:buClr>
+                <a:srgbClr val="FD6400"/>
+              </a:buClr>
+            </a:pPr>
+            <a:r>
+              <a:rPr lang="en-US" sz="1700" b="1" dirty="0">
+                <a:latin typeface="Bahnschrift" panose="020B0502040204020203" pitchFamily="34" charset="0"/>
+                <a:cs typeface="Times New Roman" panose="02020603050405020304" pitchFamily="18" charset="0"/>
+              </a:rPr>
+              <a:t>uploads</a:t>
+            </a:r>
+            <a:r>
+              <a:rPr lang="en-US" sz="1700" dirty="0">
+                <a:latin typeface="Bahnschrift" panose="020B0502040204020203" pitchFamily="34" charset="0"/>
+                <a:cs typeface="Times New Roman" panose="02020603050405020304" pitchFamily="18" charset="0"/>
+              </a:rPr>
+              <a:t>: store all file images and Excel that upload from the user</a:t>
             </a:r>
           </a:p>
           <a:p>
@@ -18110,27 +18074,63 @@
                 <a:latin typeface="Bahnschrift" panose="020B0502040204020203" pitchFamily="34" charset="0"/>
                 <a:cs typeface="Times New Roman" panose="02020603050405020304" pitchFamily="18" charset="0"/>
               </a:rPr>
-              <a:t>: keep feature specifics</a:t>
+              <a:t>: store helper functions that can be used across the application</a:t>
             </a:r>
           </a:p>
         </p:txBody>
       </p:sp>
       <p:pic>
         <p:nvPicPr>
-          <p:cNvPr id="1026" name="Picture 2">
+          <p:cNvPr id="6" name="Picture 5">
             <a:extLst>
               <a:ext uri="{FF2B5EF4-FFF2-40B4-BE49-F238E27FC236}">
-                <a16:creationId xmlns:a16="http://schemas.microsoft.com/office/drawing/2014/main" id="{398265BD-EBDC-B6DE-B831-08E37ED3B6D9}"/>
+                <a16:creationId xmlns:a16="http://schemas.microsoft.com/office/drawing/2014/main" id="{A7CD683E-B114-8966-C3F0-750CBB85D95B}"/>
               </a:ext>
             </a:extLst>
           </p:cNvPr>
           <p:cNvPicPr>
-            <a:picLocks noChangeAspect="1" noChangeArrowheads="1"/>
+            <a:picLocks noChangeAspect="1"/>
           </p:cNvPicPr>
           <p:nvPr/>
         </p:nvPicPr>
         <p:blipFill>
-          <a:blip r:embed="rId4">
+          <a:blip r:embed="rId3">
+            <a:extLst>
+              <a:ext uri="{28A0092B-C50C-407E-A947-70E740481C1C}">
+                <a14:useLocalDpi xmlns:a14="http://schemas.microsoft.com/office/drawing/2010/main" val="0"/>
+              </a:ext>
+            </a:extLst>
+          </a:blip>
+          <a:stretch>
+            <a:fillRect/>
+          </a:stretch>
+        </p:blipFill>
+        <p:spPr>
+          <a:xfrm>
+            <a:off x="5810571" y="1563345"/>
+            <a:ext cx="2748460" cy="4309313"/>
+          </a:xfrm>
+          <a:prstGeom prst="rect">
+            <a:avLst/>
+          </a:prstGeom>
+        </p:spPr>
+      </p:pic>
+      <p:pic>
+        <p:nvPicPr>
+          <p:cNvPr id="8" name="Picture 7" descr="Node.js - Wikipedia">
+            <a:extLst>
+              <a:ext uri="{FF2B5EF4-FFF2-40B4-BE49-F238E27FC236}">
+                <a16:creationId xmlns:a16="http://schemas.microsoft.com/office/drawing/2014/main" id="{3345F45F-2B18-C55B-A3C5-34B4487FA650}"/>
+              </a:ext>
+            </a:extLst>
+          </p:cNvPr>
+          <p:cNvPicPr>
+            <a:picLocks noChangeAspect="1"/>
+          </p:cNvPicPr>
+          <p:nvPr/>
+        </p:nvPicPr>
+        <p:blipFill>
+          <a:blip r:embed="rId4" cstate="print">
             <a:extLst>
               <a:ext uri="{28A0092B-C50C-407E-A947-70E740481C1C}">
                 <a14:useLocalDpi xmlns:a14="http://schemas.microsoft.com/office/drawing/2010/main" val="0"/>
@@ -18144,22 +18144,16 @@
         </p:blipFill>
         <p:spPr bwMode="auto">
           <a:xfrm>
-            <a:off x="4343350" y="5572091"/>
-            <a:ext cx="1467221" cy="770291"/>
+            <a:off x="3791267" y="5007356"/>
+            <a:ext cx="1835785" cy="1122680"/>
           </a:xfrm>
           <a:prstGeom prst="rect">
             <a:avLst/>
           </a:prstGeom>
           <a:noFill/>
-          <a:extLst>
-            <a:ext uri="{909E8E84-426E-40DD-AFC4-6F175D3DCCD1}">
-              <a14:hiddenFill xmlns:a14="http://schemas.microsoft.com/office/drawing/2010/main">
-                <a:solidFill>
-                  <a:srgbClr val="FFFFFF"/>
-                </a:solidFill>
-              </a14:hiddenFill>
-            </a:ext>
-          </a:extLst>
+          <a:ln>
+            <a:noFill/>
+          </a:ln>
         </p:spPr>
       </p:pic>
     </p:spTree>
@@ -18283,35 +18277,6 @@
           </a:p>
         </p:txBody>
       </p:sp>
-      <p:pic>
-        <p:nvPicPr>
-          <p:cNvPr id="5" name="Picture 4">
-            <a:extLst>
-              <a:ext uri="{FF2B5EF4-FFF2-40B4-BE49-F238E27FC236}">
-                <a16:creationId xmlns:a16="http://schemas.microsoft.com/office/drawing/2014/main" id="{8AFBF937-415B-66FD-6009-188B094BEC58}"/>
-              </a:ext>
-            </a:extLst>
-          </p:cNvPr>
-          <p:cNvPicPr>
-            <a:picLocks noChangeAspect="1"/>
-          </p:cNvPicPr>
-          <p:nvPr/>
-        </p:nvPicPr>
-        <p:blipFill rotWithShape="1">
-          <a:blip r:embed="rId3"/>
-          <a:srcRect r="9232"/>
-          <a:stretch/>
-        </p:blipFill>
-        <p:spPr>
-          <a:xfrm>
-            <a:off x="6353019" y="1132129"/>
-            <a:ext cx="2649168" cy="5011228"/>
-          </a:xfrm>
-          <a:prstGeom prst="rect">
-            <a:avLst/>
-          </a:prstGeom>
-        </p:spPr>
-      </p:pic>
       <p:sp>
         <p:nvSpPr>
           <p:cNvPr id="6" name="Subtitle 4">
@@ -18615,7 +18580,7 @@
                 <a:latin typeface="Bahnschrift" panose="020B0502040204020203" pitchFamily="34" charset="0"/>
                 <a:cs typeface="Times New Roman" panose="02020603050405020304" pitchFamily="18" charset="0"/>
               </a:rPr>
-              <a:t>page</a:t>
+              <a:t>views</a:t>
             </a:r>
             <a:r>
               <a:rPr lang="en-US" sz="1600" dirty="0">
@@ -18642,14 +18607,14 @@
                 <a:latin typeface="Bahnschrift" panose="020B0502040204020203" pitchFamily="34" charset="0"/>
                 <a:cs typeface="Times New Roman" panose="02020603050405020304" pitchFamily="18" charset="0"/>
               </a:rPr>
-              <a:t>dialog</a:t>
+              <a:t>router: </a:t>
             </a:r>
             <a:r>
               <a:rPr lang="en-US" sz="1600" dirty="0">
                 <a:latin typeface="Bahnschrift" panose="020B0502040204020203" pitchFamily="34" charset="0"/>
                 <a:cs typeface="Times New Roman" panose="02020603050405020304" pitchFamily="18" charset="0"/>
               </a:rPr>
-              <a:t>: store dialog of create, update, and delete </a:t>
+              <a:t>store the Vue router configuration file and path</a:t>
             </a:r>
           </a:p>
           <a:p>
@@ -18673,19 +18638,55 @@
       </p:sp>
       <p:pic>
         <p:nvPicPr>
-          <p:cNvPr id="2050" name="Picture 2">
+          <p:cNvPr id="7" name="Picture 6">
             <a:extLst>
               <a:ext uri="{FF2B5EF4-FFF2-40B4-BE49-F238E27FC236}">
-                <a16:creationId xmlns:a16="http://schemas.microsoft.com/office/drawing/2014/main" id="{DCF3C3A3-ECE9-2EE1-AACC-2DA2D69D666B}"/>
+                <a16:creationId xmlns:a16="http://schemas.microsoft.com/office/drawing/2014/main" id="{76060777-AF8B-51C7-B99B-E71066E8A05E}"/>
               </a:ext>
             </a:extLst>
           </p:cNvPr>
           <p:cNvPicPr>
-            <a:picLocks noChangeAspect="1" noChangeArrowheads="1"/>
+            <a:picLocks noChangeAspect="1"/>
           </p:cNvPicPr>
           <p:nvPr/>
         </p:nvPicPr>
         <p:blipFill>
+          <a:blip r:embed="rId3">
+            <a:extLst>
+              <a:ext uri="{28A0092B-C50C-407E-A947-70E740481C1C}">
+                <a14:useLocalDpi xmlns:a14="http://schemas.microsoft.com/office/drawing/2010/main" val="0"/>
+              </a:ext>
+            </a:extLst>
+          </a:blip>
+          <a:stretch>
+            <a:fillRect/>
+          </a:stretch>
+        </p:blipFill>
+        <p:spPr>
+          <a:xfrm>
+            <a:off x="6353019" y="1032357"/>
+            <a:ext cx="2275502" cy="5019656"/>
+          </a:xfrm>
+          <a:prstGeom prst="rect">
+            <a:avLst/>
+          </a:prstGeom>
+        </p:spPr>
+      </p:pic>
+      <p:pic>
+        <p:nvPicPr>
+          <p:cNvPr id="8" name="Picture 7" descr="Vue.js As An Enterprise Solution">
+            <a:extLst>
+              <a:ext uri="{FF2B5EF4-FFF2-40B4-BE49-F238E27FC236}">
+                <a16:creationId xmlns:a16="http://schemas.microsoft.com/office/drawing/2014/main" id="{70719027-DFA4-ED71-0EEE-7E471DD4FD7A}"/>
+              </a:ext>
+            </a:extLst>
+          </p:cNvPr>
+          <p:cNvPicPr>
+            <a:picLocks noChangeAspect="1"/>
+          </p:cNvPicPr>
+          <p:nvPr/>
+        </p:nvPicPr>
+        <p:blipFill rotWithShape="1">
           <a:blip r:embed="rId4">
             <a:extLst>
               <a:ext uri="{28A0092B-C50C-407E-A947-70E740481C1C}">
@@ -18693,27 +18694,24 @@
               </a:ext>
             </a:extLst>
           </a:blip>
-          <a:srcRect/>
-          <a:stretch>
-            <a:fillRect/>
-          </a:stretch>
+          <a:srcRect l="4611" t="19952" r="3649" b="19431"/>
+          <a:stretch/>
         </p:blipFill>
         <p:spPr bwMode="auto">
           <a:xfrm>
-            <a:off x="5293840" y="5176114"/>
-            <a:ext cx="1059179" cy="1059179"/>
+            <a:off x="4033858" y="5155379"/>
+            <a:ext cx="2275502" cy="902781"/>
           </a:xfrm>
           <a:prstGeom prst="rect">
             <a:avLst/>
           </a:prstGeom>
           <a:noFill/>
+          <a:ln>
+            <a:noFill/>
+          </a:ln>
           <a:extLst>
-            <a:ext uri="{909E8E84-426E-40DD-AFC4-6F175D3DCCD1}">
-              <a14:hiddenFill xmlns:a14="http://schemas.microsoft.com/office/drawing/2010/main">
-                <a:solidFill>
-                  <a:srgbClr val="FFFFFF"/>
-                </a:solidFill>
-              </a14:hiddenFill>
+            <a:ext uri="{53640926-AAD7-44D8-BBD7-CCE9431645EC}">
+              <a14:shadowObscured xmlns:a14="http://schemas.microsoft.com/office/drawing/2010/main"/>
             </a:ext>
           </a:extLst>
         </p:spPr>
@@ -20429,7 +20427,7 @@
           <a:p>
             <a:r>
               <a:rPr lang="en-US" dirty="0"/>
-              <a:t>3.2 Flowchart for create question</a:t>
+              <a:t>3.2 Flowchart for</a:t>
             </a:r>
           </a:p>
         </p:txBody>
@@ -20492,41 +20490,6 @@
           </a:p>
         </p:txBody>
       </p:sp>
-      <p:pic>
-        <p:nvPicPr>
-          <p:cNvPr id="9" name="Picture 8">
-            <a:extLst>
-              <a:ext uri="{FF2B5EF4-FFF2-40B4-BE49-F238E27FC236}">
-                <a16:creationId xmlns:a16="http://schemas.microsoft.com/office/drawing/2014/main" id="{EA318B37-3B6E-296E-B9D0-0BC3045A7039}"/>
-              </a:ext>
-            </a:extLst>
-          </p:cNvPr>
-          <p:cNvPicPr>
-            <a:picLocks noChangeAspect="1"/>
-          </p:cNvPicPr>
-          <p:nvPr/>
-        </p:nvPicPr>
-        <p:blipFill rotWithShape="1">
-          <a:blip r:embed="rId3">
-            <a:extLst>
-              <a:ext uri="{28A0092B-C50C-407E-A947-70E740481C1C}">
-                <a14:useLocalDpi xmlns:a14="http://schemas.microsoft.com/office/drawing/2010/main" val="0"/>
-              </a:ext>
-            </a:extLst>
-          </a:blip>
-          <a:srcRect l="14145" t="8267" r="28750" b="12000"/>
-          <a:stretch/>
-        </p:blipFill>
-        <p:spPr>
-          <a:xfrm>
-            <a:off x="1779524" y="1389888"/>
-            <a:ext cx="5068062" cy="5468112"/>
-          </a:xfrm>
-          <a:prstGeom prst="rect">
-            <a:avLst/>
-          </a:prstGeom>
-        </p:spPr>
-      </p:pic>
     </p:spTree>
     <p:extLst>
       <p:ext uri="{BB962C8B-B14F-4D97-AF65-F5344CB8AC3E}">
@@ -20585,7 +20548,7 @@
           <a:p>
             <a:r>
               <a:rPr lang="en-US" dirty="0"/>
-              <a:t>3.3 Flowchart for create candidate</a:t>
+              <a:t>3.3 Flowchart for</a:t>
             </a:r>
           </a:p>
         </p:txBody>
@@ -20648,41 +20611,6 @@
           </a:p>
         </p:txBody>
       </p:sp>
-      <p:pic>
-        <p:nvPicPr>
-          <p:cNvPr id="6" name="Picture 5">
-            <a:extLst>
-              <a:ext uri="{FF2B5EF4-FFF2-40B4-BE49-F238E27FC236}">
-                <a16:creationId xmlns:a16="http://schemas.microsoft.com/office/drawing/2014/main" id="{F87A1004-5207-4601-8B2F-F260E7787E3A}"/>
-              </a:ext>
-            </a:extLst>
-          </p:cNvPr>
-          <p:cNvPicPr>
-            <a:picLocks noChangeAspect="1"/>
-          </p:cNvPicPr>
-          <p:nvPr/>
-        </p:nvPicPr>
-        <p:blipFill rotWithShape="1">
-          <a:blip r:embed="rId3">
-            <a:extLst>
-              <a:ext uri="{28A0092B-C50C-407E-A947-70E740481C1C}">
-                <a14:useLocalDpi xmlns:a14="http://schemas.microsoft.com/office/drawing/2010/main" val="0"/>
-              </a:ext>
-            </a:extLst>
-          </a:blip>
-          <a:srcRect l="10127" t="7601" r="35473" b="14533"/>
-          <a:stretch/>
-        </p:blipFill>
-        <p:spPr>
-          <a:xfrm>
-            <a:off x="2478024" y="1367080"/>
-            <a:ext cx="4828032" cy="5340096"/>
-          </a:xfrm>
-          <a:prstGeom prst="rect">
-            <a:avLst/>
-          </a:prstGeom>
-        </p:spPr>
-      </p:pic>
     </p:spTree>
     <p:extLst>
       <p:ext uri="{BB962C8B-B14F-4D97-AF65-F5344CB8AC3E}">
@@ -20741,7 +20669,7 @@
           <a:p>
             <a:r>
               <a:rPr lang="en-US" dirty="0"/>
-              <a:t>3.4 Flowchart for editing multiple answers</a:t>
+              <a:t>3.4 Flowchart for</a:t>
             </a:r>
           </a:p>
         </p:txBody>
@@ -20804,41 +20732,6 @@
           </a:p>
         </p:txBody>
       </p:sp>
-      <p:pic>
-        <p:nvPicPr>
-          <p:cNvPr id="10" name="Picture 9">
-            <a:extLst>
-              <a:ext uri="{FF2B5EF4-FFF2-40B4-BE49-F238E27FC236}">
-                <a16:creationId xmlns:a16="http://schemas.microsoft.com/office/drawing/2014/main" id="{E303DDC1-CD2D-FDBC-0972-DED860B30A5E}"/>
-              </a:ext>
-            </a:extLst>
-          </p:cNvPr>
-          <p:cNvPicPr>
-            <a:picLocks noChangeAspect="1"/>
-          </p:cNvPicPr>
-          <p:nvPr/>
-        </p:nvPicPr>
-        <p:blipFill rotWithShape="1">
-          <a:blip r:embed="rId3">
-            <a:extLst>
-              <a:ext uri="{28A0092B-C50C-407E-A947-70E740481C1C}">
-                <a14:useLocalDpi xmlns:a14="http://schemas.microsoft.com/office/drawing/2010/main" val="0"/>
-              </a:ext>
-            </a:extLst>
-          </a:blip>
-          <a:srcRect l="9097" t="10220" r="27192" b="18934"/>
-          <a:stretch/>
-        </p:blipFill>
-        <p:spPr>
-          <a:xfrm>
-            <a:off x="1764024" y="1563345"/>
-            <a:ext cx="5654364" cy="4858638"/>
-          </a:xfrm>
-          <a:prstGeom prst="rect">
-            <a:avLst/>
-          </a:prstGeom>
-        </p:spPr>
-      </p:pic>
     </p:spTree>
     <p:extLst>
       <p:ext uri="{BB962C8B-B14F-4D97-AF65-F5344CB8AC3E}">
@@ -21091,14 +20984,14 @@
           <p:nvPr>
             <p:extLst>
               <p:ext uri="{D42A27DB-BD31-4B8C-83A1-F6EECF244321}">
-                <p14:modId xmlns:p14="http://schemas.microsoft.com/office/powerpoint/2010/main" val="2720984090"/>
+                <p14:modId xmlns:p14="http://schemas.microsoft.com/office/powerpoint/2010/main" val="2962119053"/>
               </p:ext>
             </p:extLst>
           </p:nvPr>
         </p:nvGraphicFramePr>
         <p:xfrm>
-          <a:off x="1957543" y="1041570"/>
-          <a:ext cx="5961888" cy="5679906"/>
+          <a:off x="2003263" y="1132129"/>
+          <a:ext cx="5961888" cy="5048970"/>
         </p:xfrm>
         <a:graphic>
           <a:graphicData uri="http://schemas.openxmlformats.org/drawingml/2006/table">
@@ -21193,10 +21086,7 @@
                       <a:tailEnd type="none" w="med" len="med"/>
                     </a:lnB>
                     <a:solidFill>
-                      <a:schemeClr val="accent5">
-                        <a:lumMod val="60000"/>
-                        <a:lumOff val="40000"/>
-                      </a:schemeClr>
+                      <a:srgbClr val="0070C0"/>
                     </a:solidFill>
                   </a:tcPr>
                 </a:tc>
@@ -21263,10 +21153,7 @@
                       <a:tailEnd type="none" w="med" len="med"/>
                     </a:lnB>
                     <a:solidFill>
-                      <a:schemeClr val="accent5">
-                        <a:lumMod val="60000"/>
-                        <a:lumOff val="40000"/>
-                      </a:schemeClr>
+                      <a:srgbClr val="0070C0"/>
                     </a:solidFill>
                   </a:tcPr>
                 </a:tc>
@@ -21333,10 +21220,7 @@
                       <a:tailEnd type="none" w="med" len="med"/>
                     </a:lnB>
                     <a:solidFill>
-                      <a:schemeClr val="accent5">
-                        <a:lumMod val="60000"/>
-                        <a:lumOff val="40000"/>
-                      </a:schemeClr>
+                      <a:srgbClr val="0070C0"/>
                     </a:solidFill>
                   </a:tcPr>
                 </a:tc>
@@ -21352,24 +21236,35 @@
                     <a:bodyPr/>
                     <a:lstStyle/>
                     <a:p>
-                      <a:pPr algn="l" fontAlgn="ctr"/>
+                      <a:pPr indent="304800">
+                        <a:lnSpc>
+                          <a:spcPct val="107000"/>
+                        </a:lnSpc>
+                        <a:spcAft>
+                          <a:spcPts val="800"/>
+                        </a:spcAft>
+                      </a:pPr>
                       <a:r>
-                        <a:rPr lang="en-US" sz="1200" u="none" strike="noStrike" dirty="0">
+                        <a:rPr lang="en-US" sz="1200" dirty="0">
+                          <a:solidFill>
+                            <a:srgbClr val="000000"/>
+                          </a:solidFill>
                           <a:effectLst/>
                           <a:latin typeface="Bahnschrift" panose="020B0502040204020203" pitchFamily="34" charset="0"/>
+                          <a:ea typeface="Times New Roman" panose="02020603050405020304" pitchFamily="18" charset="0"/>
+                          <a:cs typeface="Times New Roman" panose="02020603050405020304" pitchFamily="18" charset="0"/>
                         </a:rPr>
                         <a:t>Login authentication</a:t>
                       </a:r>
-                      <a:endParaRPr lang="en-US" sz="1200" b="0" i="0" u="none" strike="noStrike" dirty="0">
-                        <a:solidFill>
-                          <a:srgbClr val="000000"/>
-                        </a:solidFill>
+                      <a:endParaRPr lang="en-US" sz="1200" dirty="0">
                         <a:effectLst/>
                         <a:latin typeface="Bahnschrift" panose="020B0502040204020203" pitchFamily="34" charset="0"/>
+                        <a:ea typeface="Calibri" panose="020F0502020204030204" pitchFamily="34" charset="0"/>
+                        <a:cs typeface="Arial Unicode MS"/>
                       </a:endParaRPr>
                     </a:p>
                   </a:txBody>
-                  <a:tcPr marL="163687" marR="6820" marT="6820" marB="0" anchor="ctr">
+                  <a:tcPr marL="68580" marR="68580" marT="0" marB="0" anchor="ctr">
                     <a:lnL w="12700" cap="flat" cmpd="sng" algn="ctr">
                       <a:solidFill>
                         <a:schemeClr val="tx1"/>
@@ -21496,7 +21391,7 @@
                       </a:endParaRPr>
                     </a:p>
                   </a:txBody>
-                  <a:tcPr marL="163687" marR="6820" marT="6820" marB="0" anchor="b">
+                  <a:tcPr marL="163687" marR="6820" marT="6820" marB="0" anchor="ctr">
                     <a:lnL w="12700" cap="flat" cmpd="sng" algn="ctr">
                       <a:solidFill>
                         <a:schemeClr val="tx1"/>
@@ -21550,24 +21445,35 @@
                     <a:bodyPr/>
                     <a:lstStyle/>
                     <a:p>
-                      <a:pPr algn="l" fontAlgn="ctr"/>
+                      <a:pPr indent="304800">
+                        <a:lnSpc>
+                          <a:spcPct val="107000"/>
+                        </a:lnSpc>
+                        <a:spcAft>
+                          <a:spcPts val="800"/>
+                        </a:spcAft>
+                      </a:pPr>
                       <a:r>
-                        <a:rPr lang="en-US" sz="1200" u="none" strike="noStrike" dirty="0" err="1">
+                        <a:rPr lang="en-US" sz="1200" dirty="0">
+                          <a:solidFill>
+                            <a:srgbClr val="000000"/>
+                          </a:solidFill>
                           <a:effectLst/>
                           <a:latin typeface="Bahnschrift" panose="020B0502040204020203" pitchFamily="34" charset="0"/>
+                          <a:ea typeface="Times New Roman" panose="02020603050405020304" pitchFamily="18" charset="0"/>
+                          <a:cs typeface="Times New Roman" panose="02020603050405020304" pitchFamily="18" charset="0"/>
                         </a:rPr>
-                        <a:t>Dashboad</a:t>
+                        <a:t>Register attendance</a:t>
                       </a:r>
-                      <a:endParaRPr lang="en-US" sz="1200" b="0" i="0" u="none" strike="noStrike" dirty="0">
-                        <a:solidFill>
-                          <a:srgbClr val="000000"/>
-                        </a:solidFill>
+                      <a:endParaRPr lang="en-US" sz="1200" dirty="0">
                         <a:effectLst/>
                         <a:latin typeface="Bahnschrift" panose="020B0502040204020203" pitchFamily="34" charset="0"/>
+                        <a:ea typeface="Calibri" panose="020F0502020204030204" pitchFamily="34" charset="0"/>
+                        <a:cs typeface="Arial Unicode MS"/>
                       </a:endParaRPr>
                     </a:p>
                   </a:txBody>
-                  <a:tcPr marL="163687" marR="6820" marT="6820" marB="0" anchor="ctr">
+                  <a:tcPr marL="68580" marR="68580" marT="0" marB="0" anchor="ctr">
                     <a:lnL w="12700" cap="flat" cmpd="sng" algn="ctr">
                       <a:solidFill>
                         <a:schemeClr val="tx1"/>
@@ -21695,7 +21601,7 @@
                       </a:endParaRPr>
                     </a:p>
                   </a:txBody>
-                  <a:tcPr marL="163687" marR="6820" marT="6820" marB="0" anchor="b">
+                  <a:tcPr marL="163687" marR="6820" marT="6820" marB="0" anchor="ctr">
                     <a:lnL w="12700" cap="flat" cmpd="sng" algn="ctr">
                       <a:solidFill>
                         <a:schemeClr val="tx1"/>
@@ -21749,24 +21655,35 @@
                     <a:bodyPr/>
                     <a:lstStyle/>
                     <a:p>
-                      <a:pPr algn="l" fontAlgn="ctr"/>
+                      <a:pPr indent="304800">
+                        <a:lnSpc>
+                          <a:spcPct val="107000"/>
+                        </a:lnSpc>
+                        <a:spcAft>
+                          <a:spcPts val="800"/>
+                        </a:spcAft>
+                      </a:pPr>
                       <a:r>
-                        <a:rPr lang="en-US" sz="1200" u="none" strike="noStrike" dirty="0">
+                        <a:rPr lang="en-US" sz="1200" dirty="0">
+                          <a:solidFill>
+                            <a:srgbClr val="000000"/>
+                          </a:solidFill>
                           <a:effectLst/>
                           <a:latin typeface="Bahnschrift" panose="020B0502040204020203" pitchFamily="34" charset="0"/>
+                          <a:ea typeface="Times New Roman" panose="02020603050405020304" pitchFamily="18" charset="0"/>
+                          <a:cs typeface="Times New Roman" panose="02020603050405020304" pitchFamily="18" charset="0"/>
                         </a:rPr>
                         <a:t>CRUD candidate</a:t>
                       </a:r>
-                      <a:endParaRPr lang="en-US" sz="1200" b="0" i="0" u="none" strike="noStrike" dirty="0">
-                        <a:solidFill>
-                          <a:srgbClr val="000000"/>
-                        </a:solidFill>
+                      <a:endParaRPr lang="en-US" sz="1200" dirty="0">
                         <a:effectLst/>
                         <a:latin typeface="Bahnschrift" panose="020B0502040204020203" pitchFamily="34" charset="0"/>
+                        <a:ea typeface="Calibri" panose="020F0502020204030204" pitchFamily="34" charset="0"/>
+                        <a:cs typeface="Arial Unicode MS"/>
                       </a:endParaRPr>
                     </a:p>
                   </a:txBody>
-                  <a:tcPr marL="163687" marR="6820" marT="6820" marB="0" anchor="ctr">
+                  <a:tcPr marL="68580" marR="68580" marT="0" marB="0" anchor="ctr">
                     <a:lnL w="12700" cap="flat" cmpd="sng" algn="ctr">
                       <a:solidFill>
                         <a:schemeClr val="tx1"/>
@@ -21894,7 +21811,7 @@
                       </a:endParaRPr>
                     </a:p>
                   </a:txBody>
-                  <a:tcPr marL="163687" marR="6820" marT="6820" marB="0" anchor="b">
+                  <a:tcPr marL="163687" marR="6820" marT="6820" marB="0" anchor="ctr">
                     <a:lnL w="12700" cap="flat" cmpd="sng" algn="ctr">
                       <a:solidFill>
                         <a:schemeClr val="tx1"/>
@@ -21948,24 +21865,35 @@
                     <a:bodyPr/>
                     <a:lstStyle/>
                     <a:p>
-                      <a:pPr algn="l" fontAlgn="ctr"/>
+                      <a:pPr indent="304800">
+                        <a:lnSpc>
+                          <a:spcPct val="107000"/>
+                        </a:lnSpc>
+                        <a:spcAft>
+                          <a:spcPts val="800"/>
+                        </a:spcAft>
+                      </a:pPr>
                       <a:r>
-                        <a:rPr lang="en-US" sz="1200" u="none" strike="noStrike" dirty="0">
+                        <a:rPr lang="en-US" sz="1200" dirty="0">
+                          <a:solidFill>
+                            <a:srgbClr val="000000"/>
+                          </a:solidFill>
                           <a:effectLst/>
                           <a:latin typeface="Bahnschrift" panose="020B0502040204020203" pitchFamily="34" charset="0"/>
+                          <a:ea typeface="Times New Roman" panose="02020603050405020304" pitchFamily="18" charset="0"/>
+                          <a:cs typeface="Times New Roman" panose="02020603050405020304" pitchFamily="18" charset="0"/>
                         </a:rPr>
-                        <a:t>CRUD user</a:t>
+                        <a:t>CRUD candidate type</a:t>
                       </a:r>
-                      <a:endParaRPr lang="en-US" sz="1200" b="0" i="0" u="none" strike="noStrike" dirty="0">
-                        <a:solidFill>
-                          <a:srgbClr val="000000"/>
-                        </a:solidFill>
+                      <a:endParaRPr lang="en-US" sz="1200" dirty="0">
                         <a:effectLst/>
                         <a:latin typeface="Bahnschrift" panose="020B0502040204020203" pitchFamily="34" charset="0"/>
+                        <a:ea typeface="Calibri" panose="020F0502020204030204" pitchFamily="34" charset="0"/>
+                        <a:cs typeface="Arial Unicode MS"/>
                       </a:endParaRPr>
                     </a:p>
                   </a:txBody>
-                  <a:tcPr marL="163687" marR="6820" marT="6820" marB="0" anchor="ctr">
+                  <a:tcPr marL="68580" marR="68580" marT="0" marB="0" anchor="ctr">
                     <a:lnL w="12700" cap="flat" cmpd="sng" algn="ctr">
                       <a:solidFill>
                         <a:schemeClr val="tx1"/>
@@ -22093,7 +22021,7 @@
                       </a:endParaRPr>
                     </a:p>
                   </a:txBody>
-                  <a:tcPr marL="163687" marR="6820" marT="6820" marB="0" anchor="b">
+                  <a:tcPr marL="163687" marR="6820" marT="6820" marB="0" anchor="ctr">
                     <a:lnL w="12700" cap="flat" cmpd="sng" algn="ctr">
                       <a:solidFill>
                         <a:schemeClr val="tx1"/>
@@ -22147,24 +22075,35 @@
                     <a:bodyPr/>
                     <a:lstStyle/>
                     <a:p>
-                      <a:pPr algn="l" fontAlgn="ctr"/>
+                      <a:pPr indent="304800">
+                        <a:lnSpc>
+                          <a:spcPct val="107000"/>
+                        </a:lnSpc>
+                        <a:spcAft>
+                          <a:spcPts val="800"/>
+                        </a:spcAft>
+                      </a:pPr>
                       <a:r>
-                        <a:rPr lang="en-US" sz="1200" u="none" strike="noStrike" dirty="0">
+                        <a:rPr lang="en-US" sz="1200" dirty="0">
+                          <a:solidFill>
+                            <a:srgbClr val="000000"/>
+                          </a:solidFill>
                           <a:effectLst/>
                           <a:latin typeface="Bahnschrift" panose="020B0502040204020203" pitchFamily="34" charset="0"/>
+                          <a:ea typeface="Times New Roman" panose="02020603050405020304" pitchFamily="18" charset="0"/>
+                          <a:cs typeface="Times New Roman" panose="02020603050405020304" pitchFamily="18" charset="0"/>
                         </a:rPr>
-                        <a:t>CRUD quiz</a:t>
+                        <a:t>CRUD department</a:t>
                       </a:r>
-                      <a:endParaRPr lang="en-US" sz="1200" b="0" i="0" u="none" strike="noStrike" dirty="0">
-                        <a:solidFill>
-                          <a:srgbClr val="000000"/>
-                        </a:solidFill>
+                      <a:endParaRPr lang="en-US" sz="1200" dirty="0">
                         <a:effectLst/>
                         <a:latin typeface="Bahnschrift" panose="020B0502040204020203" pitchFamily="34" charset="0"/>
+                        <a:ea typeface="Calibri" panose="020F0502020204030204" pitchFamily="34" charset="0"/>
+                        <a:cs typeface="Arial Unicode MS"/>
                       </a:endParaRPr>
                     </a:p>
                   </a:txBody>
-                  <a:tcPr marL="163687" marR="6820" marT="6820" marB="0" anchor="ctr">
+                  <a:tcPr marL="68580" marR="68580" marT="0" marB="0" anchor="ctr">
                     <a:lnL w="12700" cap="flat" cmpd="sng" algn="ctr">
                       <a:solidFill>
                         <a:schemeClr val="tx1"/>
@@ -22292,7 +22231,7 @@
                       </a:endParaRPr>
                     </a:p>
                   </a:txBody>
-                  <a:tcPr marL="163687" marR="6820" marT="6820" marB="0" anchor="b">
+                  <a:tcPr marL="163687" marR="6820" marT="6820" marB="0" anchor="ctr">
                     <a:lnL w="12700" cap="flat" cmpd="sng" algn="ctr">
                       <a:solidFill>
                         <a:schemeClr val="tx1"/>
@@ -22346,24 +22285,35 @@
                     <a:bodyPr/>
                     <a:lstStyle/>
                     <a:p>
-                      <a:pPr algn="l" fontAlgn="ctr"/>
+                      <a:pPr indent="304800">
+                        <a:lnSpc>
+                          <a:spcPct val="107000"/>
+                        </a:lnSpc>
+                        <a:spcAft>
+                          <a:spcPts val="800"/>
+                        </a:spcAft>
+                      </a:pPr>
                       <a:r>
-                        <a:rPr lang="en-US" sz="1200" u="none" strike="noStrike" dirty="0">
+                        <a:rPr lang="en-US" sz="1200" dirty="0">
+                          <a:solidFill>
+                            <a:srgbClr val="000000"/>
+                          </a:solidFill>
                           <a:effectLst/>
                           <a:latin typeface="Bahnschrift" panose="020B0502040204020203" pitchFamily="34" charset="0"/>
+                          <a:ea typeface="Times New Roman" panose="02020603050405020304" pitchFamily="18" charset="0"/>
+                          <a:cs typeface="Times New Roman" panose="02020603050405020304" pitchFamily="18" charset="0"/>
                         </a:rPr>
-                        <a:t>CRUD question</a:t>
+                        <a:t>CRUD department option</a:t>
                       </a:r>
-                      <a:endParaRPr lang="en-US" sz="1200" b="0" i="0" u="none" strike="noStrike" dirty="0">
-                        <a:solidFill>
-                          <a:srgbClr val="000000"/>
-                        </a:solidFill>
+                      <a:endParaRPr lang="en-US" sz="1200" dirty="0">
                         <a:effectLst/>
                         <a:latin typeface="Bahnschrift" panose="020B0502040204020203" pitchFamily="34" charset="0"/>
+                        <a:ea typeface="Calibri" panose="020F0502020204030204" pitchFamily="34" charset="0"/>
+                        <a:cs typeface="Arial Unicode MS"/>
                       </a:endParaRPr>
                     </a:p>
                   </a:txBody>
-                  <a:tcPr marL="163687" marR="6820" marT="6820" marB="0" anchor="ctr">
+                  <a:tcPr marL="68580" marR="68580" marT="0" marB="0" anchor="ctr">
                     <a:lnL w="12700" cap="flat" cmpd="sng" algn="ctr">
                       <a:solidFill>
                         <a:schemeClr val="tx1"/>
@@ -22491,7 +22441,7 @@
                       </a:endParaRPr>
                     </a:p>
                   </a:txBody>
-                  <a:tcPr marL="163687" marR="6820" marT="6820" marB="0" anchor="b">
+                  <a:tcPr marL="163687" marR="6820" marT="6820" marB="0" anchor="ctr">
                     <a:lnL w="12700" cap="flat" cmpd="sng" algn="ctr">
                       <a:solidFill>
                         <a:schemeClr val="tx1"/>
@@ -22545,24 +22495,35 @@
                     <a:bodyPr/>
                     <a:lstStyle/>
                     <a:p>
-                      <a:pPr algn="l" fontAlgn="ctr"/>
+                      <a:pPr indent="304800">
+                        <a:lnSpc>
+                          <a:spcPct val="107000"/>
+                        </a:lnSpc>
+                        <a:spcAft>
+                          <a:spcPts val="800"/>
+                        </a:spcAft>
+                      </a:pPr>
                       <a:r>
-                        <a:rPr lang="en-US" sz="1200" u="none" strike="noStrike">
+                        <a:rPr lang="en-US" sz="1200" dirty="0">
+                          <a:solidFill>
+                            <a:srgbClr val="000000"/>
+                          </a:solidFill>
                           <a:effectLst/>
                           <a:latin typeface="Bahnschrift" panose="020B0502040204020203" pitchFamily="34" charset="0"/>
+                          <a:ea typeface="Times New Roman" panose="02020603050405020304" pitchFamily="18" charset="0"/>
+                          <a:cs typeface="Times New Roman" panose="02020603050405020304" pitchFamily="18" charset="0"/>
                         </a:rPr>
-                        <a:t>CRUD answer</a:t>
+                        <a:t>CRUD book</a:t>
                       </a:r>
-                      <a:endParaRPr lang="en-US" sz="1200" b="0" i="0" u="none" strike="noStrike">
-                        <a:solidFill>
-                          <a:srgbClr val="000000"/>
-                        </a:solidFill>
+                      <a:endParaRPr lang="en-US" sz="1200" dirty="0">
                         <a:effectLst/>
                         <a:latin typeface="Bahnschrift" panose="020B0502040204020203" pitchFamily="34" charset="0"/>
+                        <a:ea typeface="Calibri" panose="020F0502020204030204" pitchFamily="34" charset="0"/>
+                        <a:cs typeface="Arial Unicode MS"/>
                       </a:endParaRPr>
                     </a:p>
                   </a:txBody>
-                  <a:tcPr marL="163687" marR="6820" marT="6820" marB="0" anchor="ctr">
+                  <a:tcPr marL="68580" marR="68580" marT="0" marB="0" anchor="ctr">
                     <a:lnL w="12700" cap="flat" cmpd="sng" algn="ctr">
                       <a:solidFill>
                         <a:schemeClr val="tx1"/>
@@ -22690,7 +22651,7 @@
                       </a:endParaRPr>
                     </a:p>
                   </a:txBody>
-                  <a:tcPr marL="163687" marR="6820" marT="6820" marB="0" anchor="b">
+                  <a:tcPr marL="163687" marR="6820" marT="6820" marB="0" anchor="ctr">
                     <a:lnL w="12700" cap="flat" cmpd="sng" algn="ctr">
                       <a:solidFill>
                         <a:schemeClr val="tx1"/>
@@ -22744,24 +22705,35 @@
                     <a:bodyPr/>
                     <a:lstStyle/>
                     <a:p>
-                      <a:pPr algn="l" fontAlgn="ctr"/>
+                      <a:pPr indent="304800">
+                        <a:lnSpc>
+                          <a:spcPct val="107000"/>
+                        </a:lnSpc>
+                        <a:spcAft>
+                          <a:spcPts val="800"/>
+                        </a:spcAft>
+                      </a:pPr>
                       <a:r>
-                        <a:rPr lang="en-US" sz="1200" u="none" strike="noStrike" dirty="0">
+                        <a:rPr lang="en-US" sz="1200" dirty="0">
+                          <a:solidFill>
+                            <a:srgbClr val="000000"/>
+                          </a:solidFill>
                           <a:effectLst/>
                           <a:latin typeface="Bahnschrift" panose="020B0502040204020203" pitchFamily="34" charset="0"/>
+                          <a:ea typeface="Times New Roman" panose="02020603050405020304" pitchFamily="18" charset="0"/>
+                          <a:cs typeface="Times New Roman" panose="02020603050405020304" pitchFamily="18" charset="0"/>
                         </a:rPr>
-                        <a:t>Assign and remove question</a:t>
+                        <a:t>CRUD book location</a:t>
                       </a:r>
-                      <a:endParaRPr lang="en-US" sz="1200" b="0" i="0" u="none" strike="noStrike" dirty="0">
-                        <a:solidFill>
-                          <a:srgbClr val="000000"/>
-                        </a:solidFill>
+                      <a:endParaRPr lang="en-US" sz="1200" dirty="0">
                         <a:effectLst/>
                         <a:latin typeface="Bahnschrift" panose="020B0502040204020203" pitchFamily="34" charset="0"/>
+                        <a:ea typeface="Calibri" panose="020F0502020204030204" pitchFamily="34" charset="0"/>
+                        <a:cs typeface="Arial Unicode MS"/>
                       </a:endParaRPr>
                     </a:p>
                   </a:txBody>
-                  <a:tcPr marL="163687" marR="6820" marT="6820" marB="0" anchor="ctr">
+                  <a:tcPr marL="68580" marR="68580" marT="0" marB="0" anchor="ctr">
                     <a:lnL w="12700" cap="flat" cmpd="sng" algn="ctr">
                       <a:solidFill>
                         <a:schemeClr val="tx1"/>
@@ -22889,7 +22861,7 @@
                       </a:endParaRPr>
                     </a:p>
                   </a:txBody>
-                  <a:tcPr marL="163687" marR="6820" marT="6820" marB="0" anchor="b">
+                  <a:tcPr marL="163687" marR="6820" marT="6820" marB="0" anchor="ctr">
                     <a:lnL w="12700" cap="flat" cmpd="sng" algn="ctr">
                       <a:solidFill>
                         <a:schemeClr val="tx1"/>
@@ -22943,24 +22915,35 @@
                     <a:bodyPr/>
                     <a:lstStyle/>
                     <a:p>
-                      <a:pPr algn="l" fontAlgn="ctr"/>
+                      <a:pPr indent="304800">
+                        <a:lnSpc>
+                          <a:spcPct val="107000"/>
+                        </a:lnSpc>
+                        <a:spcAft>
+                          <a:spcPts val="800"/>
+                        </a:spcAft>
+                      </a:pPr>
                       <a:r>
-                        <a:rPr lang="en-US" sz="1200" u="none" strike="noStrike" dirty="0">
+                        <a:rPr lang="en-US" sz="1200" dirty="0">
+                          <a:solidFill>
+                            <a:srgbClr val="000000"/>
+                          </a:solidFill>
                           <a:effectLst/>
                           <a:latin typeface="Bahnschrift" panose="020B0502040204020203" pitchFamily="34" charset="0"/>
+                          <a:ea typeface="Times New Roman" panose="02020603050405020304" pitchFamily="18" charset="0"/>
+                          <a:cs typeface="Times New Roman" panose="02020603050405020304" pitchFamily="18" charset="0"/>
                         </a:rPr>
-                        <a:t>Assign and remove quiz for user</a:t>
+                        <a:t>Add the book to the department</a:t>
                       </a:r>
-                      <a:endParaRPr lang="en-US" sz="1200" b="0" i="0" u="none" strike="noStrike" dirty="0">
-                        <a:solidFill>
-                          <a:srgbClr val="000000"/>
-                        </a:solidFill>
+                      <a:endParaRPr lang="en-US" sz="1200" dirty="0">
                         <a:effectLst/>
                         <a:latin typeface="Bahnschrift" panose="020B0502040204020203" pitchFamily="34" charset="0"/>
+                        <a:ea typeface="Calibri" panose="020F0502020204030204" pitchFamily="34" charset="0"/>
+                        <a:cs typeface="Arial Unicode MS"/>
                       </a:endParaRPr>
                     </a:p>
                   </a:txBody>
-                  <a:tcPr marL="163687" marR="6820" marT="6820" marB="0" anchor="ctr">
+                  <a:tcPr marL="68580" marR="68580" marT="0" marB="0" anchor="ctr">
                     <a:lnL w="12700" cap="flat" cmpd="sng" algn="ctr">
                       <a:solidFill>
                         <a:schemeClr val="tx1"/>
@@ -23088,7 +23071,7 @@
                       </a:endParaRPr>
                     </a:p>
                   </a:txBody>
-                  <a:tcPr marL="163687" marR="6820" marT="6820" marB="0" anchor="b">
+                  <a:tcPr marL="163687" marR="6820" marT="6820" marB="0" anchor="ctr">
                     <a:lnL w="12700" cap="flat" cmpd="sng" algn="ctr">
                       <a:solidFill>
                         <a:schemeClr val="tx1"/>
@@ -23142,24 +23125,35 @@
                     <a:bodyPr/>
                     <a:lstStyle/>
                     <a:p>
-                      <a:pPr algn="l" fontAlgn="ctr"/>
+                      <a:pPr indent="304800">
+                        <a:lnSpc>
+                          <a:spcPct val="107000"/>
+                        </a:lnSpc>
+                        <a:spcAft>
+                          <a:spcPts val="800"/>
+                        </a:spcAft>
+                      </a:pPr>
                       <a:r>
-                        <a:rPr lang="en-US" sz="1200" u="none" strike="noStrike" dirty="0">
+                        <a:rPr lang="en-US" sz="1200" dirty="0">
+                          <a:solidFill>
+                            <a:srgbClr val="000000"/>
+                          </a:solidFill>
                           <a:effectLst/>
                           <a:latin typeface="Bahnschrift" panose="020B0502040204020203" pitchFamily="34" charset="0"/>
+                          <a:ea typeface="Times New Roman" panose="02020603050405020304" pitchFamily="18" charset="0"/>
+                          <a:cs typeface="Times New Roman" panose="02020603050405020304" pitchFamily="18" charset="0"/>
                         </a:rPr>
-                        <a:t>CRUD quiz level</a:t>
+                        <a:t>Generate report excel</a:t>
                       </a:r>
-                      <a:endParaRPr lang="en-US" sz="1200" b="0" i="0" u="none" strike="noStrike" dirty="0">
-                        <a:solidFill>
-                          <a:srgbClr val="000000"/>
-                        </a:solidFill>
+                      <a:endParaRPr lang="en-US" sz="1200" dirty="0">
                         <a:effectLst/>
                         <a:latin typeface="Bahnschrift" panose="020B0502040204020203" pitchFamily="34" charset="0"/>
+                        <a:ea typeface="Calibri" panose="020F0502020204030204" pitchFamily="34" charset="0"/>
+                        <a:cs typeface="Arial Unicode MS"/>
                       </a:endParaRPr>
                     </a:p>
                   </a:txBody>
-                  <a:tcPr marL="163687" marR="6820" marT="6820" marB="0" anchor="ctr">
+                  <a:tcPr marL="68580" marR="68580" marT="0" marB="0" anchor="ctr">
                     <a:lnL w="12700" cap="flat" cmpd="sng" algn="ctr">
                       <a:solidFill>
                         <a:schemeClr val="tx1"/>
@@ -23287,7 +23281,7 @@
                       </a:endParaRPr>
                     </a:p>
                   </a:txBody>
-                  <a:tcPr marL="163687" marR="6820" marT="6820" marB="0" anchor="b">
+                  <a:tcPr marL="163687" marR="6820" marT="6820" marB="0" anchor="ctr">
                     <a:lnL w="12700" cap="flat" cmpd="sng" algn="ctr">
                       <a:solidFill>
                         <a:schemeClr val="tx1"/>
@@ -23341,223 +23335,35 @@
                     <a:bodyPr/>
                     <a:lstStyle/>
                     <a:p>
-                      <a:pPr algn="l" fontAlgn="ctr"/>
+                      <a:pPr indent="304800">
+                        <a:lnSpc>
+                          <a:spcPct val="107000"/>
+                        </a:lnSpc>
+                        <a:spcAft>
+                          <a:spcPts val="800"/>
+                        </a:spcAft>
+                      </a:pPr>
                       <a:r>
-                        <a:rPr lang="en-US" sz="1200" u="none" strike="noStrike" dirty="0">
+                        <a:rPr lang="en-US" sz="1200" dirty="0">
+                          <a:solidFill>
+                            <a:srgbClr val="000000"/>
+                          </a:solidFill>
                           <a:effectLst/>
                           <a:latin typeface="Bahnschrift" panose="020B0502040204020203" pitchFamily="34" charset="0"/>
+                          <a:ea typeface="Times New Roman" panose="02020603050405020304" pitchFamily="18" charset="0"/>
+                          <a:cs typeface="Times New Roman" panose="02020603050405020304" pitchFamily="18" charset="0"/>
                         </a:rPr>
-                        <a:t>CRUD question type</a:t>
+                        <a:t>Generate report bar chart</a:t>
                       </a:r>
-                      <a:endParaRPr lang="en-US" sz="1200" b="0" i="0" u="none" strike="noStrike" dirty="0">
-                        <a:solidFill>
-                          <a:srgbClr val="000000"/>
-                        </a:solidFill>
+                      <a:endParaRPr lang="en-US" sz="1200" dirty="0">
                         <a:effectLst/>
                         <a:latin typeface="Bahnschrift" panose="020B0502040204020203" pitchFamily="34" charset="0"/>
+                        <a:ea typeface="Calibri" panose="020F0502020204030204" pitchFamily="34" charset="0"/>
+                        <a:cs typeface="Arial Unicode MS"/>
                       </a:endParaRPr>
                     </a:p>
                   </a:txBody>
-                  <a:tcPr marL="163687" marR="6820" marT="6820" marB="0" anchor="ctr">
-                    <a:lnL w="12700" cap="flat" cmpd="sng" algn="ctr">
-                      <a:solidFill>
-                        <a:schemeClr val="tx1"/>
-                      </a:solidFill>
-                      <a:prstDash val="solid"/>
-                      <a:round/>
-                      <a:headEnd type="none" w="med" len="med"/>
-                      <a:tailEnd type="none" w="med" len="med"/>
-                    </a:lnL>
-                    <a:lnR w="12700" cap="flat" cmpd="sng" algn="ctr">
-                      <a:solidFill>
-                        <a:schemeClr val="tx1"/>
-                      </a:solidFill>
-                      <a:prstDash val="solid"/>
-                      <a:round/>
-                      <a:headEnd type="none" w="med" len="med"/>
-                      <a:tailEnd type="none" w="med" len="med"/>
-                    </a:lnR>
-                    <a:lnT w="12700" cap="flat" cmpd="sng" algn="ctr">
-                      <a:solidFill>
-                        <a:schemeClr val="tx1"/>
-                      </a:solidFill>
-                      <a:prstDash val="solid"/>
-                      <a:round/>
-                      <a:headEnd type="none" w="med" len="med"/>
-                      <a:tailEnd type="none" w="med" len="med"/>
-                    </a:lnT>
-                    <a:lnB w="12700" cap="flat" cmpd="sng" algn="ctr">
-                      <a:solidFill>
-                        <a:schemeClr val="tx1"/>
-                      </a:solidFill>
-                      <a:prstDash val="solid"/>
-                      <a:round/>
-                      <a:headEnd type="none" w="med" len="med"/>
-                      <a:tailEnd type="none" w="med" len="med"/>
-                    </a:lnB>
-                    <a:solidFill>
-                      <a:schemeClr val="bg1"/>
-                    </a:solidFill>
-                  </a:tcPr>
-                </a:tc>
-                <a:tc>
-                  <a:txBody>
-                    <a:bodyPr/>
-                    <a:lstStyle/>
-                    <a:p>
-                      <a:pPr algn="ctr" fontAlgn="ctr"/>
-                      <a:r>
-                        <a:rPr lang="en-US" sz="1300" u="none" strike="noStrike">
-                          <a:effectLst/>
-                          <a:latin typeface="Wingdings" panose="05000000000000000000" pitchFamily="2" charset="2"/>
-                        </a:rPr>
-                        <a:t>ü</a:t>
-                      </a:r>
-                      <a:endParaRPr lang="en-US" sz="1300" b="0" i="0" u="none" strike="noStrike">
-                        <a:solidFill>
-                          <a:srgbClr val="000000"/>
-                        </a:solidFill>
-                        <a:effectLst/>
-                        <a:latin typeface="Wingdings" panose="05000000000000000000" pitchFamily="2" charset="2"/>
-                      </a:endParaRPr>
-                    </a:p>
-                  </a:txBody>
-                  <a:tcPr marL="6820" marR="6820" marT="6820" marB="0" anchor="ctr">
-                    <a:lnL w="12700" cap="flat" cmpd="sng" algn="ctr">
-                      <a:solidFill>
-                        <a:schemeClr val="tx1"/>
-                      </a:solidFill>
-                      <a:prstDash val="solid"/>
-                      <a:round/>
-                      <a:headEnd type="none" w="med" len="med"/>
-                      <a:tailEnd type="none" w="med" len="med"/>
-                    </a:lnL>
-                    <a:lnR w="12700" cap="flat" cmpd="sng" algn="ctr">
-                      <a:solidFill>
-                        <a:schemeClr val="tx1"/>
-                      </a:solidFill>
-                      <a:prstDash val="solid"/>
-                      <a:round/>
-                      <a:headEnd type="none" w="med" len="med"/>
-                      <a:tailEnd type="none" w="med" len="med"/>
-                    </a:lnR>
-                    <a:lnT w="12700" cap="flat" cmpd="sng" algn="ctr">
-                      <a:solidFill>
-                        <a:schemeClr val="tx1"/>
-                      </a:solidFill>
-                      <a:prstDash val="solid"/>
-                      <a:round/>
-                      <a:headEnd type="none" w="med" len="med"/>
-                      <a:tailEnd type="none" w="med" len="med"/>
-                    </a:lnT>
-                    <a:lnB w="12700" cap="flat" cmpd="sng" algn="ctr">
-                      <a:solidFill>
-                        <a:schemeClr val="tx1"/>
-                      </a:solidFill>
-                      <a:prstDash val="solid"/>
-                      <a:round/>
-                      <a:headEnd type="none" w="med" len="med"/>
-                      <a:tailEnd type="none" w="med" len="med"/>
-                    </a:lnB>
-                    <a:solidFill>
-                      <a:schemeClr val="bg1"/>
-                    </a:solidFill>
-                  </a:tcPr>
-                </a:tc>
-                <a:tc>
-                  <a:txBody>
-                    <a:bodyPr/>
-                    <a:lstStyle/>
-                    <a:p>
-                      <a:pPr algn="l" fontAlgn="b"/>
-                      <a:r>
-                        <a:rPr lang="en-US" sz="1000" u="none" strike="noStrike" dirty="0">
-                          <a:effectLst/>
-                          <a:latin typeface="Wingdings" panose="05000000000000000000" pitchFamily="2" charset="2"/>
-                        </a:rPr>
-                        <a:t> </a:t>
-                      </a:r>
-                      <a:endParaRPr lang="en-US" sz="1000" b="0" i="0" u="none" strike="noStrike" dirty="0">
-                        <a:solidFill>
-                          <a:srgbClr val="000000"/>
-                        </a:solidFill>
-                        <a:effectLst/>
-                        <a:latin typeface="Wingdings" panose="05000000000000000000" pitchFamily="2" charset="2"/>
-                      </a:endParaRPr>
-                    </a:p>
-                  </a:txBody>
-                  <a:tcPr marL="163687" marR="6820" marT="6820" marB="0" anchor="b">
-                    <a:lnL w="12700" cap="flat" cmpd="sng" algn="ctr">
-                      <a:solidFill>
-                        <a:schemeClr val="tx1"/>
-                      </a:solidFill>
-                      <a:prstDash val="solid"/>
-                      <a:round/>
-                      <a:headEnd type="none" w="med" len="med"/>
-                      <a:tailEnd type="none" w="med" len="med"/>
-                    </a:lnL>
-                    <a:lnR w="12700" cap="flat" cmpd="sng" algn="ctr">
-                      <a:solidFill>
-                        <a:schemeClr val="tx1"/>
-                      </a:solidFill>
-                      <a:prstDash val="solid"/>
-                      <a:round/>
-                      <a:headEnd type="none" w="med" len="med"/>
-                      <a:tailEnd type="none" w="med" len="med"/>
-                    </a:lnR>
-                    <a:lnT w="12700" cap="flat" cmpd="sng" algn="ctr">
-                      <a:solidFill>
-                        <a:schemeClr val="tx1"/>
-                      </a:solidFill>
-                      <a:prstDash val="solid"/>
-                      <a:round/>
-                      <a:headEnd type="none" w="med" len="med"/>
-                      <a:tailEnd type="none" w="med" len="med"/>
-                    </a:lnT>
-                    <a:lnB w="12700" cap="flat" cmpd="sng" algn="ctr">
-                      <a:solidFill>
-                        <a:schemeClr val="tx1"/>
-                      </a:solidFill>
-                      <a:prstDash val="solid"/>
-                      <a:round/>
-                      <a:headEnd type="none" w="med" len="med"/>
-                      <a:tailEnd type="none" w="med" len="med"/>
-                    </a:lnB>
-                    <a:solidFill>
-                      <a:schemeClr val="bg1"/>
-                    </a:solidFill>
-                  </a:tcPr>
-                </a:tc>
-                <a:extLst>
-                  <a:ext uri="{0D108BD9-81ED-4DB2-BD59-A6C34878D82A}">
-                    <a16:rowId xmlns:a16="http://schemas.microsoft.com/office/drawing/2014/main" val="2943888537"/>
-                  </a:ext>
-                </a:extLst>
-              </a:tr>
-              <a:tr h="310896">
-                <a:tc>
-                  <a:txBody>
-                    <a:bodyPr/>
-                    <a:lstStyle/>
-                    <a:p>
-                      <a:pPr algn="l" fontAlgn="ctr"/>
-                      <a:r>
-                        <a:rPr lang="en-US" sz="1200" u="none" strike="noStrike" dirty="0">
-                          <a:effectLst/>
-                          <a:latin typeface="Bahnschrift" panose="020B0502040204020203" pitchFamily="34" charset="0"/>
-                        </a:rPr>
-                        <a:t>Update profile information</a:t>
-                      </a:r>
-                      <a:endParaRPr lang="en-US" sz="1200" b="0" i="0" u="none" strike="noStrike" dirty="0">
-                        <a:solidFill>
-                          <a:srgbClr val="000000"/>
-                        </a:solidFill>
-                        <a:effectLst/>
-                        <a:latin typeface="Bahnschrift" panose="020B0502040204020203" pitchFamily="34" charset="0"/>
-                      </a:endParaRPr>
-                    </a:p>
-                  </a:txBody>
-                  <a:tcPr marL="163687" marR="6820" marT="6820" marB="0" anchor="ctr">
+                  <a:tcPr marL="68580" marR="68580" marT="0" marB="0" anchor="ctr">
                     <a:lnL w="12700" cap="flat" cmpd="sng" algn="ctr">
                       <a:solidFill>
                         <a:schemeClr val="tx1"/>
@@ -23685,7 +23491,7 @@
                       </a:endParaRPr>
                     </a:p>
                   </a:txBody>
-                  <a:tcPr marL="163687" marR="6820" marT="6820" marB="0" anchor="b">
+                  <a:tcPr marL="163687" marR="6820" marT="6820" marB="0" anchor="ctr">
                     <a:lnL w="12700" cap="flat" cmpd="sng" algn="ctr">
                       <a:solidFill>
                         <a:schemeClr val="tx1"/>
@@ -23729,34 +23535,45 @@
                 </a:tc>
                 <a:extLst>
                   <a:ext uri="{0D108BD9-81ED-4DB2-BD59-A6C34878D82A}">
-                    <a16:rowId xmlns:a16="http://schemas.microsoft.com/office/drawing/2014/main" val="4134036611"/>
+                    <a16:rowId xmlns:a16="http://schemas.microsoft.com/office/drawing/2014/main" val="2943888537"/>
                   </a:ext>
                 </a:extLst>
               </a:tr>
-              <a:tr h="323164">
+              <a:tr h="310896">
                 <a:tc>
                   <a:txBody>
                     <a:bodyPr/>
                     <a:lstStyle/>
                     <a:p>
-                      <a:pPr algn="l" fontAlgn="ctr"/>
+                      <a:pPr indent="304800">
+                        <a:lnSpc>
+                          <a:spcPct val="107000"/>
+                        </a:lnSpc>
+                        <a:spcAft>
+                          <a:spcPts val="800"/>
+                        </a:spcAft>
+                      </a:pPr>
                       <a:r>
-                        <a:rPr lang="en-US" sz="1200" u="none" strike="noStrike" dirty="0">
+                        <a:rPr lang="en-US" sz="1200" dirty="0">
+                          <a:solidFill>
+                            <a:srgbClr val="000000"/>
+                          </a:solidFill>
                           <a:effectLst/>
                           <a:latin typeface="Bahnschrift" panose="020B0502040204020203" pitchFamily="34" charset="0"/>
+                          <a:ea typeface="Times New Roman" panose="02020603050405020304" pitchFamily="18" charset="0"/>
+                          <a:cs typeface="Times New Roman" panose="02020603050405020304" pitchFamily="18" charset="0"/>
                         </a:rPr>
-                        <a:t>Forgot password and reset password</a:t>
+                        <a:t>Upload candidate by Excel file</a:t>
                       </a:r>
-                      <a:endParaRPr lang="en-US" sz="1200" b="0" i="0" u="none" strike="noStrike" dirty="0">
-                        <a:solidFill>
-                          <a:srgbClr val="000000"/>
-                        </a:solidFill>
+                      <a:endParaRPr lang="en-US" sz="1200" dirty="0">
                         <a:effectLst/>
                         <a:latin typeface="Bahnschrift" panose="020B0502040204020203" pitchFamily="34" charset="0"/>
+                        <a:ea typeface="Calibri" panose="020F0502020204030204" pitchFamily="34" charset="0"/>
+                        <a:cs typeface="Arial Unicode MS"/>
                       </a:endParaRPr>
                     </a:p>
                   </a:txBody>
-                  <a:tcPr marL="163687" marR="6820" marT="6820" marB="0" anchor="ctr">
+                  <a:tcPr marL="68580" marR="68580" marT="0" marB="0" anchor="ctr">
                     <a:lnL w="12700" cap="flat" cmpd="sng" algn="ctr">
                       <a:solidFill>
                         <a:schemeClr val="tx1"/>
@@ -23884,7 +23701,7 @@
                       </a:endParaRPr>
                     </a:p>
                   </a:txBody>
-                  <a:tcPr marL="163687" marR="6820" marT="6820" marB="0" anchor="b">
+                  <a:tcPr marL="163687" marR="6820" marT="6820" marB="0" anchor="ctr">
                     <a:lnL w="12700" cap="flat" cmpd="sng" algn="ctr">
                       <a:solidFill>
                         <a:schemeClr val="tx1"/>
@@ -23928,34 +23745,45 @@
                 </a:tc>
                 <a:extLst>
                   <a:ext uri="{0D108BD9-81ED-4DB2-BD59-A6C34878D82A}">
-                    <a16:rowId xmlns:a16="http://schemas.microsoft.com/office/drawing/2014/main" val="1841098898"/>
+                    <a16:rowId xmlns:a16="http://schemas.microsoft.com/office/drawing/2014/main" val="4134036611"/>
                   </a:ext>
                 </a:extLst>
               </a:tr>
-              <a:tr h="274320">
+              <a:tr h="323164">
                 <a:tc>
                   <a:txBody>
                     <a:bodyPr/>
                     <a:lstStyle/>
                     <a:p>
-                      <a:pPr algn="l" fontAlgn="ctr"/>
+                      <a:pPr indent="304800">
+                        <a:lnSpc>
+                          <a:spcPct val="107000"/>
+                        </a:lnSpc>
+                        <a:spcAft>
+                          <a:spcPts val="800"/>
+                        </a:spcAft>
+                      </a:pPr>
                       <a:r>
-                        <a:rPr lang="en-US" sz="1200" u="none" strike="noStrike" dirty="0">
+                        <a:rPr lang="en-US" sz="1200" dirty="0">
+                          <a:solidFill>
+                            <a:srgbClr val="000000"/>
+                          </a:solidFill>
                           <a:effectLst/>
                           <a:latin typeface="Bahnschrift" panose="020B0502040204020203" pitchFamily="34" charset="0"/>
+                          <a:ea typeface="Times New Roman" panose="02020603050405020304" pitchFamily="18" charset="0"/>
+                          <a:cs typeface="Times New Roman" panose="02020603050405020304" pitchFamily="18" charset="0"/>
                         </a:rPr>
-                        <a:t>Generate report of candidate</a:t>
+                        <a:t>Change password</a:t>
                       </a:r>
-                      <a:endParaRPr lang="en-US" sz="1200" b="0" i="0" u="none" strike="noStrike" dirty="0">
-                        <a:solidFill>
-                          <a:srgbClr val="000000"/>
-                        </a:solidFill>
+                      <a:endParaRPr lang="en-US" sz="1200" dirty="0">
                         <a:effectLst/>
                         <a:latin typeface="Bahnschrift" panose="020B0502040204020203" pitchFamily="34" charset="0"/>
+                        <a:ea typeface="Calibri" panose="020F0502020204030204" pitchFamily="34" charset="0"/>
+                        <a:cs typeface="Arial Unicode MS"/>
                       </a:endParaRPr>
                     </a:p>
                   </a:txBody>
-                  <a:tcPr marL="163687" marR="6820" marT="6820" marB="0" anchor="ctr">
+                  <a:tcPr marL="68580" marR="68580" marT="0" marB="0" anchor="ctr">
                     <a:lnL w="12700" cap="flat" cmpd="sng" algn="ctr">
                       <a:solidFill>
                         <a:schemeClr val="tx1"/>
@@ -24083,7 +23911,7 @@
                       </a:endParaRPr>
                     </a:p>
                   </a:txBody>
-                  <a:tcPr marL="163687" marR="6820" marT="6820" marB="0" anchor="b">
+                  <a:tcPr marL="163687" marR="6820" marT="6820" marB="0" anchor="ctr">
                     <a:lnL w="12700" cap="flat" cmpd="sng" algn="ctr">
                       <a:solidFill>
                         <a:schemeClr val="tx1"/>
@@ -24127,34 +23955,45 @@
                 </a:tc>
                 <a:extLst>
                   <a:ext uri="{0D108BD9-81ED-4DB2-BD59-A6C34878D82A}">
-                    <a16:rowId xmlns:a16="http://schemas.microsoft.com/office/drawing/2014/main" val="799741931"/>
+                    <a16:rowId xmlns:a16="http://schemas.microsoft.com/office/drawing/2014/main" val="1841098898"/>
                   </a:ext>
                 </a:extLst>
               </a:tr>
-              <a:tr h="283464">
+              <a:tr h="274320">
                 <a:tc>
                   <a:txBody>
                     <a:bodyPr/>
                     <a:lstStyle/>
                     <a:p>
-                      <a:pPr algn="l" fontAlgn="ctr"/>
+                      <a:pPr indent="304800">
+                        <a:lnSpc>
+                          <a:spcPct val="107000"/>
+                        </a:lnSpc>
+                        <a:spcAft>
+                          <a:spcPts val="800"/>
+                        </a:spcAft>
+                      </a:pPr>
                       <a:r>
-                        <a:rPr lang="en-US" sz="1200" u="none" strike="noStrike" dirty="0">
+                        <a:rPr lang="en-US" sz="1200" dirty="0">
+                          <a:solidFill>
+                            <a:srgbClr val="000000"/>
+                          </a:solidFill>
                           <a:effectLst/>
                           <a:latin typeface="Bahnschrift" panose="020B0502040204020203" pitchFamily="34" charset="0"/>
+                          <a:ea typeface="Times New Roman" panose="02020603050405020304" pitchFamily="18" charset="0"/>
+                          <a:cs typeface="Times New Roman" panose="02020603050405020304" pitchFamily="18" charset="0"/>
                         </a:rPr>
-                        <a:t>Configuration mail </a:t>
+                        <a:t>Generate an image student card</a:t>
                       </a:r>
-                      <a:endParaRPr lang="en-US" sz="1200" b="0" i="0" u="none" strike="noStrike" dirty="0">
-                        <a:solidFill>
-                          <a:srgbClr val="000000"/>
-                        </a:solidFill>
+                      <a:endParaRPr lang="en-US" sz="1200" dirty="0">
                         <a:effectLst/>
                         <a:latin typeface="Bahnschrift" panose="020B0502040204020203" pitchFamily="34" charset="0"/>
+                        <a:ea typeface="Calibri" panose="020F0502020204030204" pitchFamily="34" charset="0"/>
+                        <a:cs typeface="Arial Unicode MS"/>
                       </a:endParaRPr>
                     </a:p>
                   </a:txBody>
-                  <a:tcPr marL="163687" marR="6820" marT="6820" marB="0" anchor="ctr">
+                  <a:tcPr marL="68580" marR="68580" marT="0" marB="0" anchor="ctr">
                     <a:lnL w="12700" cap="flat" cmpd="sng" algn="ctr">
                       <a:solidFill>
                         <a:schemeClr val="tx1"/>
@@ -24267,13 +24106,13 @@
                     <a:p>
                       <a:pPr algn="l" fontAlgn="b"/>
                       <a:r>
-                        <a:rPr lang="en-US" sz="1000" u="none" strike="noStrike">
+                        <a:rPr lang="en-US" sz="1000" u="none" strike="noStrike" dirty="0">
                           <a:effectLst/>
                           <a:latin typeface="Wingdings" panose="05000000000000000000" pitchFamily="2" charset="2"/>
                         </a:rPr>
                         <a:t> </a:t>
                       </a:r>
-                      <a:endParaRPr lang="en-US" sz="1000" b="0" i="0" u="none" strike="noStrike">
+                      <a:endParaRPr lang="en-US" sz="1000" b="0" i="0" u="none" strike="noStrike" dirty="0">
                         <a:solidFill>
                           <a:srgbClr val="000000"/>
                         </a:solidFill>
@@ -24282,7 +24121,7 @@
                       </a:endParaRPr>
                     </a:p>
                   </a:txBody>
-                  <a:tcPr marL="163687" marR="6820" marT="6820" marB="0" anchor="b">
+                  <a:tcPr marL="163687" marR="6820" marT="6820" marB="0" anchor="ctr">
                     <a:lnL w="12700" cap="flat" cmpd="sng" algn="ctr">
                       <a:solidFill>
                         <a:schemeClr val="tx1"/>
@@ -24326,34 +24165,45 @@
                 </a:tc>
                 <a:extLst>
                   <a:ext uri="{0D108BD9-81ED-4DB2-BD59-A6C34878D82A}">
-                    <a16:rowId xmlns:a16="http://schemas.microsoft.com/office/drawing/2014/main" val="2854673797"/>
+                    <a16:rowId xmlns:a16="http://schemas.microsoft.com/office/drawing/2014/main" val="799741931"/>
                   </a:ext>
                 </a:extLst>
               </a:tr>
-              <a:tr h="292608">
+              <a:tr h="283464">
                 <a:tc>
                   <a:txBody>
                     <a:bodyPr/>
                     <a:lstStyle/>
                     <a:p>
-                      <a:pPr algn="l" fontAlgn="ctr"/>
+                      <a:pPr indent="304800">
+                        <a:lnSpc>
+                          <a:spcPct val="107000"/>
+                        </a:lnSpc>
+                        <a:spcAft>
+                          <a:spcPts val="800"/>
+                        </a:spcAft>
+                      </a:pPr>
                       <a:r>
-                        <a:rPr lang="en-US" sz="1200" u="none" strike="noStrike" dirty="0">
+                        <a:rPr lang="en-US" sz="1200" dirty="0">
+                          <a:solidFill>
+                            <a:srgbClr val="000000"/>
+                          </a:solidFill>
                           <a:effectLst/>
                           <a:latin typeface="Bahnschrift" panose="020B0502040204020203" pitchFamily="34" charset="0"/>
+                          <a:ea typeface="Times New Roman" panose="02020603050405020304" pitchFamily="18" charset="0"/>
+                          <a:cs typeface="Times New Roman" panose="02020603050405020304" pitchFamily="18" charset="0"/>
                         </a:rPr>
-                        <a:t>Configuration mail template</a:t>
+                        <a:t>Generate image top ten register</a:t>
                       </a:r>
-                      <a:endParaRPr lang="en-US" sz="1200" b="0" i="0" u="none" strike="noStrike" dirty="0">
-                        <a:solidFill>
-                          <a:srgbClr val="000000"/>
-                        </a:solidFill>
+                      <a:endParaRPr lang="en-US" sz="1200" dirty="0">
                         <a:effectLst/>
                         <a:latin typeface="Bahnschrift" panose="020B0502040204020203" pitchFamily="34" charset="0"/>
+                        <a:ea typeface="Calibri" panose="020F0502020204030204" pitchFamily="34" charset="0"/>
+                        <a:cs typeface="Arial Unicode MS"/>
                       </a:endParaRPr>
                     </a:p>
                   </a:txBody>
-                  <a:tcPr marL="163687" marR="6820" marT="6820" marB="0" anchor="ctr">
+                  <a:tcPr marL="68580" marR="68580" marT="0" marB="0" anchor="ctr">
                     <a:lnL w="12700" cap="flat" cmpd="sng" algn="ctr">
                       <a:solidFill>
                         <a:schemeClr val="tx1"/>
@@ -24481,7 +24331,7 @@
                       </a:endParaRPr>
                     </a:p>
                   </a:txBody>
-                  <a:tcPr marL="163687" marR="6820" marT="6820" marB="0" anchor="b">
+                  <a:tcPr marL="163687" marR="6820" marT="6820" marB="0" anchor="ctr">
                     <a:lnL w="12700" cap="flat" cmpd="sng" algn="ctr">
                       <a:solidFill>
                         <a:schemeClr val="tx1"/>
@@ -24525,98 +24375,54 @@
                 </a:tc>
                 <a:extLst>
                   <a:ext uri="{0D108BD9-81ED-4DB2-BD59-A6C34878D82A}">
-                    <a16:rowId xmlns:a16="http://schemas.microsoft.com/office/drawing/2014/main" val="1070222251"/>
+                    <a16:rowId xmlns:a16="http://schemas.microsoft.com/office/drawing/2014/main" val="2854673797"/>
                   </a:ext>
                 </a:extLst>
               </a:tr>
-              <a:tr h="338328">
+              <a:tr h="246643">
                 <a:tc>
                   <a:txBody>
                     <a:bodyPr/>
                     <a:lstStyle/>
                     <a:p>
-                      <a:pPr algn="l" fontAlgn="ctr"/>
+                      <a:pPr marL="0" marR="0" lvl="0" indent="0" algn="l" defTabSz="914400" rtl="0" eaLnBrk="1" fontAlgn="ctr" latinLnBrk="0" hangingPunct="1">
+                        <a:lnSpc>
+                          <a:spcPct val="100000"/>
+                        </a:lnSpc>
+                        <a:spcBef>
+                          <a:spcPts val="0"/>
+                        </a:spcBef>
+                        <a:spcAft>
+                          <a:spcPts val="0"/>
+                        </a:spcAft>
+                        <a:buClrTx/>
+                        <a:buSzTx/>
+                        <a:buFontTx/>
+                        <a:buNone/>
+                        <a:tabLst/>
+                        <a:defRPr/>
+                      </a:pPr>
                       <a:r>
-                        <a:rPr lang="en-US" sz="1200" u="none" strike="noStrike" dirty="0">
+                        <a:rPr lang="en-US" sz="1200" dirty="0">
+                          <a:solidFill>
+                            <a:srgbClr val="000000"/>
+                          </a:solidFill>
                           <a:effectLst/>
                           <a:latin typeface="Bahnschrift" panose="020B0502040204020203" pitchFamily="34" charset="0"/>
+                          <a:ea typeface="Times New Roman" panose="02020603050405020304" pitchFamily="18" charset="0"/>
+                          <a:cs typeface="Times New Roman" panose="02020603050405020304" pitchFamily="18" charset="0"/>
                         </a:rPr>
-                        <a:t>Mail sender</a:t>
+                        <a:t>     Apply Open Policy Agent</a:t>
                       </a:r>
-                      <a:endParaRPr lang="en-US" sz="1200" b="0" i="0" u="none" strike="noStrike" dirty="0">
-                        <a:solidFill>
-                          <a:srgbClr val="000000"/>
-                        </a:solidFill>
+                      <a:endParaRPr lang="en-US" sz="1200" dirty="0">
                         <a:effectLst/>
                         <a:latin typeface="Bahnschrift" panose="020B0502040204020203" pitchFamily="34" charset="0"/>
+                        <a:ea typeface="Calibri" panose="020F0502020204030204" pitchFamily="34" charset="0"/>
+                        <a:cs typeface="Arial Unicode MS"/>
                       </a:endParaRPr>
                     </a:p>
                   </a:txBody>
                   <a:tcPr marL="163687" marR="6820" marT="6820" marB="0" anchor="ctr">
-                    <a:lnL w="12700" cap="flat" cmpd="sng" algn="ctr">
-                      <a:solidFill>
-                        <a:schemeClr val="tx1"/>
-                      </a:solidFill>
-                      <a:prstDash val="solid"/>
-                      <a:round/>
-                      <a:headEnd type="none" w="med" len="med"/>
-                      <a:tailEnd type="none" w="med" len="med"/>
-                    </a:lnL>
-                    <a:lnR w="12700" cap="flat" cmpd="sng" algn="ctr">
-                      <a:solidFill>
-                        <a:schemeClr val="tx1"/>
-                      </a:solidFill>
-                      <a:prstDash val="solid"/>
-                      <a:round/>
-                      <a:headEnd type="none" w="med" len="med"/>
-                      <a:tailEnd type="none" w="med" len="med"/>
-                    </a:lnR>
-                    <a:lnT w="12700" cap="flat" cmpd="sng" algn="ctr">
-                      <a:solidFill>
-                        <a:schemeClr val="tx1"/>
-                      </a:solidFill>
-                      <a:prstDash val="solid"/>
-                      <a:round/>
-                      <a:headEnd type="none" w="med" len="med"/>
-                      <a:tailEnd type="none" w="med" len="med"/>
-                    </a:lnT>
-                    <a:lnB w="12700" cap="flat" cmpd="sng" algn="ctr">
-                      <a:solidFill>
-                        <a:schemeClr val="tx1"/>
-                      </a:solidFill>
-                      <a:prstDash val="solid"/>
-                      <a:round/>
-                      <a:headEnd type="none" w="med" len="med"/>
-                      <a:tailEnd type="none" w="med" len="med"/>
-                    </a:lnB>
-                    <a:solidFill>
-                      <a:schemeClr val="bg1"/>
-                    </a:solidFill>
-                  </a:tcPr>
-                </a:tc>
-                <a:tc>
-                  <a:txBody>
-                    <a:bodyPr/>
-                    <a:lstStyle/>
-                    <a:p>
-                      <a:pPr algn="ctr" fontAlgn="ctr"/>
-                      <a:r>
-                        <a:rPr lang="en-US" sz="1300" u="none" strike="noStrike" dirty="0">
-                          <a:effectLst/>
-                          <a:latin typeface="Wingdings" panose="05000000000000000000" pitchFamily="2" charset="2"/>
-                        </a:rPr>
-                        <a:t>ü</a:t>
-                      </a:r>
-                      <a:endParaRPr lang="en-US" sz="1300" b="0" i="0" u="none" strike="noStrike" dirty="0">
-                        <a:solidFill>
-                          <a:srgbClr val="000000"/>
-                        </a:solidFill>
-                        <a:effectLst/>
-                        <a:latin typeface="Wingdings" panose="05000000000000000000" pitchFamily="2" charset="2"/>
-                      </a:endParaRPr>
-                    </a:p>
-                  </a:txBody>
-                  <a:tcPr marL="6820" marR="6820" marT="6820" marB="0" anchor="ctr">
                     <a:lnL w="12700" cap="flat" cmpd="sng" algn="ctr">
                       <a:solidFill>
                         <a:schemeClr val="tx1"/>
@@ -24680,142 +24486,7 @@
                       </a:endParaRPr>
                     </a:p>
                   </a:txBody>
-                  <a:tcPr marL="163687" marR="6820" marT="6820" marB="0" anchor="b">
-                    <a:lnL w="12700" cap="flat" cmpd="sng" algn="ctr">
-                      <a:solidFill>
-                        <a:schemeClr val="tx1"/>
-                      </a:solidFill>
-                      <a:prstDash val="solid"/>
-                      <a:round/>
-                      <a:headEnd type="none" w="med" len="med"/>
-                      <a:tailEnd type="none" w="med" len="med"/>
-                    </a:lnL>
-                    <a:lnR w="12700" cap="flat" cmpd="sng" algn="ctr">
-                      <a:solidFill>
-                        <a:schemeClr val="tx1"/>
-                      </a:solidFill>
-                      <a:prstDash val="solid"/>
-                      <a:round/>
-                      <a:headEnd type="none" w="med" len="med"/>
-                      <a:tailEnd type="none" w="med" len="med"/>
-                    </a:lnR>
-                    <a:lnT w="12700" cap="flat" cmpd="sng" algn="ctr">
-                      <a:solidFill>
-                        <a:schemeClr val="tx1"/>
-                      </a:solidFill>
-                      <a:prstDash val="solid"/>
-                      <a:round/>
-                      <a:headEnd type="none" w="med" len="med"/>
-                      <a:tailEnd type="none" w="med" len="med"/>
-                    </a:lnT>
-                    <a:lnB w="12700" cap="flat" cmpd="sng" algn="ctr">
-                      <a:solidFill>
-                        <a:schemeClr val="tx1"/>
-                      </a:solidFill>
-                      <a:prstDash val="solid"/>
-                      <a:round/>
-                      <a:headEnd type="none" w="med" len="med"/>
-                      <a:tailEnd type="none" w="med" len="med"/>
-                    </a:lnB>
-                    <a:solidFill>
-                      <a:schemeClr val="bg1"/>
-                    </a:solidFill>
-                  </a:tcPr>
-                </a:tc>
-                <a:extLst>
-                  <a:ext uri="{0D108BD9-81ED-4DB2-BD59-A6C34878D82A}">
-                    <a16:rowId xmlns:a16="http://schemas.microsoft.com/office/drawing/2014/main" val="2365765581"/>
-                  </a:ext>
-                </a:extLst>
-              </a:tr>
-              <a:tr h="246643">
-                <a:tc>
-                  <a:txBody>
-                    <a:bodyPr/>
-                    <a:lstStyle/>
-                    <a:p>
-                      <a:pPr algn="l" fontAlgn="ctr"/>
-                      <a:r>
-                        <a:rPr lang="en-US" sz="1200" u="none" strike="noStrike" dirty="0">
-                          <a:effectLst/>
-                          <a:latin typeface="Bahnschrift" panose="020B0502040204020203" pitchFamily="34" charset="0"/>
-                        </a:rPr>
-                        <a:t>User result</a:t>
-                      </a:r>
-                      <a:endParaRPr lang="en-US" sz="1200" b="0" i="0" u="none" strike="noStrike" dirty="0">
-                        <a:solidFill>
-                          <a:srgbClr val="000000"/>
-                        </a:solidFill>
-                        <a:effectLst/>
-                        <a:latin typeface="Bahnschrift" panose="020B0502040204020203" pitchFamily="34" charset="0"/>
-                      </a:endParaRPr>
-                    </a:p>
-                  </a:txBody>
                   <a:tcPr marL="163687" marR="6820" marT="6820" marB="0" anchor="ctr">
-                    <a:lnL w="12700" cap="flat" cmpd="sng" algn="ctr">
-                      <a:solidFill>
-                        <a:schemeClr val="tx1"/>
-                      </a:solidFill>
-                      <a:prstDash val="solid"/>
-                      <a:round/>
-                      <a:headEnd type="none" w="med" len="med"/>
-                      <a:tailEnd type="none" w="med" len="med"/>
-                    </a:lnL>
-                    <a:lnR w="12700" cap="flat" cmpd="sng" algn="ctr">
-                      <a:solidFill>
-                        <a:schemeClr val="tx1"/>
-                      </a:solidFill>
-                      <a:prstDash val="solid"/>
-                      <a:round/>
-                      <a:headEnd type="none" w="med" len="med"/>
-                      <a:tailEnd type="none" w="med" len="med"/>
-                    </a:lnR>
-                    <a:lnT w="12700" cap="flat" cmpd="sng" algn="ctr">
-                      <a:solidFill>
-                        <a:schemeClr val="tx1"/>
-                      </a:solidFill>
-                      <a:prstDash val="solid"/>
-                      <a:round/>
-                      <a:headEnd type="none" w="med" len="med"/>
-                      <a:tailEnd type="none" w="med" len="med"/>
-                    </a:lnT>
-                    <a:lnB w="12700" cap="flat" cmpd="sng" algn="ctr">
-                      <a:solidFill>
-                        <a:schemeClr val="tx1"/>
-                      </a:solidFill>
-                      <a:prstDash val="solid"/>
-                      <a:round/>
-                      <a:headEnd type="none" w="med" len="med"/>
-                      <a:tailEnd type="none" w="med" len="med"/>
-                    </a:lnB>
-                    <a:solidFill>
-                      <a:schemeClr val="bg1"/>
-                    </a:solidFill>
-                  </a:tcPr>
-                </a:tc>
-                <a:tc>
-                  <a:txBody>
-                    <a:bodyPr/>
-                    <a:lstStyle/>
-                    <a:p>
-                      <a:pPr algn="l" fontAlgn="b"/>
-                      <a:r>
-                        <a:rPr lang="en-US" sz="1000" u="none" strike="noStrike" dirty="0">
-                          <a:effectLst/>
-                          <a:latin typeface="Wingdings" panose="05000000000000000000" pitchFamily="2" charset="2"/>
-                        </a:rPr>
-                        <a:t> </a:t>
-                      </a:r>
-                      <a:endParaRPr lang="en-US" sz="1000" b="0" i="0" u="none" strike="noStrike" dirty="0">
-                        <a:solidFill>
-                          <a:srgbClr val="000000"/>
-                        </a:solidFill>
-                        <a:effectLst/>
-                        <a:latin typeface="Wingdings" panose="05000000000000000000" pitchFamily="2" charset="2"/>
-                      </a:endParaRPr>
-                    </a:p>
-                  </a:txBody>
-                  <a:tcPr marL="163687" marR="6820" marT="6820" marB="0" anchor="b">
                     <a:lnL w="12700" cap="flat" cmpd="sng" algn="ctr">
                       <a:solidFill>
                         <a:schemeClr val="tx1"/>
@@ -25092,7 +24763,7 @@
             <a:grpFill/>
             <a:ln>
               <a:solidFill>
-                <a:schemeClr val="accent5"/>
+                <a:srgbClr val="0070C0"/>
               </a:solidFill>
             </a:ln>
           </p:spPr>
@@ -25516,7 +25187,7 @@
             <a:grpFill/>
             <a:ln>
               <a:solidFill>
-                <a:schemeClr val="accent5"/>
+                <a:srgbClr val="0070C0"/>
               </a:solidFill>
             </a:ln>
           </p:spPr>
@@ -25733,6 +25404,9 @@
             <a:pPr algn="ctr"/>
             <a:r>
               <a:rPr lang="en-US" dirty="0">
+                <a:solidFill>
+                  <a:srgbClr val="0070C0"/>
+                </a:solidFill>
                 <a:latin typeface="Bahnschrift" panose="020B0502040204020203" pitchFamily="34" charset="0"/>
               </a:rPr>
               <a:t>Difficulties</a:t>
@@ -25813,7 +25487,7 @@
             <a:grpFill/>
             <a:ln>
               <a:solidFill>
-                <a:schemeClr val="accent5"/>
+                <a:srgbClr val="0070C0"/>
               </a:solidFill>
             </a:ln>
           </p:spPr>
@@ -26237,7 +25911,7 @@
             <a:grpFill/>
             <a:ln>
               <a:solidFill>
-                <a:schemeClr val="accent5"/>
+                <a:srgbClr val="0070C0"/>
               </a:solidFill>
             </a:ln>
           </p:spPr>
@@ -26454,6 +26128,9 @@
             <a:pPr algn="ctr"/>
             <a:r>
               <a:rPr lang="en-US" dirty="0">
+                <a:solidFill>
+                  <a:srgbClr val="0070C0"/>
+                </a:solidFill>
                 <a:latin typeface="Bahnschrift" panose="020B0502040204020203" pitchFamily="34" charset="0"/>
               </a:rPr>
               <a:t>Experiences</a:t>
@@ -26477,8 +26154,8 @@
         </p:nvSpPr>
         <p:spPr>
           <a:xfrm>
-            <a:off x="4804074" y="2315501"/>
-            <a:ext cx="3959352" cy="2457667"/>
+            <a:off x="4804073" y="2315500"/>
+            <a:ext cx="4141947" cy="2832571"/>
           </a:xfrm>
           <a:prstGeom prst="rect">
             <a:avLst/>
@@ -26661,7 +26338,7 @@
                 <a:spcPts val="600"/>
               </a:spcAft>
               <a:buClr>
-                <a:srgbClr val="FD6400"/>
+                <a:srgbClr val="0070C0"/>
               </a:buClr>
             </a:pPr>
             <a:r>
@@ -26681,7 +26358,7 @@
                 <a:spcPts val="600"/>
               </a:spcAft>
               <a:buClr>
-                <a:srgbClr val="FD6400"/>
+                <a:srgbClr val="0070C0"/>
               </a:buClr>
             </a:pPr>
             <a:r>
@@ -26689,7 +26366,7 @@
                 <a:latin typeface="Bahnschrift" panose="020B0502040204020203" pitchFamily="34" charset="0"/>
                 <a:cs typeface="Times New Roman" panose="02020603050405020304" pitchFamily="18" charset="0"/>
               </a:rPr>
-              <a:t>Better teamwork</a:t>
+              <a:t>Better manage time</a:t>
             </a:r>
           </a:p>
           <a:p>
@@ -26701,7 +26378,7 @@
                 <a:spcPts val="600"/>
               </a:spcAft>
               <a:buClr>
-                <a:srgbClr val="FD6400"/>
+                <a:srgbClr val="0070C0"/>
               </a:buClr>
             </a:pPr>
             <a:r>
@@ -26721,7 +26398,7 @@
                 <a:spcPts val="600"/>
               </a:spcAft>
               <a:buClr>
-                <a:srgbClr val="FD6400"/>
+                <a:srgbClr val="0070C0"/>
               </a:buClr>
             </a:pPr>
             <a:r>
@@ -26729,7 +26406,7 @@
                 <a:latin typeface="Bahnschrift" panose="020B0502040204020203" pitchFamily="34" charset="0"/>
                 <a:cs typeface="Times New Roman" panose="02020603050405020304" pitchFamily="18" charset="0"/>
               </a:rPr>
-              <a:t>Understand environmental work</a:t>
+              <a:t>Understand how to work with the client</a:t>
             </a:r>
           </a:p>
         </p:txBody>
@@ -26750,8 +26427,8 @@
         </p:nvSpPr>
         <p:spPr>
           <a:xfrm>
-            <a:off x="385527" y="2315500"/>
-            <a:ext cx="3910107" cy="3536659"/>
+            <a:off x="385527" y="2315501"/>
+            <a:ext cx="3910107" cy="2649692"/>
           </a:xfrm>
           <a:prstGeom prst="rect">
             <a:avLst/>
@@ -26934,7 +26611,7 @@
                 <a:spcPts val="600"/>
               </a:spcAft>
               <a:buClr>
-                <a:srgbClr val="FF0000"/>
+                <a:srgbClr val="0070C0"/>
               </a:buClr>
             </a:pPr>
             <a:r>
@@ -26954,7 +26631,7 @@
                 <a:spcPts val="600"/>
               </a:spcAft>
               <a:buClr>
-                <a:srgbClr val="FD6400"/>
+                <a:srgbClr val="0070C0"/>
               </a:buClr>
             </a:pPr>
             <a:r>
@@ -26962,7 +26639,7 @@
                 <a:latin typeface="Bahnschrift" panose="020B0502040204020203" pitchFamily="34" charset="0"/>
                 <a:cs typeface="Times New Roman" panose="02020603050405020304" pitchFamily="18" charset="0"/>
               </a:rPr>
-              <a:t>Learning project structure </a:t>
+              <a:t>Learning to manage time </a:t>
             </a:r>
           </a:p>
           <a:p>
@@ -26974,7 +26651,7 @@
                 <a:spcPts val="600"/>
               </a:spcAft>
               <a:buClr>
-                <a:srgbClr val="FD6400"/>
+                <a:srgbClr val="0070C0"/>
               </a:buClr>
             </a:pPr>
             <a:r>
@@ -27107,8 +26784,8 @@
         </p:nvGrpSpPr>
         <p:grpSpPr>
           <a:xfrm>
-            <a:off x="684841" y="1670409"/>
-            <a:ext cx="8134039" cy="3130192"/>
+            <a:off x="684841" y="1670408"/>
+            <a:ext cx="8134039" cy="3989727"/>
             <a:chOff x="-3810" y="0"/>
             <a:chExt cx="3730827" cy="1708580"/>
           </a:xfrm>
@@ -27166,7 +26843,7 @@
             <a:grpFill/>
             <a:ln>
               <a:solidFill>
-                <a:schemeClr val="accent5"/>
+                <a:srgbClr val="0070C0"/>
               </a:solidFill>
             </a:ln>
           </p:spPr>
@@ -27590,7 +27267,7 @@
             <a:grpFill/>
             <a:ln>
               <a:solidFill>
-                <a:schemeClr val="accent5"/>
+                <a:srgbClr val="0070C0"/>
               </a:solidFill>
             </a:ln>
           </p:spPr>
@@ -27807,6 +27484,9 @@
             <a:pPr algn="ctr"/>
             <a:r>
               <a:rPr lang="en-US" dirty="0">
+                <a:solidFill>
+                  <a:srgbClr val="0070C0"/>
+                </a:solidFill>
                 <a:latin typeface="Bahnschrift" panose="020B0502040204020203" pitchFamily="34" charset="0"/>
               </a:rPr>
               <a:t>Perspective</a:t>
@@ -27831,7 +27511,7 @@
         <p:spPr>
           <a:xfrm>
             <a:off x="856466" y="1999018"/>
-            <a:ext cx="7972551" cy="2344382"/>
+            <a:ext cx="7972551" cy="3423374"/>
           </a:xfrm>
           <a:prstGeom prst="rect">
             <a:avLst/>
@@ -28014,7 +27694,7 @@
                 <a:spcPts val="600"/>
               </a:spcAft>
               <a:buClr>
-                <a:srgbClr val="FF0000"/>
+                <a:srgbClr val="0070C0"/>
               </a:buClr>
             </a:pPr>
             <a:r>
@@ -28034,7 +27714,7 @@
                 <a:spcPts val="600"/>
               </a:spcAft>
               <a:buClr>
-                <a:srgbClr val="FF0000"/>
+                <a:srgbClr val="0070C0"/>
               </a:buClr>
             </a:pPr>
             <a:r>
@@ -28054,7 +27734,7 @@
                 <a:spcPts val="600"/>
               </a:spcAft>
               <a:buClr>
-                <a:srgbClr val="FF0000"/>
+                <a:srgbClr val="0070C0"/>
               </a:buClr>
             </a:pPr>
             <a:r>
@@ -28062,7 +27742,27 @@
                 <a:latin typeface="Bahnschrift" panose="020B0502040204020203" pitchFamily="34" charset="0"/>
                 <a:cs typeface="Times New Roman" panose="02020603050405020304" pitchFamily="18" charset="0"/>
               </a:rPr>
-              <a:t>Add new technology to the project(Web socket, Autocorrect code) </a:t>
+              <a:t>Improve performance code</a:t>
+            </a:r>
+          </a:p>
+          <a:p>
+            <a:pPr>
+              <a:lnSpc>
+                <a:spcPct val="150000"/>
+              </a:lnSpc>
+              <a:spcAft>
+                <a:spcPts val="600"/>
+              </a:spcAft>
+              <a:buClr>
+                <a:srgbClr val="0070C0"/>
+              </a:buClr>
+            </a:pPr>
+            <a:r>
+              <a:rPr lang="en-US" sz="2000" dirty="0">
+                <a:latin typeface="Bahnschrift" panose="020B0502040204020203" pitchFamily="34" charset="0"/>
+                <a:cs typeface="Times New Roman" panose="02020603050405020304" pitchFamily="18" charset="0"/>
+              </a:rPr>
+              <a:t>Complete Access control (Open Policy Agent)</a:t>
             </a:r>
           </a:p>
         </p:txBody>
@@ -28331,7 +28031,7 @@
             <a:grpFill/>
             <a:ln>
               <a:solidFill>
-                <a:schemeClr val="accent5"/>
+                <a:srgbClr val="0070C0"/>
               </a:solidFill>
             </a:ln>
           </p:spPr>
@@ -28755,7 +28455,7 @@
             <a:grpFill/>
             <a:ln>
               <a:solidFill>
-                <a:schemeClr val="accent5"/>
+                <a:srgbClr val="0070C0"/>
               </a:solidFill>
             </a:ln>
           </p:spPr>
@@ -28827,7 +28527,7 @@
             </a:pathLst>
           </a:custGeom>
           <a:solidFill>
-            <a:srgbClr val="FD6400"/>
+            <a:srgbClr val="0070C0"/>
           </a:solidFill>
           <a:ln>
             <a:noFill/>
@@ -28960,53 +28660,6 @@
           </a:p>
         </p:txBody>
       </p:sp>
-      <p:pic>
-        <p:nvPicPr>
-          <p:cNvPr id="4098" name="Picture 2" descr="Question mark - Free interface icons">
-            <a:extLst>
-              <a:ext uri="{FF2B5EF4-FFF2-40B4-BE49-F238E27FC236}">
-                <a16:creationId xmlns:a16="http://schemas.microsoft.com/office/drawing/2014/main" id="{A822A171-B826-63C4-40D2-8076D7A8E838}"/>
-              </a:ext>
-            </a:extLst>
-          </p:cNvPr>
-          <p:cNvPicPr>
-            <a:picLocks noChangeAspect="1" noChangeArrowheads="1"/>
-          </p:cNvPicPr>
-          <p:nvPr/>
-        </p:nvPicPr>
-        <p:blipFill>
-          <a:blip r:embed="rId3">
-            <a:extLst>
-              <a:ext uri="{28A0092B-C50C-407E-A947-70E740481C1C}">
-                <a14:useLocalDpi xmlns:a14="http://schemas.microsoft.com/office/drawing/2010/main" val="0"/>
-              </a:ext>
-            </a:extLst>
-          </a:blip>
-          <a:srcRect/>
-          <a:stretch>
-            <a:fillRect/>
-          </a:stretch>
-        </p:blipFill>
-        <p:spPr bwMode="auto">
-          <a:xfrm>
-            <a:off x="7060857" y="631775"/>
-            <a:ext cx="1647825" cy="1647825"/>
-          </a:xfrm>
-          <a:prstGeom prst="rect">
-            <a:avLst/>
-          </a:prstGeom>
-          <a:noFill/>
-          <a:extLst>
-            <a:ext uri="{909E8E84-426E-40DD-AFC4-6F175D3DCCD1}">
-              <a14:hiddenFill xmlns:a14="http://schemas.microsoft.com/office/drawing/2010/main">
-                <a:solidFill>
-                  <a:srgbClr val="FFFFFF"/>
-                </a:solidFill>
-              </a14:hiddenFill>
-            </a:ext>
-          </a:extLst>
-        </p:spPr>
-      </p:pic>
     </p:spTree>
     <p:extLst>
       <p:ext uri="{BB962C8B-B14F-4D97-AF65-F5344CB8AC3E}">

--- a/Slide year5/Hun Ravit slide present.pptx
+++ b/Slide year5/Hun Ravit slide present.pptx
@@ -255,7 +255,7 @@
           <a:p>
             <a:fld id="{9B86FB18-907C-42C9-BFAF-4A9C1EFD1495}" type="datetimeFigureOut">
               <a:rPr lang="en-US" smtClean="0"/>
-              <a:t>6/25/2023</a:t>
+              <a:t>6/27/2023</a:t>
             </a:fld>
             <a:endParaRPr lang="en-US"/>
           </a:p>
@@ -432,7 +432,7 @@
           <a:p>
             <a:fld id="{31F5B76B-9F17-40AB-8782-425181EDEDCF}" type="datetimeFigureOut">
               <a:rPr lang="en-US" smtClean="0"/>
-              <a:t>6/25/2023</a:t>
+              <a:t>6/27/2023</a:t>
             </a:fld>
             <a:endParaRPr lang="en-US"/>
           </a:p>
@@ -3269,7 +3269,7 @@
           <a:p>
             <a:fld id="{D5D548DD-3A7F-4431-80CB-F0DE80DE47CC}" type="datetime1">
               <a:rPr lang="en-US" smtClean="0"/>
-              <a:t>6/25/2023</a:t>
+              <a:t>6/27/2023</a:t>
             </a:fld>
             <a:endParaRPr lang="en-US"/>
           </a:p>
@@ -3391,7 +3391,7 @@
           <a:p>
             <a:fld id="{972D9EB1-A7CF-4442-B2C8-4627288CC205}" type="datetime1">
               <a:rPr lang="en-US" smtClean="0"/>
-              <a:t>6/25/2023</a:t>
+              <a:t>6/27/2023</a:t>
             </a:fld>
             <a:endParaRPr lang="en-US"/>
           </a:p>
@@ -3679,7 +3679,7 @@
           <a:p>
             <a:fld id="{75E84E42-F34F-4664-954A-C2C709CB0F21}" type="datetime1">
               <a:rPr lang="en-US" smtClean="0"/>
-              <a:t>6/25/2023</a:t>
+              <a:t>6/27/2023</a:t>
             </a:fld>
             <a:endParaRPr lang="en-US"/>
           </a:p>
@@ -4248,7 +4248,7 @@
           <a:p>
             <a:fld id="{490F3387-414C-48EB-9A91-27049079726A}" type="datetime1">
               <a:rPr lang="en-US" smtClean="0"/>
-              <a:t>6/25/2023</a:t>
+              <a:t>6/27/2023</a:t>
             </a:fld>
             <a:endParaRPr lang="en-US"/>
           </a:p>
@@ -4624,7 +4624,7 @@
           <a:p>
             <a:fld id="{401D3AAB-67F1-4FF7-B1A4-6E2F3F2EBAE5}" type="datetime1">
               <a:rPr lang="en-US" smtClean="0"/>
-              <a:t>6/25/2023</a:t>
+              <a:t>6/27/2023</a:t>
             </a:fld>
             <a:endParaRPr lang="en-US"/>
           </a:p>
@@ -5125,6 +5125,98 @@
       </p:grpSpPr>
       <p:sp>
         <p:nvSpPr>
+          <p:cNvPr id="16" name="Rectangle 15">
+            <a:extLst>
+              <a:ext uri="{FF2B5EF4-FFF2-40B4-BE49-F238E27FC236}">
+                <a16:creationId xmlns:a16="http://schemas.microsoft.com/office/drawing/2014/main" id="{5377598E-0739-1DEE-D96D-DE72FBD7830E}"/>
+              </a:ext>
+            </a:extLst>
+          </p:cNvPr>
+          <p:cNvSpPr/>
+          <p:nvPr userDrawn="1"/>
+        </p:nvSpPr>
+        <p:spPr>
+          <a:xfrm>
+            <a:off x="0" y="0"/>
+            <a:ext cx="9175750" cy="6858000"/>
+          </a:xfrm>
+          <a:prstGeom prst="rect">
+            <a:avLst/>
+          </a:prstGeom>
+          <a:solidFill>
+            <a:schemeClr val="accent4">
+              <a:lumMod val="20000"/>
+              <a:lumOff val="80000"/>
+            </a:schemeClr>
+          </a:solidFill>
+          <a:ln>
+            <a:solidFill>
+              <a:schemeClr val="bg1"/>
+            </a:solidFill>
+          </a:ln>
+        </p:spPr>
+        <p:style>
+          <a:lnRef idx="2">
+            <a:schemeClr val="accent1">
+              <a:shade val="50000"/>
+            </a:schemeClr>
+          </a:lnRef>
+          <a:fillRef idx="1">
+            <a:schemeClr val="accent1"/>
+          </a:fillRef>
+          <a:effectRef idx="0">
+            <a:schemeClr val="accent1"/>
+          </a:effectRef>
+          <a:fontRef idx="minor">
+            <a:schemeClr val="lt1"/>
+          </a:fontRef>
+        </p:style>
+        <p:txBody>
+          <a:bodyPr rtlCol="0" anchor="ctr"/>
+          <a:lstStyle/>
+          <a:p>
+            <a:pPr algn="ctr"/>
+            <a:endParaRPr lang="en-US"/>
+          </a:p>
+        </p:txBody>
+      </p:sp>
+      <p:pic>
+        <p:nvPicPr>
+          <p:cNvPr id="2" name="Picture 1">
+            <a:extLst>
+              <a:ext uri="{FF2B5EF4-FFF2-40B4-BE49-F238E27FC236}">
+                <a16:creationId xmlns:a16="http://schemas.microsoft.com/office/drawing/2014/main" id="{5189CDCB-34A6-23D9-6EEE-210A35AB5C8A}"/>
+              </a:ext>
+            </a:extLst>
+          </p:cNvPr>
+          <p:cNvPicPr>
+            <a:picLocks noChangeAspect="1"/>
+          </p:cNvPicPr>
+          <p:nvPr userDrawn="1"/>
+        </p:nvPicPr>
+        <p:blipFill rotWithShape="1">
+          <a:blip r:embed="rId2">
+            <a:extLst>
+              <a:ext uri="{28A0092B-C50C-407E-A947-70E740481C1C}">
+                <a14:useLocalDpi xmlns:a14="http://schemas.microsoft.com/office/drawing/2010/main" val="0"/>
+              </a:ext>
+            </a:extLst>
+          </a:blip>
+          <a:srcRect l="4179" r="4665"/>
+          <a:stretch/>
+        </p:blipFill>
+        <p:spPr>
+          <a:xfrm>
+            <a:off x="3063491" y="4322402"/>
+            <a:ext cx="3011536" cy="1591087"/>
+          </a:xfrm>
+          <a:prstGeom prst="rect">
+            <a:avLst/>
+          </a:prstGeom>
+        </p:spPr>
+      </p:pic>
+      <p:sp>
+        <p:nvSpPr>
           <p:cNvPr id="7" name="Date Placeholder 6">
             <a:extLst>
               <a:ext uri="{FF2B5EF4-FFF2-40B4-BE49-F238E27FC236}">
@@ -5146,7 +5238,7 @@
           <a:p>
             <a:fld id="{401D3AAB-67F1-4FF7-B1A4-6E2F3F2EBAE5}" type="datetime1">
               <a:rPr lang="en-US" smtClean="0"/>
-              <a:t>6/25/2023</a:t>
+              <a:t>6/27/2023</a:t>
             </a:fld>
             <a:endParaRPr lang="en-US"/>
           </a:p>
@@ -5223,60 +5315,6 @@
       </p:sp>
       <p:sp>
         <p:nvSpPr>
-          <p:cNvPr id="16" name="Rectangle 15">
-            <a:extLst>
-              <a:ext uri="{FF2B5EF4-FFF2-40B4-BE49-F238E27FC236}">
-                <a16:creationId xmlns:a16="http://schemas.microsoft.com/office/drawing/2014/main" id="{5377598E-0739-1DEE-D96D-DE72FBD7830E}"/>
-              </a:ext>
-            </a:extLst>
-          </p:cNvPr>
-          <p:cNvSpPr/>
-          <p:nvPr userDrawn="1"/>
-        </p:nvSpPr>
-        <p:spPr>
-          <a:xfrm>
-            <a:off x="0" y="0"/>
-            <a:ext cx="9175750" cy="6858000"/>
-          </a:xfrm>
-          <a:prstGeom prst="rect">
-            <a:avLst/>
-          </a:prstGeom>
-          <a:solidFill>
-            <a:srgbClr val="0070C0"/>
-          </a:solidFill>
-          <a:ln>
-            <a:solidFill>
-              <a:schemeClr val="bg1"/>
-            </a:solidFill>
-          </a:ln>
-        </p:spPr>
-        <p:style>
-          <a:lnRef idx="2">
-            <a:schemeClr val="accent1">
-              <a:shade val="50000"/>
-            </a:schemeClr>
-          </a:lnRef>
-          <a:fillRef idx="1">
-            <a:schemeClr val="accent1"/>
-          </a:fillRef>
-          <a:effectRef idx="0">
-            <a:schemeClr val="accent1"/>
-          </a:effectRef>
-          <a:fontRef idx="minor">
-            <a:schemeClr val="lt1"/>
-          </a:fontRef>
-        </p:style>
-        <p:txBody>
-          <a:bodyPr rtlCol="0" anchor="ctr"/>
-          <a:lstStyle/>
-          <a:p>
-            <a:pPr algn="ctr"/>
-            <a:endParaRPr lang="en-US"/>
-          </a:p>
-        </p:txBody>
-      </p:sp>
-      <p:sp>
-        <p:nvSpPr>
           <p:cNvPr id="17" name="Title 1">
             <a:extLst>
               <a:ext uri="{FF2B5EF4-FFF2-40B4-BE49-F238E27FC236}">
@@ -5306,7 +5344,7 @@
             <a:lvl1pPr algn="ctr">
               <a:defRPr sz="5400">
                 <a:solidFill>
-                  <a:schemeClr val="bg1"/>
+                  <a:srgbClr val="0070C0"/>
                 </a:solidFill>
                 <a:latin typeface="Bahnschrift Condensed" panose="020B0502040204020203" pitchFamily="34" charset="0"/>
               </a:defRPr>
@@ -5412,7 +5450,7 @@
             </a:pathLst>
           </a:custGeom>
           <a:solidFill>
-            <a:schemeClr val="bg1"/>
+            <a:srgbClr val="0070C0"/>
           </a:solidFill>
           <a:ln>
             <a:noFill/>
@@ -5470,7 +5508,7 @@
               <a:buNone/>
               <a:defRPr sz="6000" b="1">
                 <a:solidFill>
-                  <a:srgbClr val="0070C0"/>
+                  <a:schemeClr val="bg1"/>
                 </a:solidFill>
                 <a:latin typeface="Bahnschrift Condensed" panose="020B0502040204020203" pitchFamily="34" charset="0"/>
               </a:defRPr>
@@ -5678,7 +5716,7 @@
             </a:pathLst>
           </a:custGeom>
           <a:solidFill>
-            <a:schemeClr val="bg1"/>
+            <a:srgbClr val="0070C0"/>
           </a:solidFill>
           <a:ln>
             <a:solidFill>
@@ -5712,47 +5750,6 @@
           </a:p>
         </p:txBody>
       </p:sp>
-      <p:pic>
-        <p:nvPicPr>
-          <p:cNvPr id="10" name="Picture 9">
-            <a:extLst>
-              <a:ext uri="{FF2B5EF4-FFF2-40B4-BE49-F238E27FC236}">
-                <a16:creationId xmlns:a16="http://schemas.microsoft.com/office/drawing/2014/main" id="{5DCFAC1C-2DA1-FBBD-5C48-1D121AE3F2ED}"/>
-              </a:ext>
-            </a:extLst>
-          </p:cNvPr>
-          <p:cNvPicPr>
-            <a:picLocks noChangeAspect="1"/>
-          </p:cNvPicPr>
-          <p:nvPr userDrawn="1"/>
-        </p:nvPicPr>
-        <p:blipFill>
-          <a:blip r:embed="rId2" cstate="print">
-            <a:extLst>
-              <a:ext uri="{28A0092B-C50C-407E-A947-70E740481C1C}">
-                <a14:useLocalDpi xmlns:a14="http://schemas.microsoft.com/office/drawing/2010/main" val="0"/>
-              </a:ext>
-            </a:extLst>
-          </a:blip>
-          <a:srcRect/>
-          <a:stretch>
-            <a:fillRect/>
-          </a:stretch>
-        </p:blipFill>
-        <p:spPr bwMode="auto">
-          <a:xfrm>
-            <a:off x="3182858" y="4334669"/>
-            <a:ext cx="2808168" cy="1585029"/>
-          </a:xfrm>
-          <a:prstGeom prst="rect">
-            <a:avLst/>
-          </a:prstGeom>
-          <a:noFill/>
-          <a:ln>
-            <a:noFill/>
-          </a:ln>
-        </p:spPr>
-      </p:pic>
       <p:grpSp>
         <p:nvGrpSpPr>
           <p:cNvPr id="11" name="Google Shape;340;p32">
@@ -5767,8 +5764,8 @@
         </p:nvGrpSpPr>
         <p:grpSpPr>
           <a:xfrm>
-            <a:off x="2792552" y="4224338"/>
-            <a:ext cx="3576011" cy="1918659"/>
+            <a:off x="2686050" y="4224338"/>
+            <a:ext cx="3771900" cy="1918659"/>
             <a:chOff x="1177450" y="241631"/>
             <a:chExt cx="6173152" cy="3700957"/>
           </a:xfrm>
@@ -7141,7 +7138,7 @@
           <a:p>
             <a:fld id="{A8E6A850-253D-42A0-8A5B-FA12D923BC99}" type="datetime1">
               <a:rPr lang="en-US" smtClean="0"/>
-              <a:t>6/25/2023</a:t>
+              <a:t>6/27/2023</a:t>
             </a:fld>
             <a:endParaRPr lang="en-US"/>
           </a:p>
@@ -17495,50 +17492,277 @@
           </a:p>
         </p:txBody>
       </p:sp>
-      <p:pic>
-        <p:nvPicPr>
-          <p:cNvPr id="6" name="Picture 5">
+      <p:grpSp>
+        <p:nvGrpSpPr>
+          <p:cNvPr id="7" name="Group 6">
             <a:extLst>
               <a:ext uri="{FF2B5EF4-FFF2-40B4-BE49-F238E27FC236}">
-                <a16:creationId xmlns:a16="http://schemas.microsoft.com/office/drawing/2014/main" id="{37D7A1DB-FC8B-BDA2-F502-5BC6619DCDF4}"/>
+                <a16:creationId xmlns:a16="http://schemas.microsoft.com/office/drawing/2014/main" id="{0CFEE29F-E311-6AE5-63A0-95F2F28C033F}"/>
               </a:ext>
             </a:extLst>
           </p:cNvPr>
-          <p:cNvPicPr>
-            <a:picLocks noChangeAspect="1"/>
-          </p:cNvPicPr>
+          <p:cNvGrpSpPr/>
           <p:nvPr/>
-        </p:nvPicPr>
-        <p:blipFill rotWithShape="1">
-          <a:blip r:embed="rId3">
-            <a:extLst>
-              <a:ext uri="{28A0092B-C50C-407E-A947-70E740481C1C}">
-                <a14:useLocalDpi xmlns:a14="http://schemas.microsoft.com/office/drawing/2010/main" val="0"/>
-              </a:ext>
-            </a:extLst>
-          </a:blip>
-          <a:srcRect r="3614"/>
-          <a:stretch/>
-        </p:blipFill>
-        <p:spPr bwMode="auto">
+        </p:nvGrpSpPr>
+        <p:grpSpPr>
           <a:xfrm>
             <a:off x="737069" y="2301753"/>
             <a:ext cx="7821715" cy="2254494"/>
+            <a:chOff x="737069" y="2301753"/>
+            <a:chExt cx="7821715" cy="2254494"/>
           </a:xfrm>
-          <a:prstGeom prst="rect">
-            <a:avLst/>
-          </a:prstGeom>
-          <a:noFill/>
-          <a:ln>
+        </p:grpSpPr>
+        <p:pic>
+          <p:nvPicPr>
+            <p:cNvPr id="6" name="Picture 5">
+              <a:extLst>
+                <a:ext uri="{FF2B5EF4-FFF2-40B4-BE49-F238E27FC236}">
+                  <a16:creationId xmlns:a16="http://schemas.microsoft.com/office/drawing/2014/main" id="{37D7A1DB-FC8B-BDA2-F502-5BC6619DCDF4}"/>
+                </a:ext>
+              </a:extLst>
+            </p:cNvPr>
+            <p:cNvPicPr>
+              <a:picLocks noChangeAspect="1"/>
+            </p:cNvPicPr>
+            <p:nvPr/>
+          </p:nvPicPr>
+          <p:blipFill rotWithShape="1">
+            <a:blip r:embed="rId3">
+              <a:extLst>
+                <a:ext uri="{28A0092B-C50C-407E-A947-70E740481C1C}">
+                  <a14:useLocalDpi xmlns:a14="http://schemas.microsoft.com/office/drawing/2010/main" val="0"/>
+                </a:ext>
+              </a:extLst>
+            </a:blip>
+            <a:srcRect r="3614"/>
+            <a:stretch/>
+          </p:blipFill>
+          <p:spPr bwMode="auto">
+            <a:xfrm>
+              <a:off x="737069" y="2301753"/>
+              <a:ext cx="7821715" cy="2254494"/>
+            </a:xfrm>
+            <a:prstGeom prst="rect">
+              <a:avLst/>
+            </a:prstGeom>
             <a:noFill/>
-          </a:ln>
-          <a:extLst>
-            <a:ext uri="{53640926-AAD7-44D8-BBD7-CCE9431645EC}">
-              <a14:shadowObscured xmlns:a14="http://schemas.microsoft.com/office/drawing/2010/main"/>
-            </a:ext>
-          </a:extLst>
-        </p:spPr>
-      </p:pic>
+            <a:ln>
+              <a:noFill/>
+            </a:ln>
+            <a:extLst>
+              <a:ext uri="{53640926-AAD7-44D8-BBD7-CCE9431645EC}">
+                <a14:shadowObscured xmlns:a14="http://schemas.microsoft.com/office/drawing/2010/main"/>
+              </a:ext>
+            </a:extLst>
+          </p:spPr>
+        </p:pic>
+        <p:sp>
+          <p:nvSpPr>
+            <p:cNvPr id="5" name="Text Placeholder 1">
+              <a:extLst>
+                <a:ext uri="{FF2B5EF4-FFF2-40B4-BE49-F238E27FC236}">
+                  <a16:creationId xmlns:a16="http://schemas.microsoft.com/office/drawing/2014/main" id="{D8DE52D2-BDB1-7091-0799-E4345FFE17F2}"/>
+                </a:ext>
+              </a:extLst>
+            </p:cNvPr>
+            <p:cNvSpPr txBox="1">
+              <a:spLocks/>
+            </p:cNvSpPr>
+            <p:nvPr/>
+          </p:nvSpPr>
+          <p:spPr>
+            <a:xfrm>
+              <a:off x="7488458" y="4104635"/>
+              <a:ext cx="982482" cy="375926"/>
+            </a:xfrm>
+            <a:prstGeom prst="rect">
+              <a:avLst/>
+            </a:prstGeom>
+          </p:spPr>
+          <p:txBody>
+            <a:bodyPr/>
+            <a:lstStyle>
+              <a:lvl1pPr marL="0" indent="0" algn="l" defTabSz="914400" rtl="0" eaLnBrk="1" latinLnBrk="0" hangingPunct="1">
+                <a:lnSpc>
+                  <a:spcPct val="90000"/>
+                </a:lnSpc>
+                <a:spcBef>
+                  <a:spcPts val="1000"/>
+                </a:spcBef>
+                <a:buFont typeface="Wingdings" panose="05000000000000000000" pitchFamily="2" charset="2"/>
+                <a:buNone/>
+                <a:defRPr sz="2400" kern="1200">
+                  <a:solidFill>
+                    <a:srgbClr val="FD6400"/>
+                  </a:solidFill>
+                  <a:latin typeface="Bahnschrift SemiBold Condensed" panose="020B0502040204020203" pitchFamily="34" charset="0"/>
+                  <a:ea typeface="+mn-ea"/>
+                  <a:cs typeface="+mn-cs"/>
+                </a:defRPr>
+              </a:lvl1pPr>
+              <a:lvl2pPr marL="685800" indent="-228600" algn="l" defTabSz="914400" rtl="0" eaLnBrk="1" latinLnBrk="0" hangingPunct="1">
+                <a:lnSpc>
+                  <a:spcPct val="90000"/>
+                </a:lnSpc>
+                <a:spcBef>
+                  <a:spcPts val="500"/>
+                </a:spcBef>
+                <a:buFont typeface="Arial" panose="020B0604020202020204" pitchFamily="34" charset="0"/>
+                <a:buChar char="•"/>
+                <a:defRPr sz="2400" kern="1200">
+                  <a:solidFill>
+                    <a:schemeClr val="tx1"/>
+                  </a:solidFill>
+                  <a:latin typeface="+mn-lt"/>
+                  <a:ea typeface="+mn-ea"/>
+                  <a:cs typeface="+mn-cs"/>
+                </a:defRPr>
+              </a:lvl2pPr>
+              <a:lvl3pPr marL="1143000" indent="-228600" algn="l" defTabSz="914400" rtl="0" eaLnBrk="1" latinLnBrk="0" hangingPunct="1">
+                <a:lnSpc>
+                  <a:spcPct val="90000"/>
+                </a:lnSpc>
+                <a:spcBef>
+                  <a:spcPts val="500"/>
+                </a:spcBef>
+                <a:buFont typeface="Arial" panose="020B0604020202020204" pitchFamily="34" charset="0"/>
+                <a:buChar char="•"/>
+                <a:defRPr sz="2000" kern="1200">
+                  <a:solidFill>
+                    <a:schemeClr val="tx1"/>
+                  </a:solidFill>
+                  <a:latin typeface="+mn-lt"/>
+                  <a:ea typeface="+mn-ea"/>
+                  <a:cs typeface="+mn-cs"/>
+                </a:defRPr>
+              </a:lvl3pPr>
+              <a:lvl4pPr marL="1600200" indent="-228600" algn="l" defTabSz="914400" rtl="0" eaLnBrk="1" latinLnBrk="0" hangingPunct="1">
+                <a:lnSpc>
+                  <a:spcPct val="90000"/>
+                </a:lnSpc>
+                <a:spcBef>
+                  <a:spcPts val="500"/>
+                </a:spcBef>
+                <a:buFont typeface="Arial" panose="020B0604020202020204" pitchFamily="34" charset="0"/>
+                <a:buChar char="•"/>
+                <a:defRPr sz="1800" kern="1200">
+                  <a:solidFill>
+                    <a:schemeClr val="tx1"/>
+                  </a:solidFill>
+                  <a:latin typeface="+mn-lt"/>
+                  <a:ea typeface="+mn-ea"/>
+                  <a:cs typeface="+mn-cs"/>
+                </a:defRPr>
+              </a:lvl4pPr>
+              <a:lvl5pPr marL="2057400" indent="-228600" algn="l" defTabSz="914400" rtl="0" eaLnBrk="1" latinLnBrk="0" hangingPunct="1">
+                <a:lnSpc>
+                  <a:spcPct val="90000"/>
+                </a:lnSpc>
+                <a:spcBef>
+                  <a:spcPts val="500"/>
+                </a:spcBef>
+                <a:buFont typeface="Arial" panose="020B0604020202020204" pitchFamily="34" charset="0"/>
+                <a:buChar char="•"/>
+                <a:defRPr sz="1800" kern="1200">
+                  <a:solidFill>
+                    <a:schemeClr val="tx1"/>
+                  </a:solidFill>
+                  <a:latin typeface="+mn-lt"/>
+                  <a:ea typeface="+mn-ea"/>
+                  <a:cs typeface="+mn-cs"/>
+                </a:defRPr>
+              </a:lvl5pPr>
+              <a:lvl6pPr marL="2514600" indent="-228600" algn="l" defTabSz="914400" rtl="0" eaLnBrk="1" latinLnBrk="0" hangingPunct="1">
+                <a:lnSpc>
+                  <a:spcPct val="90000"/>
+                </a:lnSpc>
+                <a:spcBef>
+                  <a:spcPts val="500"/>
+                </a:spcBef>
+                <a:buFont typeface="Arial" panose="020B0604020202020204" pitchFamily="34" charset="0"/>
+                <a:buChar char="•"/>
+                <a:defRPr sz="1800" kern="1200">
+                  <a:solidFill>
+                    <a:schemeClr val="tx1"/>
+                  </a:solidFill>
+                  <a:latin typeface="+mn-lt"/>
+                  <a:ea typeface="+mn-ea"/>
+                  <a:cs typeface="+mn-cs"/>
+                </a:defRPr>
+              </a:lvl6pPr>
+              <a:lvl7pPr marL="2971800" indent="-228600" algn="l" defTabSz="914400" rtl="0" eaLnBrk="1" latinLnBrk="0" hangingPunct="1">
+                <a:lnSpc>
+                  <a:spcPct val="90000"/>
+                </a:lnSpc>
+                <a:spcBef>
+                  <a:spcPts val="500"/>
+                </a:spcBef>
+                <a:buFont typeface="Arial" panose="020B0604020202020204" pitchFamily="34" charset="0"/>
+                <a:buChar char="•"/>
+                <a:defRPr sz="1800" kern="1200">
+                  <a:solidFill>
+                    <a:schemeClr val="tx1"/>
+                  </a:solidFill>
+                  <a:latin typeface="+mn-lt"/>
+                  <a:ea typeface="+mn-ea"/>
+                  <a:cs typeface="+mn-cs"/>
+                </a:defRPr>
+              </a:lvl7pPr>
+              <a:lvl8pPr marL="3429000" indent="-228600" algn="l" defTabSz="914400" rtl="0" eaLnBrk="1" latinLnBrk="0" hangingPunct="1">
+                <a:lnSpc>
+                  <a:spcPct val="90000"/>
+                </a:lnSpc>
+                <a:spcBef>
+                  <a:spcPts val="500"/>
+                </a:spcBef>
+                <a:buFont typeface="Arial" panose="020B0604020202020204" pitchFamily="34" charset="0"/>
+                <a:buChar char="•"/>
+                <a:defRPr sz="1800" kern="1200">
+                  <a:solidFill>
+                    <a:schemeClr val="tx1"/>
+                  </a:solidFill>
+                  <a:latin typeface="+mn-lt"/>
+                  <a:ea typeface="+mn-ea"/>
+                  <a:cs typeface="+mn-cs"/>
+                </a:defRPr>
+              </a:lvl8pPr>
+              <a:lvl9pPr marL="3886200" indent="-228600" algn="l" defTabSz="914400" rtl="0" eaLnBrk="1" latinLnBrk="0" hangingPunct="1">
+                <a:lnSpc>
+                  <a:spcPct val="90000"/>
+                </a:lnSpc>
+                <a:spcBef>
+                  <a:spcPts val="500"/>
+                </a:spcBef>
+                <a:buFont typeface="Arial" panose="020B0604020202020204" pitchFamily="34" charset="0"/>
+                <a:buChar char="•"/>
+                <a:defRPr sz="1800" kern="1200">
+                  <a:solidFill>
+                    <a:schemeClr val="tx1"/>
+                  </a:solidFill>
+                  <a:latin typeface="+mn-lt"/>
+                  <a:ea typeface="+mn-ea"/>
+                  <a:cs typeface="+mn-cs"/>
+                </a:defRPr>
+              </a:lvl9pPr>
+            </a:lstStyle>
+            <a:p>
+              <a:pPr algn="ctr"/>
+              <a:r>
+                <a:rPr lang="en-US" sz="1800" dirty="0">
+                  <a:solidFill>
+                    <a:srgbClr val="0070C0"/>
+                  </a:solidFill>
+                  <a:latin typeface="Bahnschrift" panose="020B0502040204020203" pitchFamily="34" charset="0"/>
+                </a:rPr>
+                <a:t>MYSQL</a:t>
+              </a:r>
+              <a:endParaRPr lang="en-US" sz="1800" dirty="0">
+                <a:latin typeface="Bahnschrift" panose="020B0502040204020203" pitchFamily="34" charset="0"/>
+              </a:endParaRPr>
+            </a:p>
+          </p:txBody>
+        </p:sp>
+      </p:grpSp>
     </p:spTree>
     <p:extLst>
       <p:ext uri="{BB962C8B-B14F-4D97-AF65-F5344CB8AC3E}">
@@ -17993,7 +18217,7 @@
                 <a:latin typeface="Bahnschrift" panose="020B0502040204020203" pitchFamily="34" charset="0"/>
                 <a:cs typeface="Times New Roman" panose="02020603050405020304" pitchFamily="18" charset="0"/>
               </a:rPr>
-              <a:t>: store configurations example database</a:t>
+              <a:t>: store configurations such as database configuration</a:t>
             </a:r>
           </a:p>
           <a:p>
@@ -18144,7 +18368,7 @@
         </p:blipFill>
         <p:spPr bwMode="auto">
           <a:xfrm>
-            <a:off x="3791267" y="5007356"/>
+            <a:off x="3809555" y="5241633"/>
             <a:ext cx="1835785" cy="1122680"/>
           </a:xfrm>
           <a:prstGeom prst="rect">
@@ -18519,21 +18743,7 @@
                 <a:latin typeface="Bahnschrift" panose="020B0502040204020203" pitchFamily="34" charset="0"/>
                 <a:cs typeface="Times New Roman" panose="02020603050405020304" pitchFamily="18" charset="0"/>
               </a:rPr>
-              <a:t>: store image and third-party </a:t>
-            </a:r>
-            <a:r>
-              <a:rPr lang="en-US" sz="1600" dirty="0" err="1">
-                <a:latin typeface="Bahnschrift" panose="020B0502040204020203" pitchFamily="34" charset="0"/>
-                <a:cs typeface="Times New Roman" panose="02020603050405020304" pitchFamily="18" charset="0"/>
-              </a:rPr>
-              <a:t>Javascript</a:t>
-            </a:r>
-            <a:r>
-              <a:rPr lang="en-US" sz="1600" dirty="0">
-                <a:latin typeface="Bahnschrift" panose="020B0502040204020203" pitchFamily="34" charset="0"/>
-                <a:cs typeface="Times New Roman" panose="02020603050405020304" pitchFamily="18" charset="0"/>
-              </a:rPr>
-              <a:t> files</a:t>
+              <a:t>: store images and third-party files</a:t>
             </a:r>
           </a:p>
           <a:p>
@@ -20418,7 +20628,7 @@
         <p:spPr>
           <a:xfrm>
             <a:off x="276537" y="897179"/>
-            <a:ext cx="5654363" cy="469901"/>
+            <a:ext cx="6691191" cy="469901"/>
           </a:xfrm>
         </p:spPr>
         <p:txBody>
@@ -20427,7 +20637,7 @@
           <a:p>
             <a:r>
               <a:rPr lang="en-US" dirty="0"/>
-              <a:t>3.2 Flowchart for</a:t>
+              <a:t>3.2 Flowchart for create new candidate</a:t>
             </a:r>
           </a:p>
         </p:txBody>
@@ -20490,6 +20700,50 @@
           </a:p>
         </p:txBody>
       </p:sp>
+      <p:pic>
+        <p:nvPicPr>
+          <p:cNvPr id="5" name="Picture 4">
+            <a:extLst>
+              <a:ext uri="{FF2B5EF4-FFF2-40B4-BE49-F238E27FC236}">
+                <a16:creationId xmlns:a16="http://schemas.microsoft.com/office/drawing/2014/main" id="{3B5A4F5A-CC89-C7B8-67B1-0E15E9AF0274}"/>
+              </a:ext>
+            </a:extLst>
+          </p:cNvPr>
+          <p:cNvPicPr>
+            <a:picLocks noChangeAspect="1"/>
+          </p:cNvPicPr>
+          <p:nvPr/>
+        </p:nvPicPr>
+        <p:blipFill rotWithShape="1">
+          <a:blip r:embed="rId3">
+            <a:extLst>
+              <a:ext uri="{28A0092B-C50C-407E-A947-70E740481C1C}">
+                <a14:useLocalDpi xmlns:a14="http://schemas.microsoft.com/office/drawing/2010/main" val="0"/>
+              </a:ext>
+            </a:extLst>
+          </a:blip>
+          <a:srcRect t="7722"/>
+          <a:stretch/>
+        </p:blipFill>
+        <p:spPr bwMode="auto">
+          <a:xfrm>
+            <a:off x="2218886" y="1334283"/>
+            <a:ext cx="4744639" cy="5387193"/>
+          </a:xfrm>
+          <a:prstGeom prst="rect">
+            <a:avLst/>
+          </a:prstGeom>
+          <a:noFill/>
+          <a:ln>
+            <a:noFill/>
+          </a:ln>
+          <a:extLst>
+            <a:ext uri="{53640926-AAD7-44D8-BBD7-CCE9431645EC}">
+              <a14:shadowObscured xmlns:a14="http://schemas.microsoft.com/office/drawing/2010/main"/>
+            </a:ext>
+          </a:extLst>
+        </p:spPr>
+      </p:pic>
     </p:spTree>
     <p:extLst>
       <p:ext uri="{BB962C8B-B14F-4D97-AF65-F5344CB8AC3E}">
@@ -20539,7 +20793,7 @@
         <p:spPr>
           <a:xfrm>
             <a:off x="276537" y="897179"/>
-            <a:ext cx="5654363" cy="469901"/>
+            <a:ext cx="8620720" cy="469901"/>
           </a:xfrm>
         </p:spPr>
         <p:txBody>
@@ -20548,7 +20802,7 @@
           <a:p>
             <a:r>
               <a:rPr lang="en-US" dirty="0"/>
-              <a:t>3.3 Flowchart for</a:t>
+              <a:t>3.3 Flowchart of upload Excel file (create candidate)</a:t>
             </a:r>
           </a:p>
         </p:txBody>
@@ -20611,6 +20865,45 @@
           </a:p>
         </p:txBody>
       </p:sp>
+      <p:pic>
+        <p:nvPicPr>
+          <p:cNvPr id="5" name="Picture 4">
+            <a:extLst>
+              <a:ext uri="{FF2B5EF4-FFF2-40B4-BE49-F238E27FC236}">
+                <a16:creationId xmlns:a16="http://schemas.microsoft.com/office/drawing/2014/main" id="{1A15926B-6213-6639-ECCD-20CF09C5C2DD}"/>
+              </a:ext>
+            </a:extLst>
+          </p:cNvPr>
+          <p:cNvPicPr>
+            <a:picLocks noChangeAspect="1"/>
+          </p:cNvPicPr>
+          <p:nvPr/>
+        </p:nvPicPr>
+        <p:blipFill rotWithShape="1">
+          <a:blip r:embed="rId3">
+            <a:extLst>
+              <a:ext uri="{28A0092B-C50C-407E-A947-70E740481C1C}">
+                <a14:useLocalDpi xmlns:a14="http://schemas.microsoft.com/office/drawing/2010/main" val="0"/>
+              </a:ext>
+            </a:extLst>
+          </a:blip>
+          <a:srcRect t="9237"/>
+          <a:stretch/>
+        </p:blipFill>
+        <p:spPr bwMode="auto">
+          <a:xfrm>
+            <a:off x="2155238" y="1367080"/>
+            <a:ext cx="4833523" cy="5340096"/>
+          </a:xfrm>
+          <a:prstGeom prst="rect">
+            <a:avLst/>
+          </a:prstGeom>
+          <a:noFill/>
+          <a:ln>
+            <a:noFill/>
+          </a:ln>
+        </p:spPr>
+      </p:pic>
     </p:spTree>
     <p:extLst>
       <p:ext uri="{BB962C8B-B14F-4D97-AF65-F5344CB8AC3E}">
@@ -20669,7 +20962,7 @@
           <a:p>
             <a:r>
               <a:rPr lang="en-US" dirty="0"/>
-              <a:t>3.4 Flowchart for</a:t>
+              <a:t>3.4 Flowchart for add book to department</a:t>
             </a:r>
           </a:p>
         </p:txBody>
@@ -20732,6 +21025,47 @@
           </a:p>
         </p:txBody>
       </p:sp>
+      <p:pic>
+        <p:nvPicPr>
+          <p:cNvPr id="5" name="Picture 4">
+            <a:extLst>
+              <a:ext uri="{FF2B5EF4-FFF2-40B4-BE49-F238E27FC236}">
+                <a16:creationId xmlns:a16="http://schemas.microsoft.com/office/drawing/2014/main" id="{7B23F379-3D9E-41EF-B689-C0244B4B428A}"/>
+              </a:ext>
+            </a:extLst>
+          </p:cNvPr>
+          <p:cNvPicPr>
+            <a:picLocks noChangeAspect="1"/>
+          </p:cNvPicPr>
+          <p:nvPr/>
+        </p:nvPicPr>
+        <p:blipFill>
+          <a:blip r:embed="rId3">
+            <a:extLst>
+              <a:ext uri="{28A0092B-C50C-407E-A947-70E740481C1C}">
+                <a14:useLocalDpi xmlns:a14="http://schemas.microsoft.com/office/drawing/2010/main" val="0"/>
+              </a:ext>
+            </a:extLst>
+          </a:blip>
+          <a:srcRect/>
+          <a:stretch>
+            <a:fillRect/>
+          </a:stretch>
+        </p:blipFill>
+        <p:spPr bwMode="auto">
+          <a:xfrm>
+            <a:off x="1507328" y="1355820"/>
+            <a:ext cx="6249226" cy="5183093"/>
+          </a:xfrm>
+          <a:prstGeom prst="rect">
+            <a:avLst/>
+          </a:prstGeom>
+          <a:noFill/>
+          <a:ln>
+            <a:noFill/>
+          </a:ln>
+        </p:spPr>
+      </p:pic>
     </p:spTree>
     <p:extLst>
       <p:ext uri="{BB962C8B-B14F-4D97-AF65-F5344CB8AC3E}">
@@ -20984,14 +21318,14 @@
           <p:nvPr>
             <p:extLst>
               <p:ext uri="{D42A27DB-BD31-4B8C-83A1-F6EECF244321}">
-                <p14:modId xmlns:p14="http://schemas.microsoft.com/office/powerpoint/2010/main" val="2962119053"/>
+                <p14:modId xmlns:p14="http://schemas.microsoft.com/office/powerpoint/2010/main" val="1507582423"/>
               </p:ext>
             </p:extLst>
           </p:nvPr>
         </p:nvGraphicFramePr>
         <p:xfrm>
           <a:off x="2003263" y="1132129"/>
-          <a:ext cx="5961888" cy="5048970"/>
+          <a:ext cx="5961888" cy="5094934"/>
         </p:xfrm>
         <a:graphic>
           <a:graphicData uri="http://schemas.openxmlformats.org/drawingml/2006/table">
@@ -21022,7 +21356,7 @@
                   </a:extLst>
                 </a:gridCol>
               </a:tblGrid>
-              <a:tr h="328856">
+              <a:tr h="331850">
                 <a:tc>
                   <a:txBody>
                     <a:bodyPr/>
@@ -21230,7 +21564,7 @@
                   </a:ext>
                 </a:extLst>
               </a:tr>
-              <a:tr h="246643">
+              <a:tr h="248888">
                 <a:tc>
                   <a:txBody>
                     <a:bodyPr/>
@@ -21439,7 +21773,7 @@
                   </a:ext>
                 </a:extLst>
               </a:tr>
-              <a:tr h="306371">
+              <a:tr h="309160">
                 <a:tc>
                   <a:txBody>
                     <a:bodyPr/>
@@ -21649,7 +21983,7 @@
                   </a:ext>
                 </a:extLst>
               </a:tr>
-              <a:tr h="296478">
+              <a:tr h="299177">
                 <a:tc>
                   <a:txBody>
                     <a:bodyPr/>
@@ -21859,7 +22193,7 @@
                   </a:ext>
                 </a:extLst>
               </a:tr>
-              <a:tr h="313903">
+              <a:tr h="316761">
                 <a:tc>
                   <a:txBody>
                     <a:bodyPr/>
@@ -22069,7 +22403,7 @@
                   </a:ext>
                 </a:extLst>
               </a:tr>
-              <a:tr h="276693">
+              <a:tr h="279212">
                 <a:tc>
                   <a:txBody>
                     <a:bodyPr/>
@@ -22279,7 +22613,7 @@
                   </a:ext>
                 </a:extLst>
               </a:tr>
-              <a:tr h="312330">
+              <a:tr h="315173">
                 <a:tc>
                   <a:txBody>
                     <a:bodyPr/>
@@ -22489,7 +22823,7 @@
                   </a:ext>
                 </a:extLst>
               </a:tr>
-              <a:tr h="293332">
+              <a:tr h="296002">
                 <a:tc>
                   <a:txBody>
                     <a:bodyPr/>
@@ -22699,7 +23033,7 @@
                   </a:ext>
                 </a:extLst>
               </a:tr>
-              <a:tr h="266613">
+              <a:tr h="269040">
                 <a:tc>
                   <a:txBody>
                     <a:bodyPr/>
@@ -22909,7 +23243,7 @@
                   </a:ext>
                 </a:extLst>
               </a:tr>
-              <a:tr h="328181">
+              <a:tr h="331169">
                 <a:tc>
                   <a:txBody>
                     <a:bodyPr/>
@@ -23119,7 +23453,7 @@
                   </a:ext>
                 </a:extLst>
               </a:tr>
-              <a:tr h="300490">
+              <a:tr h="303226">
                 <a:tc>
                   <a:txBody>
                     <a:bodyPr/>
@@ -23329,7 +23663,7 @@
                   </a:ext>
                 </a:extLst>
               </a:tr>
-              <a:tr h="340593">
+              <a:tr h="343694">
                 <a:tc>
                   <a:txBody>
                     <a:bodyPr/>
@@ -23539,7 +23873,7 @@
                   </a:ext>
                 </a:extLst>
               </a:tr>
-              <a:tr h="310896">
+              <a:tr h="313726">
                 <a:tc>
                   <a:txBody>
                     <a:bodyPr/>
@@ -23749,7 +24083,7 @@
                   </a:ext>
                 </a:extLst>
               </a:tr>
-              <a:tr h="323164">
+              <a:tr h="326106">
                 <a:tc>
                   <a:txBody>
                     <a:bodyPr/>
@@ -23959,7 +24293,7 @@
                   </a:ext>
                 </a:extLst>
               </a:tr>
-              <a:tr h="274320">
+              <a:tr h="276817">
                 <a:tc>
                   <a:txBody>
                     <a:bodyPr/>
@@ -24169,7 +24503,7 @@
                   </a:ext>
                 </a:extLst>
               </a:tr>
-              <a:tr h="283464">
+              <a:tr h="286045">
                 <a:tc>
                   <a:txBody>
                     <a:bodyPr/>
@@ -24379,7 +24713,7 @@
                   </a:ext>
                 </a:extLst>
               </a:tr>
-              <a:tr h="246643">
+              <a:tr h="248888">
                 <a:tc>
                   <a:txBody>
                     <a:bodyPr/>
@@ -24705,7 +25039,7 @@
         <p:grpSpPr>
           <a:xfrm>
             <a:off x="193581" y="1986890"/>
-            <a:ext cx="4295463" cy="3536659"/>
+            <a:ext cx="4295463" cy="3810406"/>
             <a:chOff x="-3810" y="0"/>
             <a:chExt cx="3730827" cy="1708580"/>
           </a:xfrm>
@@ -25428,8 +25762,8 @@
         </p:nvGrpSpPr>
         <p:grpSpPr>
           <a:xfrm>
-            <a:off x="4652020" y="2011037"/>
-            <a:ext cx="4295463" cy="3536659"/>
+            <a:off x="4650557" y="1986889"/>
+            <a:ext cx="4295463" cy="3810407"/>
             <a:chOff x="-3810" y="0"/>
             <a:chExt cx="3730827" cy="1708580"/>
           </a:xfrm>
@@ -26155,7 +26489,7 @@
         <p:spPr>
           <a:xfrm>
             <a:off x="4804073" y="2315500"/>
-            <a:ext cx="4141947" cy="2832571"/>
+            <a:ext cx="4141947" cy="3116036"/>
           </a:xfrm>
           <a:prstGeom prst="rect">
             <a:avLst/>
@@ -26619,7 +26953,7 @@
                 <a:latin typeface="Bahnschrift" panose="020B0502040204020203" pitchFamily="34" charset="0"/>
                 <a:cs typeface="Times New Roman" panose="02020603050405020304" pitchFamily="18" charset="0"/>
               </a:rPr>
-              <a:t>Dealing with new technology</a:t>
+              <a:t>Dealing with a new library</a:t>
             </a:r>
           </a:p>
           <a:p>
@@ -26661,6 +26995,43 @@
               </a:rPr>
               <a:t>More requirements in the project</a:t>
             </a:r>
+          </a:p>
+          <a:p>
+            <a:pPr>
+              <a:lnSpc>
+                <a:spcPct val="150000"/>
+              </a:lnSpc>
+              <a:spcAft>
+                <a:spcPts val="600"/>
+              </a:spcAft>
+              <a:buClr>
+                <a:srgbClr val="0070C0"/>
+              </a:buClr>
+            </a:pPr>
+            <a:r>
+              <a:rPr lang="en-US" sz="1800" dirty="0">
+                <a:latin typeface="Bahnschrift" panose="020B0502040204020203" pitchFamily="34" charset="0"/>
+                <a:cs typeface="Times New Roman" panose="02020603050405020304" pitchFamily="18" charset="0"/>
+              </a:rPr>
+              <a:t>Manage time for each task</a:t>
+            </a:r>
+          </a:p>
+          <a:p>
+            <a:pPr>
+              <a:lnSpc>
+                <a:spcPct val="150000"/>
+              </a:lnSpc>
+              <a:spcAft>
+                <a:spcPts val="600"/>
+              </a:spcAft>
+              <a:buClr>
+                <a:srgbClr val="0070C0"/>
+              </a:buClr>
+            </a:pPr>
+            <a:endParaRPr lang="en-US" sz="1800" dirty="0">
+              <a:latin typeface="Bahnschrift" panose="020B0502040204020203" pitchFamily="34" charset="0"/>
+              <a:cs typeface="Times New Roman" panose="02020603050405020304" pitchFamily="18" charset="0"/>
+            </a:endParaRPr>
           </a:p>
           <a:p>
             <a:pPr marL="0" indent="0">
@@ -28773,7 +29144,7 @@
         </p:spPr>
         <p:txBody>
           <a:bodyPr>
-            <a:normAutofit fontScale="62500" lnSpcReduction="20000"/>
+            <a:normAutofit fontScale="77500" lnSpcReduction="20000"/>
           </a:bodyPr>
           <a:lstStyle>
             <a:lvl1pPr marL="228600" indent="-228600" algn="l" defTabSz="914400" rtl="0" eaLnBrk="1" latinLnBrk="0" hangingPunct="1">
@@ -28949,13 +29320,13 @@
               </a:spcAft>
             </a:pPr>
             <a:r>
-              <a:rPr lang="en-US" sz="1800" i="1" dirty="0">
+              <a:rPr lang="en-US" sz="1800" dirty="0">
                 <a:effectLst/>
                 <a:latin typeface="Times New Roman" panose="02020603050405020304" pitchFamily="18" charset="0"/>
                 <a:ea typeface="Calibri" panose="020F0502020204030204" pitchFamily="34" charset="0"/>
                 <a:cs typeface="Times New Roman" panose="02020603050405020304" pitchFamily="18" charset="0"/>
               </a:rPr>
-              <a:t>Java Programming Language</a:t>
+              <a:t>Introduction to Node JS. (n.d.). Introduction to Node JS. Retrieved June 10, 2023, from     </a:t>
             </a:r>
             <a:r>
               <a:rPr lang="en-US" sz="1800" dirty="0">
@@ -28963,21 +29334,9 @@
                 <a:latin typeface="Times New Roman" panose="02020603050405020304" pitchFamily="18" charset="0"/>
                 <a:ea typeface="Calibri" panose="020F0502020204030204" pitchFamily="34" charset="0"/>
                 <a:cs typeface="Times New Roman" panose="02020603050405020304" pitchFamily="18" charset="0"/>
-              </a:rPr>
-              <a:t>. (n.d.). Retrieved October 14, 2022, from </a:t>
-            </a:r>
-            <a:r>
-              <a:rPr lang="en-US" sz="1800" u="sng" dirty="0">
-                <a:solidFill>
-                  <a:srgbClr val="0563C1"/>
-                </a:solidFill>
-                <a:effectLst/>
-                <a:latin typeface="Times New Roman" panose="02020603050405020304" pitchFamily="18" charset="0"/>
-                <a:ea typeface="Calibri" panose="020F0502020204030204" pitchFamily="34" charset="0"/>
-                <a:cs typeface="Times New Roman" panose="02020603050405020304" pitchFamily="18" charset="0"/>
                 <a:hlinkClick r:id="rId3"/>
               </a:rPr>
-              <a:t>https://docs.oracle.com/javase/8/docs/technotes/guides/language/index.html</a:t>
+              <a:t>https://nodejs.org/en</a:t>
             </a:r>
             <a:r>
               <a:rPr lang="en-US" sz="1800" dirty="0">
@@ -28988,12 +29347,6 @@
               </a:rPr>
               <a:t> </a:t>
             </a:r>
-            <a:endParaRPr lang="en-US" sz="1800" dirty="0">
-              <a:effectLst/>
-              <a:latin typeface="Times New Roman" panose="02020603050405020304" pitchFamily="18" charset="0"/>
-              <a:ea typeface="Calibri" panose="020F0502020204030204" pitchFamily="34" charset="0"/>
-              <a:cs typeface="Arial Unicode MS"/>
-            </a:endParaRPr>
           </a:p>
           <a:p>
             <a:pPr>
@@ -29005,78 +29358,13 @@
               </a:spcAft>
             </a:pPr>
             <a:r>
-              <a:rPr lang="en-US" sz="1800" i="1" dirty="0">
-                <a:effectLst/>
-                <a:latin typeface="Times New Roman" panose="02020603050405020304" pitchFamily="18" charset="0"/>
-                <a:ea typeface="Calibri" panose="020F0502020204030204" pitchFamily="34" charset="0"/>
-                <a:cs typeface="Times New Roman" panose="02020603050405020304" pitchFamily="18" charset="0"/>
-              </a:rPr>
-              <a:t>Spring Boot</a:t>
-            </a:r>
-            <a:r>
-              <a:rPr lang="en-US" sz="1800" dirty="0">
-                <a:effectLst/>
-                <a:latin typeface="Times New Roman" panose="02020603050405020304" pitchFamily="18" charset="0"/>
-                <a:ea typeface="Calibri" panose="020F0502020204030204" pitchFamily="34" charset="0"/>
-                <a:cs typeface="Times New Roman" panose="02020603050405020304" pitchFamily="18" charset="0"/>
-              </a:rPr>
-              <a:t>. (n.d.). Retrieved October 14, 2022, from </a:t>
-            </a:r>
-            <a:r>
-              <a:rPr lang="en-US" sz="1800" u="sng" dirty="0">
-                <a:solidFill>
-                  <a:srgbClr val="0563C1"/>
-                </a:solidFill>
-                <a:effectLst/>
-                <a:latin typeface="Times New Roman" panose="02020603050405020304" pitchFamily="18" charset="0"/>
-                <a:ea typeface="Calibri" panose="020F0502020204030204" pitchFamily="34" charset="0"/>
-                <a:cs typeface="Times New Roman" panose="02020603050405020304" pitchFamily="18" charset="0"/>
-                <a:hlinkClick r:id="rId4"/>
-              </a:rPr>
-              <a:t>https://spring.io/projects/spring-boot</a:t>
-            </a:r>
-            <a:r>
-              <a:rPr lang="en-US" sz="1800" dirty="0">
-                <a:effectLst/>
-                <a:latin typeface="Times New Roman" panose="02020603050405020304" pitchFamily="18" charset="0"/>
-                <a:ea typeface="Calibri" panose="020F0502020204030204" pitchFamily="34" charset="0"/>
-                <a:cs typeface="Times New Roman" panose="02020603050405020304" pitchFamily="18" charset="0"/>
-              </a:rPr>
-              <a:t> </a:t>
-            </a:r>
-            <a:endParaRPr lang="en-US" sz="1800" dirty="0">
-              <a:effectLst/>
-              <a:latin typeface="Times New Roman" panose="02020603050405020304" pitchFamily="18" charset="0"/>
-              <a:ea typeface="Calibri" panose="020F0502020204030204" pitchFamily="34" charset="0"/>
-              <a:cs typeface="Arial Unicode MS"/>
-            </a:endParaRPr>
-          </a:p>
-          <a:p>
-            <a:pPr>
-              <a:lnSpc>
-                <a:spcPct val="120000"/>
-              </a:lnSpc>
-              <a:spcAft>
-                <a:spcPts val="600"/>
-              </a:spcAft>
-            </a:pPr>
-            <a:r>
-              <a:rPr lang="en-US" sz="1800" i="1" dirty="0">
-                <a:effectLst/>
-                <a:latin typeface="Times New Roman" panose="02020603050405020304" pitchFamily="18" charset="0"/>
-                <a:ea typeface="Calibri" panose="020F0502020204030204" pitchFamily="34" charset="0"/>
-                <a:cs typeface="Arial Unicode MS"/>
-              </a:rPr>
-              <a:t>Introduction to HTML</a:t>
-            </a:r>
-            <a:r>
               <a:rPr lang="en-US" sz="1800" dirty="0">
                 <a:effectLst/>
                 <a:latin typeface="Times New Roman" panose="02020603050405020304" pitchFamily="18" charset="0"/>
                 <a:ea typeface="Calibri" panose="020F0502020204030204" pitchFamily="34" charset="0"/>
                 <a:cs typeface="Arial Unicode MS"/>
               </a:rPr>
-              <a:t>. (n.d.). Introduction to HTML. Retrieved October 14, 2022, from </a:t>
+              <a:t>Introduction to HTML. (n.d.). Introduction to HTML. Retrieved June 10, 2023, from     </a:t>
             </a:r>
             <a:r>
               <a:rPr lang="en-US" sz="1800" u="sng" dirty="0">
@@ -29087,7 +29375,7 @@
                 <a:latin typeface="Times New Roman" panose="02020603050405020304" pitchFamily="18" charset="0"/>
                 <a:ea typeface="Calibri" panose="020F0502020204030204" pitchFamily="34" charset="0"/>
                 <a:cs typeface="Arial Unicode MS"/>
-                <a:hlinkClick r:id="rId5"/>
+                <a:hlinkClick r:id="rId4"/>
               </a:rPr>
               <a:t>https://www.w3schools.com/html/html_intro.asp</a:t>
             </a:r>
@@ -29111,33 +29399,21 @@
               </a:spcAft>
             </a:pPr>
             <a:r>
-              <a:rPr lang="en-US" sz="1800" i="1" dirty="0">
+              <a:rPr lang="en-US" sz="1800" dirty="0">
                 <a:effectLst/>
                 <a:latin typeface="Times New Roman" panose="02020603050405020304" pitchFamily="18" charset="0"/>
                 <a:ea typeface="Calibri" panose="020F0502020204030204" pitchFamily="34" charset="0"/>
-                <a:cs typeface="Times New Roman" panose="02020603050405020304" pitchFamily="18" charset="0"/>
+                <a:cs typeface="Arial Unicode MS"/>
               </a:rPr>
-              <a:t>CSS Introduction</a:t>
+              <a:t>CSS Introduction. (n.d.). Retrieved June 10, 2023, from </a:t>
             </a:r>
             <a:r>
               <a:rPr lang="en-US" sz="1800" dirty="0">
                 <a:effectLst/>
                 <a:latin typeface="Times New Roman" panose="02020603050405020304" pitchFamily="18" charset="0"/>
                 <a:ea typeface="Calibri" panose="020F0502020204030204" pitchFamily="34" charset="0"/>
-                <a:cs typeface="Times New Roman" panose="02020603050405020304" pitchFamily="18" charset="0"/>
-              </a:rPr>
-              <a:t>. (n.d.). Retrieved October 14, 2022, from </a:t>
-            </a:r>
-            <a:r>
-              <a:rPr lang="en-US" sz="1800" u="sng" dirty="0">
-                <a:solidFill>
-                  <a:srgbClr val="0563C1"/>
-                </a:solidFill>
-                <a:effectLst/>
-                <a:latin typeface="Times New Roman" panose="02020603050405020304" pitchFamily="18" charset="0"/>
-                <a:ea typeface="Calibri" panose="020F0502020204030204" pitchFamily="34" charset="0"/>
-                <a:cs typeface="Times New Roman" panose="02020603050405020304" pitchFamily="18" charset="0"/>
-                <a:hlinkClick r:id="rId6"/>
+                <a:cs typeface="Arial Unicode MS"/>
+                <a:hlinkClick r:id="rId5"/>
               </a:rPr>
               <a:t>https://www.w3schools.com/css/css_intro.asp</a:t>
             </a:r>
@@ -29146,16 +29422,10 @@
                 <a:effectLst/>
                 <a:latin typeface="Times New Roman" panose="02020603050405020304" pitchFamily="18" charset="0"/>
                 <a:ea typeface="Calibri" panose="020F0502020204030204" pitchFamily="34" charset="0"/>
-                <a:cs typeface="Times New Roman" panose="02020603050405020304" pitchFamily="18" charset="0"/>
+                <a:cs typeface="Arial Unicode MS"/>
               </a:rPr>
               <a:t> </a:t>
             </a:r>
-            <a:endParaRPr lang="en-US" sz="1800" dirty="0">
-              <a:effectLst/>
-              <a:latin typeface="Times New Roman" panose="02020603050405020304" pitchFamily="18" charset="0"/>
-              <a:ea typeface="Calibri" panose="020F0502020204030204" pitchFamily="34" charset="0"/>
-              <a:cs typeface="Arial Unicode MS"/>
-            </a:endParaRPr>
           </a:p>
           <a:p>
             <a:pPr>
@@ -29167,42 +29437,33 @@
               </a:spcAft>
             </a:pPr>
             <a:r>
-              <a:rPr lang="en-US" sz="1800" i="1" dirty="0">
+              <a:rPr lang="en-US" sz="1800" dirty="0">
                 <a:effectLst/>
                 <a:latin typeface="Times New Roman" panose="02020603050405020304" pitchFamily="18" charset="0"/>
                 <a:ea typeface="Calibri" panose="020F0502020204030204" pitchFamily="34" charset="0"/>
-                <a:cs typeface="Times New Roman" panose="02020603050405020304" pitchFamily="18" charset="0"/>
+                <a:cs typeface="Arial Unicode MS"/>
               </a:rPr>
-              <a:t>JavaScript.com</a:t>
+              <a:t>JavaScript.com. (n.d.). Retrieved June 10, 2023, from </a:t>
             </a:r>
             <a:r>
               <a:rPr lang="en-US" sz="1800" dirty="0">
                 <a:effectLst/>
                 <a:latin typeface="Times New Roman" panose="02020603050405020304" pitchFamily="18" charset="0"/>
                 <a:ea typeface="Calibri" panose="020F0502020204030204" pitchFamily="34" charset="0"/>
-                <a:cs typeface="Times New Roman" panose="02020603050405020304" pitchFamily="18" charset="0"/>
+                <a:cs typeface="Arial Unicode MS"/>
+                <a:hlinkClick r:id="rId6"/>
               </a:rPr>
-              <a:t>. (n.d.). Retrieved October 14, 2022, from </a:t>
+              <a:t>https://www.javascript.com/</a:t>
             </a:r>
             <a:r>
-              <a:rPr lang="en-US" sz="1800" u="sng" dirty="0">
-                <a:solidFill>
-                  <a:srgbClr val="0563C1"/>
-                </a:solidFill>
+              <a:rPr lang="en-US" sz="1800" dirty="0">
                 <a:effectLst/>
                 <a:latin typeface="Times New Roman" panose="02020603050405020304" pitchFamily="18" charset="0"/>
                 <a:ea typeface="Calibri" panose="020F0502020204030204" pitchFamily="34" charset="0"/>
-                <a:cs typeface="Times New Roman" panose="02020603050405020304" pitchFamily="18" charset="0"/>
-                <a:hlinkClick r:id="rId7"/>
+                <a:cs typeface="Arial Unicode MS"/>
               </a:rPr>
-              <a:t>https://www.javascript.com/</a:t>
+              <a:t> </a:t>
             </a:r>
-            <a:endParaRPr lang="en-US" sz="1800" dirty="0">
-              <a:effectLst/>
-              <a:latin typeface="Times New Roman" panose="02020603050405020304" pitchFamily="18" charset="0"/>
-              <a:ea typeface="Calibri" panose="020F0502020204030204" pitchFamily="34" charset="0"/>
-              <a:cs typeface="Arial Unicode MS"/>
-            </a:endParaRPr>
           </a:p>
           <a:p>
             <a:pPr>
@@ -29214,22 +29475,13 @@
               </a:spcAft>
             </a:pPr>
             <a:r>
-              <a:rPr lang="en-US" sz="1800" i="1" dirty="0">
-                <a:effectLst/>
-                <a:latin typeface="Times New Roman" panose="02020603050405020304" pitchFamily="18" charset="0"/>
-                <a:ea typeface="Calibri" panose="020F0502020204030204" pitchFamily="34" charset="0"/>
-                <a:cs typeface="Times New Roman" panose="02020603050405020304" pitchFamily="18" charset="0"/>
-              </a:rPr>
-              <a:t>Angular—What is Angular?</a:t>
-            </a:r>
-            <a:r>
               <a:rPr lang="en-US" sz="1800" dirty="0">
                 <a:effectLst/>
                 <a:latin typeface="Times New Roman" panose="02020603050405020304" pitchFamily="18" charset="0"/>
                 <a:ea typeface="Calibri" panose="020F0502020204030204" pitchFamily="34" charset="0"/>
-                <a:cs typeface="Times New Roman" panose="02020603050405020304" pitchFamily="18" charset="0"/>
+                <a:cs typeface="Arial Unicode MS"/>
               </a:rPr>
-              <a:t> (n.d.). Retrieved October 14, 2022, from </a:t>
+              <a:t>VueJS.org. (n.d.). Retrieved June 10, 2023, from </a:t>
             </a:r>
             <a:r>
               <a:rPr lang="en-US" sz="1800" u="sng" dirty="0">
@@ -29239,22 +29491,103 @@
                 <a:effectLst/>
                 <a:latin typeface="Times New Roman" panose="02020603050405020304" pitchFamily="18" charset="0"/>
                 <a:ea typeface="Calibri" panose="020F0502020204030204" pitchFamily="34" charset="0"/>
-                <a:cs typeface="Times New Roman" panose="02020603050405020304" pitchFamily="18" charset="0"/>
-                <a:hlinkClick r:id="rId8"/>
+                <a:cs typeface="Arial Unicode MS"/>
+                <a:hlinkClick r:id="rId7"/>
               </a:rPr>
-              <a:t>https://angular.io/guide/what-is-angular</a:t>
+              <a:t>https://vuejs.org/</a:t>
             </a:r>
             <a:r>
               <a:rPr lang="en-US" sz="1800" dirty="0">
                 <a:effectLst/>
                 <a:latin typeface="Times New Roman" panose="02020603050405020304" pitchFamily="18" charset="0"/>
                 <a:ea typeface="Calibri" panose="020F0502020204030204" pitchFamily="34" charset="0"/>
-                <a:cs typeface="Times New Roman" panose="02020603050405020304" pitchFamily="18" charset="0"/>
+                <a:cs typeface="Arial Unicode MS"/>
+              </a:rPr>
+              <a:t> </a:t>
+            </a:r>
+          </a:p>
+          <a:p>
+            <a:pPr>
+              <a:lnSpc>
+                <a:spcPct val="120000"/>
+              </a:lnSpc>
+              <a:spcAft>
+                <a:spcPts val="600"/>
+              </a:spcAft>
+            </a:pPr>
+            <a:r>
+              <a:rPr lang="en-US" sz="1800" dirty="0">
+                <a:effectLst/>
+                <a:latin typeface="Times New Roman" panose="02020603050405020304" pitchFamily="18" charset="0"/>
+                <a:ea typeface="Calibri" panose="020F0502020204030204" pitchFamily="34" charset="0"/>
+                <a:cs typeface="Arial Unicode MS"/>
+              </a:rPr>
+              <a:t>Vuetifyjs.com. (n.d.). Retrieved June 10, 2023, from </a:t>
+            </a:r>
+            <a:r>
+              <a:rPr lang="en-US" sz="1800" u="sng" dirty="0">
+                <a:solidFill>
+                  <a:srgbClr val="0563C1"/>
+                </a:solidFill>
+                <a:effectLst/>
+                <a:latin typeface="Times New Roman" panose="02020603050405020304" pitchFamily="18" charset="0"/>
+                <a:ea typeface="Calibri" panose="020F0502020204030204" pitchFamily="34" charset="0"/>
+                <a:cs typeface="Arial Unicode MS"/>
+                <a:hlinkClick r:id="rId8"/>
+              </a:rPr>
+              <a:t>https://vuetifyjs.com/en/getting-started/installation/</a:t>
+            </a:r>
+            <a:r>
+              <a:rPr lang="en-US" sz="1800" dirty="0">
+                <a:effectLst/>
+                <a:latin typeface="Times New Roman" panose="02020603050405020304" pitchFamily="18" charset="0"/>
+                <a:ea typeface="Calibri" panose="020F0502020204030204" pitchFamily="34" charset="0"/>
+                <a:cs typeface="Arial Unicode MS"/>
+              </a:rPr>
+              <a:t> </a:t>
+            </a:r>
+          </a:p>
+          <a:p>
+            <a:pPr>
+              <a:lnSpc>
+                <a:spcPct val="120000"/>
+              </a:lnSpc>
+              <a:spcAft>
+                <a:spcPts val="600"/>
+              </a:spcAft>
+            </a:pPr>
+            <a:r>
+              <a:rPr lang="en-US" sz="1800" dirty="0">
+                <a:effectLst/>
+                <a:latin typeface="Times New Roman" panose="02020603050405020304" pitchFamily="18" charset="0"/>
+                <a:ea typeface="Calibri" panose="020F0502020204030204" pitchFamily="34" charset="0"/>
+                <a:cs typeface="Arial Unicode MS"/>
+              </a:rPr>
+              <a:t>Mysql.com. (n.d.). Retrieved June 10, 2023, from </a:t>
+            </a:r>
+            <a:r>
+              <a:rPr lang="en-US" sz="1800" u="sng" dirty="0">
+                <a:solidFill>
+                  <a:srgbClr val="0563C1"/>
+                </a:solidFill>
+                <a:effectLst/>
+                <a:latin typeface="Times New Roman" panose="02020603050405020304" pitchFamily="18" charset="0"/>
+                <a:ea typeface="Calibri" panose="020F0502020204030204" pitchFamily="34" charset="0"/>
+                <a:cs typeface="Arial Unicode MS"/>
+                <a:hlinkClick r:id="rId9"/>
+              </a:rPr>
+              <a:t>https://www.mysql.com/</a:t>
+            </a:r>
+            <a:r>
+              <a:rPr lang="en-US" sz="1800" dirty="0">
+                <a:effectLst/>
+                <a:latin typeface="Times New Roman" panose="02020603050405020304" pitchFamily="18" charset="0"/>
+                <a:ea typeface="Calibri" panose="020F0502020204030204" pitchFamily="34" charset="0"/>
+                <a:cs typeface="Arial Unicode MS"/>
               </a:rPr>
               <a:t> </a:t>
             </a:r>
             <a:endParaRPr lang="en-US" sz="1800" dirty="0">
-              <a:effectLst/>
               <a:latin typeface="Times New Roman" panose="02020603050405020304" pitchFamily="18" charset="0"/>
               <a:ea typeface="Calibri" panose="020F0502020204030204" pitchFamily="34" charset="0"/>
               <a:cs typeface="Arial Unicode MS"/>
@@ -29274,45 +29607,9 @@
                 <a:effectLst/>
                 <a:latin typeface="Times New Roman" panose="02020603050405020304" pitchFamily="18" charset="0"/>
                 <a:ea typeface="Calibri" panose="020F0502020204030204" pitchFamily="34" charset="0"/>
-                <a:cs typeface="Times New Roman" panose="02020603050405020304" pitchFamily="18" charset="0"/>
+                <a:cs typeface="Arial Unicode MS"/>
               </a:rPr>
-              <a:t>Angular </a:t>
-            </a:r>
-            <a:r>
-              <a:rPr lang="en-US" sz="1800" dirty="0" err="1">
-                <a:effectLst/>
-                <a:latin typeface="Times New Roman" panose="02020603050405020304" pitchFamily="18" charset="0"/>
-                <a:ea typeface="Calibri" panose="020F0502020204030204" pitchFamily="34" charset="0"/>
-                <a:cs typeface="Times New Roman" panose="02020603050405020304" pitchFamily="18" charset="0"/>
-              </a:rPr>
-              <a:t>Meterial</a:t>
-            </a:r>
-            <a:r>
-              <a:rPr lang="en-US" sz="1800" dirty="0">
-                <a:effectLst/>
-                <a:latin typeface="Times New Roman" panose="02020603050405020304" pitchFamily="18" charset="0"/>
-                <a:ea typeface="Calibri" panose="020F0502020204030204" pitchFamily="34" charset="0"/>
-                <a:cs typeface="Times New Roman" panose="02020603050405020304" pitchFamily="18" charset="0"/>
-              </a:rPr>
-              <a:t>, A. C. (n.d.). </a:t>
-            </a:r>
-            <a:r>
-              <a:rPr lang="en-US" sz="1800" i="1" dirty="0">
-                <a:effectLst/>
-                <a:latin typeface="Times New Roman" panose="02020603050405020304" pitchFamily="18" charset="0"/>
-                <a:ea typeface="Calibri" panose="020F0502020204030204" pitchFamily="34" charset="0"/>
-                <a:cs typeface="Times New Roman" panose="02020603050405020304" pitchFamily="18" charset="0"/>
-              </a:rPr>
-              <a:t>Angular Material</a:t>
-            </a:r>
-            <a:r>
-              <a:rPr lang="en-US" sz="1800" dirty="0">
-                <a:effectLst/>
-                <a:latin typeface="Times New Roman" panose="02020603050405020304" pitchFamily="18" charset="0"/>
-                <a:ea typeface="Calibri" panose="020F0502020204030204" pitchFamily="34" charset="0"/>
-                <a:cs typeface="Times New Roman" panose="02020603050405020304" pitchFamily="18" charset="0"/>
-              </a:rPr>
-              <a:t>. Angular Material. Retrieved October 14, 2022, from </a:t>
+              <a:t>Github.com. (n.d.). Retrieved June 10, 2023, from </a:t>
             </a:r>
             <a:r>
               <a:rPr lang="en-US" sz="1800" u="sng" dirty="0">
@@ -29322,91 +29619,20 @@
                 <a:effectLst/>
                 <a:latin typeface="Times New Roman" panose="02020603050405020304" pitchFamily="18" charset="0"/>
                 <a:ea typeface="Calibri" panose="020F0502020204030204" pitchFamily="34" charset="0"/>
-                <a:cs typeface="Times New Roman" panose="02020603050405020304" pitchFamily="18" charset="0"/>
-                <a:hlinkClick r:id="rId9"/>
+                <a:cs typeface="Arial Unicode MS"/>
+                <a:hlinkClick r:id="rId10"/>
               </a:rPr>
-              <a:t>https://material.angular.io/</a:t>
+              <a:t>https://docs.github.com/en</a:t>
             </a:r>
             <a:r>
               <a:rPr lang="en-US" sz="1800" dirty="0">
                 <a:effectLst/>
                 <a:latin typeface="Times New Roman" panose="02020603050405020304" pitchFamily="18" charset="0"/>
                 <a:ea typeface="Calibri" panose="020F0502020204030204" pitchFamily="34" charset="0"/>
-                <a:cs typeface="Times New Roman" panose="02020603050405020304" pitchFamily="18" charset="0"/>
+                <a:cs typeface="Arial Unicode MS"/>
               </a:rPr>
-              <a:t> </a:t>
+              <a:t>  </a:t>
             </a:r>
-            <a:endParaRPr lang="en-US" sz="1800" dirty="0">
-              <a:effectLst/>
-              <a:latin typeface="Times New Roman" panose="02020603050405020304" pitchFamily="18" charset="0"/>
-              <a:ea typeface="Calibri" panose="020F0502020204030204" pitchFamily="34" charset="0"/>
-              <a:cs typeface="Arial Unicode MS"/>
-            </a:endParaRPr>
-          </a:p>
-          <a:p>
-            <a:pPr>
-              <a:lnSpc>
-                <a:spcPct val="120000"/>
-              </a:lnSpc>
-              <a:spcAft>
-                <a:spcPts val="600"/>
-              </a:spcAft>
-            </a:pPr>
-            <a:r>
-              <a:rPr lang="en-US" sz="1800" i="1" dirty="0" err="1">
-                <a:effectLst/>
-                <a:latin typeface="Times New Roman" panose="02020603050405020304" pitchFamily="18" charset="0"/>
-                <a:ea typeface="Calibri" panose="020F0502020204030204" pitchFamily="34" charset="0"/>
-                <a:cs typeface="Times New Roman" panose="02020603050405020304" pitchFamily="18" charset="0"/>
-              </a:rPr>
-              <a:t>FullCalendar</a:t>
-            </a:r>
-            <a:r>
-              <a:rPr lang="en-US" sz="1800" i="1" dirty="0">
-                <a:effectLst/>
-                <a:latin typeface="Times New Roman" panose="02020603050405020304" pitchFamily="18" charset="0"/>
-                <a:ea typeface="Calibri" panose="020F0502020204030204" pitchFamily="34" charset="0"/>
-                <a:cs typeface="Times New Roman" panose="02020603050405020304" pitchFamily="18" charset="0"/>
-              </a:rPr>
-              <a:t>—JavaScript Event Calendar</a:t>
-            </a:r>
-            <a:r>
-              <a:rPr lang="en-US" sz="1800" dirty="0">
-                <a:effectLst/>
-                <a:latin typeface="Times New Roman" panose="02020603050405020304" pitchFamily="18" charset="0"/>
-                <a:ea typeface="Calibri" panose="020F0502020204030204" pitchFamily="34" charset="0"/>
-                <a:cs typeface="Times New Roman" panose="02020603050405020304" pitchFamily="18" charset="0"/>
-              </a:rPr>
-              <a:t>. (n.d.). Retrieved October 14, 2022, from </a:t>
-            </a:r>
-            <a:r>
-              <a:rPr lang="en-US" sz="1800" u="sng" dirty="0">
-                <a:solidFill>
-                  <a:srgbClr val="0563C1"/>
-                </a:solidFill>
-                <a:effectLst/>
-                <a:latin typeface="Times New Roman" panose="02020603050405020304" pitchFamily="18" charset="0"/>
-                <a:ea typeface="Calibri" panose="020F0502020204030204" pitchFamily="34" charset="0"/>
-                <a:cs typeface="Times New Roman" panose="02020603050405020304" pitchFamily="18" charset="0"/>
-                <a:hlinkClick r:id="rId10"/>
-              </a:rPr>
-              <a:t>https://fullcalendar.io/</a:t>
-            </a:r>
-            <a:r>
-              <a:rPr lang="en-US" sz="1800" dirty="0">
-                <a:effectLst/>
-                <a:latin typeface="Times New Roman" panose="02020603050405020304" pitchFamily="18" charset="0"/>
-                <a:ea typeface="Calibri" panose="020F0502020204030204" pitchFamily="34" charset="0"/>
-                <a:cs typeface="Times New Roman" panose="02020603050405020304" pitchFamily="18" charset="0"/>
-              </a:rPr>
-              <a:t> </a:t>
-            </a:r>
-            <a:endParaRPr lang="en-US" sz="1800" dirty="0">
-              <a:effectLst/>
-              <a:latin typeface="Times New Roman" panose="02020603050405020304" pitchFamily="18" charset="0"/>
-              <a:ea typeface="Calibri" panose="020F0502020204030204" pitchFamily="34" charset="0"/>
-              <a:cs typeface="Arial Unicode MS"/>
-            </a:endParaRPr>
           </a:p>
           <a:p>
             <a:pPr>
@@ -29422,27 +29648,9 @@
                 <a:effectLst/>
                 <a:latin typeface="Times New Roman" panose="02020603050405020304" pitchFamily="18" charset="0"/>
                 <a:ea typeface="Calibri" panose="020F0502020204030204" pitchFamily="34" charset="0"/>
-                <a:cs typeface="Times New Roman" panose="02020603050405020304" pitchFamily="18" charset="0"/>
+                <a:cs typeface="Arial Unicode MS"/>
               </a:rPr>
-              <a:t>PostgreSQL, P. G. D. (2022, October 14). </a:t>
-            </a:r>
-            <a:r>
-              <a:rPr lang="en-US" sz="1800" i="1" dirty="0">
-                <a:effectLst/>
-                <a:latin typeface="Times New Roman" panose="02020603050405020304" pitchFamily="18" charset="0"/>
-                <a:ea typeface="Calibri" panose="020F0502020204030204" pitchFamily="34" charset="0"/>
-                <a:cs typeface="Times New Roman" panose="02020603050405020304" pitchFamily="18" charset="0"/>
-              </a:rPr>
-              <a:t>PostgreSQL</a:t>
-            </a:r>
-            <a:r>
-              <a:rPr lang="en-US" sz="1800" dirty="0">
-                <a:effectLst/>
-                <a:latin typeface="Times New Roman" panose="02020603050405020304" pitchFamily="18" charset="0"/>
-                <a:ea typeface="Calibri" panose="020F0502020204030204" pitchFamily="34" charset="0"/>
-                <a:cs typeface="Times New Roman" panose="02020603050405020304" pitchFamily="18" charset="0"/>
-              </a:rPr>
-              <a:t>. PostgreSQL. from </a:t>
+              <a:t>Postman API Platform | Sign Up for Free. (n.d.). Postman. Retrieved June 10, 2023, from </a:t>
             </a:r>
             <a:r>
               <a:rPr lang="en-US" sz="1800" u="sng" dirty="0">
@@ -29452,22 +29660,180 @@
                 <a:effectLst/>
                 <a:latin typeface="Times New Roman" panose="02020603050405020304" pitchFamily="18" charset="0"/>
                 <a:ea typeface="Calibri" panose="020F0502020204030204" pitchFamily="34" charset="0"/>
-                <a:cs typeface="Times New Roman" panose="02020603050405020304" pitchFamily="18" charset="0"/>
+                <a:cs typeface="Arial Unicode MS"/>
                 <a:hlinkClick r:id="rId11"/>
               </a:rPr>
-              <a:t>https://www.postgresql.org/</a:t>
+              <a:t>https://www.postman.com/</a:t>
             </a:r>
             <a:r>
               <a:rPr lang="en-US" sz="1800" dirty="0">
                 <a:effectLst/>
                 <a:latin typeface="Times New Roman" panose="02020603050405020304" pitchFamily="18" charset="0"/>
                 <a:ea typeface="Calibri" panose="020F0502020204030204" pitchFamily="34" charset="0"/>
-                <a:cs typeface="Times New Roman" panose="02020603050405020304" pitchFamily="18" charset="0"/>
+                <a:cs typeface="Arial Unicode MS"/>
+              </a:rPr>
+              <a:t> </a:t>
+            </a:r>
+          </a:p>
+          <a:p>
+            <a:pPr>
+              <a:lnSpc>
+                <a:spcPct val="120000"/>
+              </a:lnSpc>
+              <a:spcAft>
+                <a:spcPts val="600"/>
+              </a:spcAft>
+            </a:pPr>
+            <a:r>
+              <a:rPr lang="en-US" sz="1800" dirty="0">
+                <a:effectLst/>
+                <a:latin typeface="Times New Roman" panose="02020603050405020304" pitchFamily="18" charset="0"/>
+                <a:ea typeface="Calibri" panose="020F0502020204030204" pitchFamily="34" charset="0"/>
+                <a:cs typeface="Arial Unicode MS"/>
+              </a:rPr>
+              <a:t>Apachefriends.com. (n.d.).  </a:t>
+            </a:r>
+            <a:r>
+              <a:rPr lang="en-US" sz="1800" dirty="0" err="1">
+                <a:effectLst/>
+                <a:latin typeface="Times New Roman" panose="02020603050405020304" pitchFamily="18" charset="0"/>
+                <a:ea typeface="Calibri" panose="020F0502020204030204" pitchFamily="34" charset="0"/>
+                <a:cs typeface="Arial Unicode MS"/>
+              </a:rPr>
+              <a:t>Xampp</a:t>
+            </a:r>
+            <a:r>
+              <a:rPr lang="en-US" sz="1800" dirty="0">
+                <a:effectLst/>
+                <a:latin typeface="Times New Roman" panose="02020603050405020304" pitchFamily="18" charset="0"/>
+                <a:ea typeface="Calibri" panose="020F0502020204030204" pitchFamily="34" charset="0"/>
+                <a:cs typeface="Arial Unicode MS"/>
+              </a:rPr>
+              <a:t>. Retrieved June 10, 2023, from </a:t>
+            </a:r>
+            <a:r>
+              <a:rPr lang="en-US" sz="1800" u="sng" dirty="0">
+                <a:solidFill>
+                  <a:srgbClr val="0563C1"/>
+                </a:solidFill>
+                <a:effectLst/>
+                <a:latin typeface="Times New Roman" panose="02020603050405020304" pitchFamily="18" charset="0"/>
+                <a:ea typeface="Calibri" panose="020F0502020204030204" pitchFamily="34" charset="0"/>
+                <a:cs typeface="Arial Unicode MS"/>
+                <a:hlinkClick r:id="rId12"/>
+              </a:rPr>
+              <a:t>https://www.apachefriends.org/index.html</a:t>
+            </a:r>
+            <a:r>
+              <a:rPr lang="en-US" sz="1800" dirty="0">
+                <a:effectLst/>
+                <a:latin typeface="Times New Roman" panose="02020603050405020304" pitchFamily="18" charset="0"/>
+                <a:ea typeface="Calibri" panose="020F0502020204030204" pitchFamily="34" charset="0"/>
+                <a:cs typeface="Arial Unicode MS"/>
+              </a:rPr>
+              <a:t> </a:t>
+            </a:r>
+          </a:p>
+          <a:p>
+            <a:pPr>
+              <a:lnSpc>
+                <a:spcPct val="120000"/>
+              </a:lnSpc>
+              <a:spcAft>
+                <a:spcPts val="600"/>
+              </a:spcAft>
+            </a:pPr>
+            <a:r>
+              <a:rPr lang="en-US" sz="1800" dirty="0">
+                <a:effectLst/>
+                <a:latin typeface="Times New Roman" panose="02020603050405020304" pitchFamily="18" charset="0"/>
+                <a:ea typeface="Calibri" panose="020F0502020204030204" pitchFamily="34" charset="0"/>
+                <a:cs typeface="Arial Unicode MS"/>
+              </a:rPr>
+              <a:t>Heidisql.com. (n.d.).  </a:t>
+            </a:r>
+            <a:r>
+              <a:rPr lang="en-US" sz="1800" dirty="0" err="1">
+                <a:effectLst/>
+                <a:latin typeface="Times New Roman" panose="02020603050405020304" pitchFamily="18" charset="0"/>
+                <a:ea typeface="Calibri" panose="020F0502020204030204" pitchFamily="34" charset="0"/>
+                <a:cs typeface="Arial Unicode MS"/>
+              </a:rPr>
+              <a:t>HeidiSQL</a:t>
+            </a:r>
+            <a:r>
+              <a:rPr lang="en-US" sz="1800" dirty="0">
+                <a:effectLst/>
+                <a:latin typeface="Times New Roman" panose="02020603050405020304" pitchFamily="18" charset="0"/>
+                <a:ea typeface="Calibri" panose="020F0502020204030204" pitchFamily="34" charset="0"/>
+                <a:cs typeface="Arial Unicode MS"/>
+              </a:rPr>
+              <a:t>. Retrieved June 10, 2023, from </a:t>
+            </a:r>
+            <a:r>
+              <a:rPr lang="en-US" sz="1800" u="sng" dirty="0">
+                <a:solidFill>
+                  <a:srgbClr val="0563C1"/>
+                </a:solidFill>
+                <a:effectLst/>
+                <a:latin typeface="Times New Roman" panose="02020603050405020304" pitchFamily="18" charset="0"/>
+                <a:ea typeface="Calibri" panose="020F0502020204030204" pitchFamily="34" charset="0"/>
+                <a:cs typeface="Arial Unicode MS"/>
+                <a:hlinkClick r:id="rId13"/>
+              </a:rPr>
+              <a:t>https://www.heidisql.com/</a:t>
+            </a:r>
+            <a:r>
+              <a:rPr lang="en-US" sz="1800" dirty="0">
+                <a:effectLst/>
+                <a:latin typeface="Times New Roman" panose="02020603050405020304" pitchFamily="18" charset="0"/>
+                <a:ea typeface="Calibri" panose="020F0502020204030204" pitchFamily="34" charset="0"/>
+                <a:cs typeface="Arial Unicode MS"/>
+              </a:rPr>
+              <a:t> </a:t>
+            </a:r>
+          </a:p>
+          <a:p>
+            <a:pPr>
+              <a:lnSpc>
+                <a:spcPct val="120000"/>
+              </a:lnSpc>
+              <a:spcAft>
+                <a:spcPts val="600"/>
+              </a:spcAft>
+            </a:pPr>
+            <a:r>
+              <a:rPr lang="en-US" sz="1800" dirty="0">
+                <a:effectLst/>
+                <a:latin typeface="Times New Roman" panose="02020603050405020304" pitchFamily="18" charset="0"/>
+                <a:ea typeface="Calibri" panose="020F0502020204030204" pitchFamily="34" charset="0"/>
+                <a:cs typeface="Arial Unicode MS"/>
+              </a:rPr>
+              <a:t>IntelliJ IDEA: The Capable &amp; Ergonomic Java IDE by JetBrains. (n.d.). JetBrains. Retrieved June 10, 2023, from </a:t>
+            </a:r>
+            <a:r>
+              <a:rPr lang="en-US" sz="1800" u="sng" dirty="0">
+                <a:solidFill>
+                  <a:srgbClr val="0563C1"/>
+                </a:solidFill>
+                <a:effectLst/>
+                <a:latin typeface="Times New Roman" panose="02020603050405020304" pitchFamily="18" charset="0"/>
+                <a:ea typeface="Calibri" panose="020F0502020204030204" pitchFamily="34" charset="0"/>
+                <a:cs typeface="Arial Unicode MS"/>
+                <a:hlinkClick r:id="rId14"/>
+              </a:rPr>
+              <a:t>https://www.jetbrains.com/idea/</a:t>
+            </a:r>
+            <a:r>
+              <a:rPr lang="en-US" sz="1800" dirty="0">
+                <a:effectLst/>
+                <a:latin typeface="Times New Roman" panose="02020603050405020304" pitchFamily="18" charset="0"/>
+                <a:ea typeface="Calibri" panose="020F0502020204030204" pitchFamily="34" charset="0"/>
+                <a:cs typeface="Arial Unicode MS"/>
               </a:rPr>
               <a:t> </a:t>
             </a:r>
             <a:endParaRPr lang="en-US" sz="1800" dirty="0">
-              <a:effectLst/>
               <a:latin typeface="Times New Roman" panose="02020603050405020304" pitchFamily="18" charset="0"/>
               <a:ea typeface="Calibri" panose="020F0502020204030204" pitchFamily="34" charset="0"/>
               <a:cs typeface="Arial Unicode MS"/>
@@ -29482,362 +29848,6 @@
                 <a:spcPts val="600"/>
               </a:spcAft>
             </a:pPr>
-            <a:r>
-              <a:rPr lang="en-US" sz="1800" i="1" dirty="0">
-                <a:effectLst/>
-                <a:latin typeface="Times New Roman" panose="02020603050405020304" pitchFamily="18" charset="0"/>
-                <a:ea typeface="Calibri" panose="020F0502020204030204" pitchFamily="34" charset="0"/>
-                <a:cs typeface="Times New Roman" panose="02020603050405020304" pitchFamily="18" charset="0"/>
-              </a:rPr>
-              <a:t>GitLab</a:t>
-            </a:r>
-            <a:r>
-              <a:rPr lang="en-US" sz="1800" dirty="0">
-                <a:effectLst/>
-                <a:latin typeface="Times New Roman" panose="02020603050405020304" pitchFamily="18" charset="0"/>
-                <a:ea typeface="Calibri" panose="020F0502020204030204" pitchFamily="34" charset="0"/>
-                <a:cs typeface="Times New Roman" panose="02020603050405020304" pitchFamily="18" charset="0"/>
-              </a:rPr>
-              <a:t>. (n.d.). Retrieved October 14, 2022, from </a:t>
-            </a:r>
-            <a:r>
-              <a:rPr lang="en-US" sz="1800" u="sng" dirty="0">
-                <a:solidFill>
-                  <a:srgbClr val="0563C1"/>
-                </a:solidFill>
-                <a:effectLst/>
-                <a:latin typeface="Times New Roman" panose="02020603050405020304" pitchFamily="18" charset="0"/>
-                <a:ea typeface="Calibri" panose="020F0502020204030204" pitchFamily="34" charset="0"/>
-                <a:cs typeface="Times New Roman" panose="02020603050405020304" pitchFamily="18" charset="0"/>
-                <a:hlinkClick r:id="rId12"/>
-              </a:rPr>
-              <a:t>https://about.gitlab.com/</a:t>
-            </a:r>
-            <a:r>
-              <a:rPr lang="en-US" sz="1800" dirty="0">
-                <a:effectLst/>
-                <a:latin typeface="Times New Roman" panose="02020603050405020304" pitchFamily="18" charset="0"/>
-                <a:ea typeface="Calibri" panose="020F0502020204030204" pitchFamily="34" charset="0"/>
-                <a:cs typeface="Times New Roman" panose="02020603050405020304" pitchFamily="18" charset="0"/>
-              </a:rPr>
-              <a:t> </a:t>
-            </a:r>
-            <a:endParaRPr lang="en-US" sz="1800" dirty="0">
-              <a:effectLst/>
-              <a:latin typeface="Times New Roman" panose="02020603050405020304" pitchFamily="18" charset="0"/>
-              <a:ea typeface="Calibri" panose="020F0502020204030204" pitchFamily="34" charset="0"/>
-              <a:cs typeface="Arial Unicode MS"/>
-            </a:endParaRPr>
-          </a:p>
-          <a:p>
-            <a:pPr>
-              <a:lnSpc>
-                <a:spcPct val="120000"/>
-              </a:lnSpc>
-              <a:spcAft>
-                <a:spcPts val="600"/>
-              </a:spcAft>
-            </a:pPr>
-            <a:r>
-              <a:rPr lang="en-US" sz="1800" i="1" dirty="0">
-                <a:effectLst/>
-                <a:latin typeface="Times New Roman" panose="02020603050405020304" pitchFamily="18" charset="0"/>
-                <a:ea typeface="Calibri" panose="020F0502020204030204" pitchFamily="34" charset="0"/>
-                <a:cs typeface="Times New Roman" panose="02020603050405020304" pitchFamily="18" charset="0"/>
-              </a:rPr>
-              <a:t>IntelliJ IDEA: The Capable &amp; Ergonomic Java IDE by JetBrains</a:t>
-            </a:r>
-            <a:r>
-              <a:rPr lang="en-US" sz="1800" dirty="0">
-                <a:effectLst/>
-                <a:latin typeface="Times New Roman" panose="02020603050405020304" pitchFamily="18" charset="0"/>
-                <a:ea typeface="Calibri" panose="020F0502020204030204" pitchFamily="34" charset="0"/>
-                <a:cs typeface="Times New Roman" panose="02020603050405020304" pitchFamily="18" charset="0"/>
-              </a:rPr>
-              <a:t>. (n.d.). JetBrains. Retrieved October 14, 2022, from </a:t>
-            </a:r>
-            <a:r>
-              <a:rPr lang="en-US" sz="1800" u="sng" dirty="0">
-                <a:solidFill>
-                  <a:srgbClr val="0563C1"/>
-                </a:solidFill>
-                <a:effectLst/>
-                <a:latin typeface="Times New Roman" panose="02020603050405020304" pitchFamily="18" charset="0"/>
-                <a:ea typeface="Calibri" panose="020F0502020204030204" pitchFamily="34" charset="0"/>
-                <a:cs typeface="Times New Roman" panose="02020603050405020304" pitchFamily="18" charset="0"/>
-                <a:hlinkClick r:id="rId13"/>
-              </a:rPr>
-              <a:t>https://www.jetbrains.com/idea/</a:t>
-            </a:r>
-            <a:r>
-              <a:rPr lang="en-US" sz="1800" dirty="0">
-                <a:effectLst/>
-                <a:latin typeface="Times New Roman" panose="02020603050405020304" pitchFamily="18" charset="0"/>
-                <a:ea typeface="Calibri" panose="020F0502020204030204" pitchFamily="34" charset="0"/>
-                <a:cs typeface="Times New Roman" panose="02020603050405020304" pitchFamily="18" charset="0"/>
-              </a:rPr>
-              <a:t> </a:t>
-            </a:r>
-            <a:endParaRPr lang="en-US" sz="1800" dirty="0">
-              <a:effectLst/>
-              <a:latin typeface="Times New Roman" panose="02020603050405020304" pitchFamily="18" charset="0"/>
-              <a:ea typeface="Calibri" panose="020F0502020204030204" pitchFamily="34" charset="0"/>
-              <a:cs typeface="Arial Unicode MS"/>
-            </a:endParaRPr>
-          </a:p>
-          <a:p>
-            <a:pPr>
-              <a:lnSpc>
-                <a:spcPct val="120000"/>
-              </a:lnSpc>
-              <a:spcAft>
-                <a:spcPts val="600"/>
-              </a:spcAft>
-            </a:pPr>
-            <a:r>
-              <a:rPr lang="en-US" sz="1800" i="1" dirty="0">
-                <a:effectLst/>
-                <a:latin typeface="Times New Roman" panose="02020603050405020304" pitchFamily="18" charset="0"/>
-                <a:ea typeface="Calibri" panose="020F0502020204030204" pitchFamily="34" charset="0"/>
-                <a:cs typeface="Times New Roman" panose="02020603050405020304" pitchFamily="18" charset="0"/>
-              </a:rPr>
-              <a:t>Visual Studio Code—Code Editing. Redefined</a:t>
-            </a:r>
-            <a:r>
-              <a:rPr lang="en-US" sz="1800" dirty="0">
-                <a:effectLst/>
-                <a:latin typeface="Times New Roman" panose="02020603050405020304" pitchFamily="18" charset="0"/>
-                <a:ea typeface="Calibri" panose="020F0502020204030204" pitchFamily="34" charset="0"/>
-                <a:cs typeface="Times New Roman" panose="02020603050405020304" pitchFamily="18" charset="0"/>
-              </a:rPr>
-              <a:t>. (n.d.). Retrieved October 14, 2022, from </a:t>
-            </a:r>
-            <a:r>
-              <a:rPr lang="en-US" sz="1800" u="sng" dirty="0">
-                <a:solidFill>
-                  <a:srgbClr val="0563C1"/>
-                </a:solidFill>
-                <a:effectLst/>
-                <a:latin typeface="Times New Roman" panose="02020603050405020304" pitchFamily="18" charset="0"/>
-                <a:ea typeface="Calibri" panose="020F0502020204030204" pitchFamily="34" charset="0"/>
-                <a:cs typeface="Times New Roman" panose="02020603050405020304" pitchFamily="18" charset="0"/>
-                <a:hlinkClick r:id="rId14"/>
-              </a:rPr>
-              <a:t>https://code.visualstudio.com/</a:t>
-            </a:r>
-            <a:r>
-              <a:rPr lang="en-US" sz="1800" dirty="0">
-                <a:effectLst/>
-                <a:latin typeface="Times New Roman" panose="02020603050405020304" pitchFamily="18" charset="0"/>
-                <a:ea typeface="Calibri" panose="020F0502020204030204" pitchFamily="34" charset="0"/>
-                <a:cs typeface="Times New Roman" panose="02020603050405020304" pitchFamily="18" charset="0"/>
-              </a:rPr>
-              <a:t> </a:t>
-            </a:r>
-            <a:endParaRPr lang="en-US" sz="1800" dirty="0">
-              <a:effectLst/>
-              <a:latin typeface="Times New Roman" panose="02020603050405020304" pitchFamily="18" charset="0"/>
-              <a:ea typeface="Calibri" panose="020F0502020204030204" pitchFamily="34" charset="0"/>
-              <a:cs typeface="Arial Unicode MS"/>
-            </a:endParaRPr>
-          </a:p>
-          <a:p>
-            <a:pPr>
-              <a:lnSpc>
-                <a:spcPct val="120000"/>
-              </a:lnSpc>
-              <a:spcAft>
-                <a:spcPts val="600"/>
-              </a:spcAft>
-            </a:pPr>
-            <a:r>
-              <a:rPr lang="en-US" sz="1800" i="1" dirty="0" err="1">
-                <a:effectLst/>
-                <a:latin typeface="Times New Roman" panose="02020603050405020304" pitchFamily="18" charset="0"/>
-                <a:ea typeface="Calibri" panose="020F0502020204030204" pitchFamily="34" charset="0"/>
-                <a:cs typeface="Times New Roman" panose="02020603050405020304" pitchFamily="18" charset="0"/>
-              </a:rPr>
-              <a:t>pgAdmin</a:t>
-            </a:r>
-            <a:r>
-              <a:rPr lang="en-US" sz="1800" i="1" dirty="0">
-                <a:effectLst/>
-                <a:latin typeface="Times New Roman" panose="02020603050405020304" pitchFamily="18" charset="0"/>
-                <a:ea typeface="Calibri" panose="020F0502020204030204" pitchFamily="34" charset="0"/>
-                <a:cs typeface="Times New Roman" panose="02020603050405020304" pitchFamily="18" charset="0"/>
-              </a:rPr>
-              <a:t>—PostgreSQL Tools</a:t>
-            </a:r>
-            <a:r>
-              <a:rPr lang="en-US" sz="1800" dirty="0">
-                <a:effectLst/>
-                <a:latin typeface="Times New Roman" panose="02020603050405020304" pitchFamily="18" charset="0"/>
-                <a:ea typeface="Calibri" panose="020F0502020204030204" pitchFamily="34" charset="0"/>
-                <a:cs typeface="Times New Roman" panose="02020603050405020304" pitchFamily="18" charset="0"/>
-              </a:rPr>
-              <a:t>. (n.d.). Retrieved October 14, 2022, from </a:t>
-            </a:r>
-            <a:r>
-              <a:rPr lang="en-US" sz="1800" u="sng" dirty="0">
-                <a:solidFill>
-                  <a:srgbClr val="0563C1"/>
-                </a:solidFill>
-                <a:effectLst/>
-                <a:latin typeface="Times New Roman" panose="02020603050405020304" pitchFamily="18" charset="0"/>
-                <a:ea typeface="Calibri" panose="020F0502020204030204" pitchFamily="34" charset="0"/>
-                <a:cs typeface="Times New Roman" panose="02020603050405020304" pitchFamily="18" charset="0"/>
-                <a:hlinkClick r:id="rId15"/>
-              </a:rPr>
-              <a:t>https://www.pgadmin.org/</a:t>
-            </a:r>
-            <a:r>
-              <a:rPr lang="en-US" sz="1800" dirty="0">
-                <a:effectLst/>
-                <a:latin typeface="Times New Roman" panose="02020603050405020304" pitchFamily="18" charset="0"/>
-                <a:ea typeface="Calibri" panose="020F0502020204030204" pitchFamily="34" charset="0"/>
-                <a:cs typeface="Times New Roman" panose="02020603050405020304" pitchFamily="18" charset="0"/>
-              </a:rPr>
-              <a:t> </a:t>
-            </a:r>
-            <a:endParaRPr lang="en-US" sz="1800" dirty="0">
-              <a:effectLst/>
-              <a:latin typeface="Times New Roman" panose="02020603050405020304" pitchFamily="18" charset="0"/>
-              <a:ea typeface="Calibri" panose="020F0502020204030204" pitchFamily="34" charset="0"/>
-              <a:cs typeface="Arial Unicode MS"/>
-            </a:endParaRPr>
-          </a:p>
-          <a:p>
-            <a:pPr>
-              <a:lnSpc>
-                <a:spcPct val="120000"/>
-              </a:lnSpc>
-              <a:spcAft>
-                <a:spcPts val="600"/>
-              </a:spcAft>
-            </a:pPr>
-            <a:r>
-              <a:rPr lang="en-US" sz="1800" i="1" dirty="0">
-                <a:effectLst/>
-                <a:latin typeface="Times New Roman" panose="02020603050405020304" pitchFamily="18" charset="0"/>
-                <a:ea typeface="Calibri" panose="020F0502020204030204" pitchFamily="34" charset="0"/>
-                <a:cs typeface="Times New Roman" panose="02020603050405020304" pitchFamily="18" charset="0"/>
-              </a:rPr>
-              <a:t>Postman API Platform | Sign Up for Free</a:t>
-            </a:r>
-            <a:r>
-              <a:rPr lang="en-US" sz="1800" dirty="0">
-                <a:effectLst/>
-                <a:latin typeface="Times New Roman" panose="02020603050405020304" pitchFamily="18" charset="0"/>
-                <a:ea typeface="Calibri" panose="020F0502020204030204" pitchFamily="34" charset="0"/>
-                <a:cs typeface="Times New Roman" panose="02020603050405020304" pitchFamily="18" charset="0"/>
-              </a:rPr>
-              <a:t>. (n.d.). Postman. Retrieved October 14, 2022, from </a:t>
-            </a:r>
-            <a:r>
-              <a:rPr lang="en-US" sz="1800" u="sng" dirty="0">
-                <a:solidFill>
-                  <a:srgbClr val="0563C1"/>
-                </a:solidFill>
-                <a:effectLst/>
-                <a:latin typeface="Times New Roman" panose="02020603050405020304" pitchFamily="18" charset="0"/>
-                <a:ea typeface="Calibri" panose="020F0502020204030204" pitchFamily="34" charset="0"/>
-                <a:cs typeface="Times New Roman" panose="02020603050405020304" pitchFamily="18" charset="0"/>
-                <a:hlinkClick r:id="rId16"/>
-              </a:rPr>
-              <a:t>https://www.postman.com/</a:t>
-            </a:r>
-            <a:r>
-              <a:rPr lang="en-US" sz="1800" dirty="0">
-                <a:effectLst/>
-                <a:latin typeface="Times New Roman" panose="02020603050405020304" pitchFamily="18" charset="0"/>
-                <a:ea typeface="Calibri" panose="020F0502020204030204" pitchFamily="34" charset="0"/>
-                <a:cs typeface="Times New Roman" panose="02020603050405020304" pitchFamily="18" charset="0"/>
-              </a:rPr>
-              <a:t> </a:t>
-            </a:r>
-            <a:endParaRPr lang="en-US" sz="1800" dirty="0">
-              <a:effectLst/>
-              <a:latin typeface="Times New Roman" panose="02020603050405020304" pitchFamily="18" charset="0"/>
-              <a:ea typeface="Calibri" panose="020F0502020204030204" pitchFamily="34" charset="0"/>
-              <a:cs typeface="Arial Unicode MS"/>
-            </a:endParaRPr>
-          </a:p>
-          <a:p>
-            <a:pPr>
-              <a:lnSpc>
-                <a:spcPct val="120000"/>
-              </a:lnSpc>
-              <a:spcAft>
-                <a:spcPts val="600"/>
-              </a:spcAft>
-            </a:pPr>
-            <a:r>
-              <a:rPr lang="en-US" sz="1800" i="1" dirty="0">
-                <a:effectLst/>
-                <a:latin typeface="Times New Roman" panose="02020603050405020304" pitchFamily="18" charset="0"/>
-                <a:ea typeface="Calibri" panose="020F0502020204030204" pitchFamily="34" charset="0"/>
-                <a:cs typeface="Times New Roman" panose="02020603050405020304" pitchFamily="18" charset="0"/>
-              </a:rPr>
-              <a:t>Spring </a:t>
-            </a:r>
-            <a:r>
-              <a:rPr lang="en-US" sz="1800" i="1" dirty="0" err="1">
-                <a:effectLst/>
-                <a:latin typeface="Times New Roman" panose="02020603050405020304" pitchFamily="18" charset="0"/>
-                <a:ea typeface="Calibri" panose="020F0502020204030204" pitchFamily="34" charset="0"/>
-                <a:cs typeface="Times New Roman" panose="02020603050405020304" pitchFamily="18" charset="0"/>
-              </a:rPr>
-              <a:t>Initializr</a:t>
-            </a:r>
-            <a:r>
-              <a:rPr lang="en-US" sz="1800" dirty="0">
-                <a:effectLst/>
-                <a:latin typeface="Times New Roman" panose="02020603050405020304" pitchFamily="18" charset="0"/>
-                <a:ea typeface="Calibri" panose="020F0502020204030204" pitchFamily="34" charset="0"/>
-                <a:cs typeface="Times New Roman" panose="02020603050405020304" pitchFamily="18" charset="0"/>
-              </a:rPr>
-              <a:t>. (n.d.). Spring </a:t>
-            </a:r>
-            <a:r>
-              <a:rPr lang="en-US" sz="1800" dirty="0" err="1">
-                <a:effectLst/>
-                <a:latin typeface="Times New Roman" panose="02020603050405020304" pitchFamily="18" charset="0"/>
-                <a:ea typeface="Calibri" panose="020F0502020204030204" pitchFamily="34" charset="0"/>
-                <a:cs typeface="Times New Roman" panose="02020603050405020304" pitchFamily="18" charset="0"/>
-              </a:rPr>
-              <a:t>Initializr</a:t>
-            </a:r>
-            <a:r>
-              <a:rPr lang="en-US" sz="1800" dirty="0">
-                <a:effectLst/>
-                <a:latin typeface="Times New Roman" panose="02020603050405020304" pitchFamily="18" charset="0"/>
-                <a:ea typeface="Calibri" panose="020F0502020204030204" pitchFamily="34" charset="0"/>
-                <a:cs typeface="Times New Roman" panose="02020603050405020304" pitchFamily="18" charset="0"/>
-              </a:rPr>
-              <a:t>. Retrieved October 14, 2022, from </a:t>
-            </a:r>
-            <a:r>
-              <a:rPr lang="en-US" sz="1800" u="sng" dirty="0">
-                <a:solidFill>
-                  <a:srgbClr val="0563C1"/>
-                </a:solidFill>
-                <a:effectLst/>
-                <a:latin typeface="Times New Roman" panose="02020603050405020304" pitchFamily="18" charset="0"/>
-                <a:ea typeface="Calibri" panose="020F0502020204030204" pitchFamily="34" charset="0"/>
-                <a:cs typeface="Times New Roman" panose="02020603050405020304" pitchFamily="18" charset="0"/>
-                <a:hlinkClick r:id="rId17"/>
-              </a:rPr>
-              <a:t>https://start.spring.io</a:t>
-            </a:r>
-            <a:r>
-              <a:rPr lang="en-US" sz="1800" dirty="0">
-                <a:effectLst/>
-                <a:latin typeface="Times New Roman" panose="02020603050405020304" pitchFamily="18" charset="0"/>
-                <a:ea typeface="Calibri" panose="020F0502020204030204" pitchFamily="34" charset="0"/>
-                <a:cs typeface="Times New Roman" panose="02020603050405020304" pitchFamily="18" charset="0"/>
-              </a:rPr>
-              <a:t> </a:t>
-            </a:r>
             <a:endParaRPr lang="en-US" sz="1800" dirty="0">
               <a:effectLst/>
               <a:latin typeface="Times New Roman" panose="02020603050405020304" pitchFamily="18" charset="0"/>
@@ -30165,7 +30175,7 @@
                 <a:latin typeface="Bahnschrift" panose="020B0502040204020203" pitchFamily="34" charset="0"/>
                 <a:cs typeface="Times New Roman" panose="02020603050405020304" pitchFamily="18" charset="0"/>
               </a:rPr>
-              <a:t>Address	: Building I at Institute of Technology of  	 	Cambodia</a:t>
+              <a:t>Address	: Building I at the Institute of Technology of  	 Cambodia</a:t>
             </a:r>
           </a:p>
           <a:p>
@@ -33661,7 +33671,7 @@
                 <a:latin typeface="Bahnschrift" panose="020B0502040204020203" pitchFamily="34" charset="0"/>
                 <a:cs typeface="Times New Roman" panose="02020603050405020304" pitchFamily="18" charset="0"/>
               </a:rPr>
-              <a:t>Generate a student card for the candidate</a:t>
+              <a:t>Generate a student library card for the candidate</a:t>
             </a:r>
           </a:p>
           <a:p>
